--- a/assets/img/math/pb/pearson_and_spearman/pearson_and_spearman.pptx
+++ b/assets/img/math/pb/pearson_and_spearman/pearson_and_spearman.pptx
@@ -6,6 +6,7 @@
   </p:sldMasterIdLst>
   <p:sldIdLst>
     <p:sldId id="258" r:id="rId2"/>
+    <p:sldId id="259" r:id="rId3"/>
   </p:sldIdLst>
   <p:sldSz cx="9906000" cy="6858000" type="A4"/>
   <p:notesSz cx="6858000" cy="9144000"/>
@@ -897,7 +898,7 @@
               <a:pPr latinLnBrk="1">
                 <a:defRPr/>
               </a:pPr>
-              <a:t>2023-12-13</a:t>
+              <a:t>2023-12-22</a:t>
             </a:fld>
             <a:endParaRPr lang="ko-KR" altLang="en-US" dirty="0">
               <a:solidFill>
@@ -2065,6 +2066,976 @@
 </p:sld>
 </file>
 
+<file path=ppt/slides/slide2.xml><?xml version="1.0" encoding="utf-8"?>
+<p:sld xmlns:a="http://schemas.openxmlformats.org/drawingml/2006/main" xmlns:r="http://schemas.openxmlformats.org/officeDocument/2006/relationships" xmlns:p="http://schemas.openxmlformats.org/presentationml/2006/main">
+  <p:cSld>
+    <p:spTree>
+      <p:nvGrpSpPr>
+        <p:cNvPr id="1" name=""/>
+        <p:cNvGrpSpPr/>
+        <p:nvPr/>
+      </p:nvGrpSpPr>
+      <p:grpSpPr>
+        <a:xfrm>
+          <a:off x="0" y="0"/>
+          <a:ext cx="0" cy="0"/>
+          <a:chOff x="0" y="0"/>
+          <a:chExt cx="0" cy="0"/>
+        </a:xfrm>
+      </p:grpSpPr>
+      <p:sp>
+        <p:nvSpPr>
+          <p:cNvPr id="2" name="제목 1">
+            <a:extLst>
+              <a:ext uri="{FF2B5EF4-FFF2-40B4-BE49-F238E27FC236}">
+                <a16:creationId xmlns:a16="http://schemas.microsoft.com/office/drawing/2014/main" id="{4BB91425-6AC6-36F0-C9D8-674EBA24BF32}"/>
+              </a:ext>
+            </a:extLst>
+          </p:cNvPr>
+          <p:cNvSpPr>
+            <a:spLocks noGrp="1"/>
+          </p:cNvSpPr>
+          <p:nvPr>
+            <p:ph type="ctrTitle"/>
+          </p:nvPr>
+        </p:nvSpPr>
+        <p:spPr/>
+        <p:txBody>
+          <a:bodyPr/>
+          <a:lstStyle/>
+          <a:p>
+            <a:endParaRPr lang="ko-KR" altLang="en-US"/>
+          </a:p>
+        </p:txBody>
+      </p:sp>
+      <p:sp>
+        <p:nvSpPr>
+          <p:cNvPr id="3" name="부제목 2">
+            <a:extLst>
+              <a:ext uri="{FF2B5EF4-FFF2-40B4-BE49-F238E27FC236}">
+                <a16:creationId xmlns:a16="http://schemas.microsoft.com/office/drawing/2014/main" id="{59F20FD3-8FC5-9F7F-F675-F4EB0F6F6183}"/>
+              </a:ext>
+            </a:extLst>
+          </p:cNvPr>
+          <p:cNvSpPr>
+            <a:spLocks noGrp="1"/>
+          </p:cNvSpPr>
+          <p:nvPr>
+            <p:ph type="subTitle" idx="1"/>
+          </p:nvPr>
+        </p:nvSpPr>
+        <p:spPr/>
+        <p:txBody>
+          <a:bodyPr/>
+          <a:lstStyle/>
+          <a:p>
+            <a:endParaRPr lang="ko-KR" altLang="en-US"/>
+          </a:p>
+        </p:txBody>
+      </p:sp>
+      <p:sp>
+        <p:nvSpPr>
+          <p:cNvPr id="4" name="슬라이드 번호 개체 틀 3">
+            <a:extLst>
+              <a:ext uri="{FF2B5EF4-FFF2-40B4-BE49-F238E27FC236}">
+                <a16:creationId xmlns:a16="http://schemas.microsoft.com/office/drawing/2014/main" id="{6E5DD008-B216-B41F-2629-FF62DD46DA2E}"/>
+              </a:ext>
+            </a:extLst>
+          </p:cNvPr>
+          <p:cNvSpPr>
+            <a:spLocks noGrp="1"/>
+          </p:cNvSpPr>
+          <p:nvPr>
+            <p:ph type="sldNum" sz="quarter" idx="10"/>
+          </p:nvPr>
+        </p:nvSpPr>
+        <p:spPr/>
+        <p:txBody>
+          <a:bodyPr/>
+          <a:lstStyle/>
+          <a:p>
+            <a:pPr>
+              <a:defRPr/>
+            </a:pPr>
+            <a:fld id="{13527AB9-6298-44FA-9E1C-7B66247BD5AA}" type="slidenum">
+              <a:rPr lang="ko-KR" altLang="en-US" smtClean="0">
+                <a:solidFill>
+                  <a:prstClr val="black"/>
+                </a:solidFill>
+              </a:rPr>
+              <a:pPr>
+                <a:defRPr/>
+              </a:pPr>
+              <a:t>2</a:t>
+            </a:fld>
+            <a:endParaRPr lang="ko-KR" altLang="en-US" dirty="0">
+              <a:solidFill>
+                <a:prstClr val="black"/>
+              </a:solidFill>
+            </a:endParaRPr>
+          </a:p>
+        </p:txBody>
+      </p:sp>
+      <p:graphicFrame>
+        <p:nvGraphicFramePr>
+          <p:cNvPr id="5" name="표 4">
+            <a:extLst>
+              <a:ext uri="{FF2B5EF4-FFF2-40B4-BE49-F238E27FC236}">
+                <a16:creationId xmlns:a16="http://schemas.microsoft.com/office/drawing/2014/main" id="{F37DA1D3-4346-D270-8983-C577D370EA91}"/>
+              </a:ext>
+            </a:extLst>
+          </p:cNvPr>
+          <p:cNvGraphicFramePr>
+            <a:graphicFrameLocks noGrp="1"/>
+          </p:cNvGraphicFramePr>
+          <p:nvPr>
+            <p:extLst>
+              <p:ext uri="{D42A27DB-BD31-4B8C-83A1-F6EECF244321}">
+                <p14:modId xmlns:p14="http://schemas.microsoft.com/office/powerpoint/2010/main" val="3151470759"/>
+              </p:ext>
+            </p:extLst>
+          </p:nvPr>
+        </p:nvGraphicFramePr>
+        <p:xfrm>
+          <a:off x="1274200" y="1098282"/>
+          <a:ext cx="7357600" cy="4661436"/>
+        </p:xfrm>
+        <a:graphic>
+          <a:graphicData uri="http://schemas.openxmlformats.org/drawingml/2006/table">
+            <a:tbl>
+              <a:tblPr firstRow="1" bandRow="1">
+                <a:tableStyleId>{5940675A-B579-460E-94D1-54222C63F5DA}</a:tableStyleId>
+              </a:tblPr>
+              <a:tblGrid>
+                <a:gridCol w="1196976">
+                  <a:extLst>
+                    <a:ext uri="{9D8B030D-6E8A-4147-A177-3AD203B41FA5}">
+                      <a16:colId xmlns:a16="http://schemas.microsoft.com/office/drawing/2014/main" val="2717162849"/>
+                    </a:ext>
+                  </a:extLst>
+                </a:gridCol>
+                <a:gridCol w="3080312">
+                  <a:extLst>
+                    <a:ext uri="{9D8B030D-6E8A-4147-A177-3AD203B41FA5}">
+                      <a16:colId xmlns:a16="http://schemas.microsoft.com/office/drawing/2014/main" val="3879544634"/>
+                    </a:ext>
+                  </a:extLst>
+                </a:gridCol>
+                <a:gridCol w="3080312">
+                  <a:extLst>
+                    <a:ext uri="{9D8B030D-6E8A-4147-A177-3AD203B41FA5}">
+                      <a16:colId xmlns:a16="http://schemas.microsoft.com/office/drawing/2014/main" val="324847788"/>
+                    </a:ext>
+                  </a:extLst>
+                </a:gridCol>
+              </a:tblGrid>
+              <a:tr h="653462">
+                <a:tc>
+                  <a:txBody>
+                    <a:bodyPr/>
+                    <a:lstStyle/>
+                    <a:p>
+                      <a:pPr algn="ctr" latinLnBrk="1">
+                        <a:lnSpc>
+                          <a:spcPct val="120000"/>
+                        </a:lnSpc>
+                      </a:pPr>
+                      <a:endParaRPr lang="ko-KR" altLang="en-US" sz="1200" dirty="0">
+                        <a:latin typeface="나눔바른고딕" panose="020B0603020101020101" pitchFamily="50" charset="-127"/>
+                        <a:ea typeface="나눔바른고딕" panose="020B0603020101020101" pitchFamily="50" charset="-127"/>
+                      </a:endParaRPr>
+                    </a:p>
+                  </a:txBody>
+                  <a:tcPr anchor="ctr">
+                    <a:solidFill>
+                      <a:schemeClr val="accent1">
+                        <a:lumMod val="20000"/>
+                        <a:lumOff val="80000"/>
+                      </a:schemeClr>
+                    </a:solidFill>
+                  </a:tcPr>
+                </a:tc>
+                <a:tc>
+                  <a:txBody>
+                    <a:bodyPr/>
+                    <a:lstStyle/>
+                    <a:p>
+                      <a:pPr algn="ctr" latinLnBrk="1">
+                        <a:lnSpc>
+                          <a:spcPct val="120000"/>
+                        </a:lnSpc>
+                      </a:pPr>
+                      <a:r>
+                        <a:rPr lang="en-US" altLang="ko-KR" sz="1500" b="1" dirty="0">
+                          <a:solidFill>
+                            <a:schemeClr val="tx1"/>
+                          </a:solidFill>
+                          <a:latin typeface="나눔바른고딕" panose="020B0603020101020101" pitchFamily="50" charset="-127"/>
+                          <a:ea typeface="나눔바른고딕" panose="020B0603020101020101" pitchFamily="50" charset="-127"/>
+                        </a:rPr>
+                        <a:t>Pearson Correlation Coefficient</a:t>
+                      </a:r>
+                      <a:endParaRPr lang="ko-KR" altLang="en-US" sz="1500" b="1" dirty="0">
+                        <a:solidFill>
+                          <a:schemeClr val="tx1"/>
+                        </a:solidFill>
+                        <a:latin typeface="나눔바른고딕" panose="020B0603020101020101" pitchFamily="50" charset="-127"/>
+                        <a:ea typeface="나눔바른고딕" panose="020B0603020101020101" pitchFamily="50" charset="-127"/>
+                      </a:endParaRPr>
+                    </a:p>
+                  </a:txBody>
+                  <a:tcPr anchor="ctr">
+                    <a:solidFill>
+                      <a:schemeClr val="accent1">
+                        <a:lumMod val="20000"/>
+                        <a:lumOff val="80000"/>
+                      </a:schemeClr>
+                    </a:solidFill>
+                  </a:tcPr>
+                </a:tc>
+                <a:tc>
+                  <a:txBody>
+                    <a:bodyPr/>
+                    <a:lstStyle/>
+                    <a:p>
+                      <a:pPr marL="0" marR="0" lvl="0" indent="0" algn="ctr" defTabSz="914400" rtl="0" eaLnBrk="1" fontAlgn="auto" latinLnBrk="1" hangingPunct="1">
+                        <a:lnSpc>
+                          <a:spcPct val="120000"/>
+                        </a:lnSpc>
+                        <a:spcBef>
+                          <a:spcPts val="0"/>
+                        </a:spcBef>
+                        <a:spcAft>
+                          <a:spcPts val="0"/>
+                        </a:spcAft>
+                        <a:buClrTx/>
+                        <a:buSzTx/>
+                        <a:buFontTx/>
+                        <a:buNone/>
+                        <a:tabLst/>
+                        <a:defRPr/>
+                      </a:pPr>
+                      <a:r>
+                        <a:rPr lang="en-US" altLang="ko-KR" sz="1500" b="1" dirty="0">
+                          <a:solidFill>
+                            <a:schemeClr val="tx1"/>
+                          </a:solidFill>
+                          <a:latin typeface="나눔바른고딕" panose="020B0603020101020101" pitchFamily="50" charset="-127"/>
+                          <a:ea typeface="나눔바른고딕" panose="020B0603020101020101" pitchFamily="50" charset="-127"/>
+                        </a:rPr>
+                        <a:t>Spearman Correlation Coefficient</a:t>
+                      </a:r>
+                      <a:endParaRPr lang="ko-KR" altLang="en-US" sz="1500" b="1" dirty="0">
+                        <a:solidFill>
+                          <a:schemeClr val="tx1"/>
+                        </a:solidFill>
+                        <a:latin typeface="나눔바른고딕" panose="020B0603020101020101" pitchFamily="50" charset="-127"/>
+                        <a:ea typeface="나눔바른고딕" panose="020B0603020101020101" pitchFamily="50" charset="-127"/>
+                      </a:endParaRPr>
+                    </a:p>
+                  </a:txBody>
+                  <a:tcPr anchor="ctr">
+                    <a:solidFill>
+                      <a:schemeClr val="accent1">
+                        <a:lumMod val="20000"/>
+                        <a:lumOff val="80000"/>
+                      </a:schemeClr>
+                    </a:solidFill>
+                  </a:tcPr>
+                </a:tc>
+                <a:extLst>
+                  <a:ext uri="{0D108BD9-81ED-4DB2-BD59-A6C34878D82A}">
+                    <a16:rowId xmlns:a16="http://schemas.microsoft.com/office/drawing/2014/main" val="354297986"/>
+                  </a:ext>
+                </a:extLst>
+              </a:tr>
+              <a:tr h="653462">
+                <a:tc>
+                  <a:txBody>
+                    <a:bodyPr/>
+                    <a:lstStyle/>
+                    <a:p>
+                      <a:pPr algn="ctr" latinLnBrk="1">
+                        <a:lnSpc>
+                          <a:spcPct val="120000"/>
+                        </a:lnSpc>
+                      </a:pPr>
+                      <a:r>
+                        <a:rPr lang="ko-KR" altLang="en-US" sz="1500" b="1" dirty="0">
+                          <a:latin typeface="나눔바른고딕" panose="020B0603020101020101" pitchFamily="50" charset="-127"/>
+                          <a:ea typeface="나눔바른고딕" panose="020B0603020101020101" pitchFamily="50" charset="-127"/>
+                        </a:rPr>
+                        <a:t>목적</a:t>
+                      </a:r>
+                    </a:p>
+                  </a:txBody>
+                  <a:tcPr anchor="ctr">
+                    <a:solidFill>
+                      <a:schemeClr val="accent1">
+                        <a:lumMod val="20000"/>
+                        <a:lumOff val="80000"/>
+                      </a:schemeClr>
+                    </a:solidFill>
+                  </a:tcPr>
+                </a:tc>
+                <a:tc>
+                  <a:txBody>
+                    <a:bodyPr/>
+                    <a:lstStyle/>
+                    <a:p>
+                      <a:pPr algn="ctr" latinLnBrk="1">
+                        <a:lnSpc>
+                          <a:spcPct val="120000"/>
+                        </a:lnSpc>
+                      </a:pPr>
+                      <a:r>
+                        <a:rPr lang="ko-KR" altLang="en-US" sz="1200" dirty="0">
+                          <a:latin typeface="나눔바른고딕" panose="020B0603020101020101" pitchFamily="50" charset="-127"/>
+                          <a:ea typeface="나눔바른고딕" panose="020B0603020101020101" pitchFamily="50" charset="-127"/>
+                        </a:rPr>
+                        <a:t>선형 관계 측정</a:t>
+                      </a:r>
+                    </a:p>
+                  </a:txBody>
+                  <a:tcPr anchor="ctr"/>
+                </a:tc>
+                <a:tc>
+                  <a:txBody>
+                    <a:bodyPr/>
+                    <a:lstStyle/>
+                    <a:p>
+                      <a:pPr algn="ctr" latinLnBrk="1">
+                        <a:lnSpc>
+                          <a:spcPct val="120000"/>
+                        </a:lnSpc>
+                      </a:pPr>
+                      <a:r>
+                        <a:rPr lang="ko-KR" altLang="en-US" sz="1200" dirty="0">
+                          <a:latin typeface="나눔바른고딕" panose="020B0603020101020101" pitchFamily="50" charset="-127"/>
+                          <a:ea typeface="나눔바른고딕" panose="020B0603020101020101" pitchFamily="50" charset="-127"/>
+                        </a:rPr>
+                        <a:t>단조 증가 관계 측정</a:t>
+                      </a:r>
+                    </a:p>
+                  </a:txBody>
+                  <a:tcPr anchor="ctr"/>
+                </a:tc>
+                <a:extLst>
+                  <a:ext uri="{0D108BD9-81ED-4DB2-BD59-A6C34878D82A}">
+                    <a16:rowId xmlns:a16="http://schemas.microsoft.com/office/drawing/2014/main" val="3695105092"/>
+                  </a:ext>
+                </a:extLst>
+              </a:tr>
+              <a:tr h="653462">
+                <a:tc>
+                  <a:txBody>
+                    <a:bodyPr/>
+                    <a:lstStyle/>
+                    <a:p>
+                      <a:pPr algn="ctr" latinLnBrk="1">
+                        <a:lnSpc>
+                          <a:spcPct val="120000"/>
+                        </a:lnSpc>
+                      </a:pPr>
+                      <a:r>
+                        <a:rPr lang="ko-KR" altLang="en-US" sz="1500" b="1" dirty="0">
+                          <a:latin typeface="나눔바른고딕" panose="020B0603020101020101" pitchFamily="50" charset="-127"/>
+                          <a:ea typeface="나눔바른고딕" panose="020B0603020101020101" pitchFamily="50" charset="-127"/>
+                        </a:rPr>
+                        <a:t>가정</a:t>
+                      </a:r>
+                    </a:p>
+                  </a:txBody>
+                  <a:tcPr anchor="ctr">
+                    <a:solidFill>
+                      <a:schemeClr val="accent1">
+                        <a:lumMod val="20000"/>
+                        <a:lumOff val="80000"/>
+                      </a:schemeClr>
+                    </a:solidFill>
+                  </a:tcPr>
+                </a:tc>
+                <a:tc>
+                  <a:txBody>
+                    <a:bodyPr/>
+                    <a:lstStyle/>
+                    <a:p>
+                      <a:pPr algn="ctr" latinLnBrk="1">
+                        <a:lnSpc>
+                          <a:spcPct val="120000"/>
+                        </a:lnSpc>
+                      </a:pPr>
+                      <a:r>
+                        <a:rPr lang="ko-KR" altLang="en-US" sz="1200" dirty="0">
+                          <a:latin typeface="나눔바른고딕" panose="020B0603020101020101" pitchFamily="50" charset="-127"/>
+                          <a:ea typeface="나눔바른고딕" panose="020B0603020101020101" pitchFamily="50" charset="-127"/>
+                        </a:rPr>
+                        <a:t>각 변수는 정규 분포를 따르고 </a:t>
+                      </a:r>
+                      <a:endParaRPr lang="en-US" altLang="ko-KR" sz="1200" dirty="0">
+                        <a:latin typeface="나눔바른고딕" panose="020B0603020101020101" pitchFamily="50" charset="-127"/>
+                        <a:ea typeface="나눔바른고딕" panose="020B0603020101020101" pitchFamily="50" charset="-127"/>
+                      </a:endParaRPr>
+                    </a:p>
+                    <a:p>
+                      <a:pPr algn="ctr" latinLnBrk="1">
+                        <a:lnSpc>
+                          <a:spcPct val="120000"/>
+                        </a:lnSpc>
+                      </a:pPr>
+                      <a:r>
+                        <a:rPr lang="ko-KR" altLang="en-US" sz="1200" dirty="0">
+                          <a:latin typeface="나눔바른고딕" panose="020B0603020101020101" pitchFamily="50" charset="-127"/>
+                          <a:ea typeface="나눔바른고딕" panose="020B0603020101020101" pitchFamily="50" charset="-127"/>
+                        </a:rPr>
+                        <a:t>두 변수는 선형 관계를 가짐</a:t>
+                      </a:r>
+                    </a:p>
+                  </a:txBody>
+                  <a:tcPr anchor="ctr"/>
+                </a:tc>
+                <a:tc>
+                  <a:txBody>
+                    <a:bodyPr/>
+                    <a:lstStyle/>
+                    <a:p>
+                      <a:pPr algn="ctr" latinLnBrk="1">
+                        <a:lnSpc>
+                          <a:spcPct val="120000"/>
+                        </a:lnSpc>
+                      </a:pPr>
+                      <a:r>
+                        <a:rPr lang="ko-KR" altLang="en-US" sz="1200" dirty="0">
+                          <a:latin typeface="나눔바른고딕" panose="020B0603020101020101" pitchFamily="50" charset="-127"/>
+                          <a:ea typeface="나눔바른고딕" panose="020B0603020101020101" pitchFamily="50" charset="-127"/>
+                        </a:rPr>
+                        <a:t>각 변수는 어떤 분포인 지 상관 없으며 </a:t>
+                      </a:r>
+                      <a:endParaRPr lang="en-US" altLang="ko-KR" sz="1200" dirty="0">
+                        <a:latin typeface="나눔바른고딕" panose="020B0603020101020101" pitchFamily="50" charset="-127"/>
+                        <a:ea typeface="나눔바른고딕" panose="020B0603020101020101" pitchFamily="50" charset="-127"/>
+                      </a:endParaRPr>
+                    </a:p>
+                    <a:p>
+                      <a:pPr algn="ctr" latinLnBrk="1">
+                        <a:lnSpc>
+                          <a:spcPct val="120000"/>
+                        </a:lnSpc>
+                      </a:pPr>
+                      <a:r>
+                        <a:rPr lang="ko-KR" altLang="en-US" sz="1200" dirty="0">
+                          <a:latin typeface="나눔바른고딕" panose="020B0603020101020101" pitchFamily="50" charset="-127"/>
+                          <a:ea typeface="나눔바른고딕" panose="020B0603020101020101" pitchFamily="50" charset="-127"/>
+                        </a:rPr>
+                        <a:t>두 변수는 단조 증가 관계를 가짐</a:t>
+                      </a:r>
+                    </a:p>
+                  </a:txBody>
+                  <a:tcPr anchor="ctr"/>
+                </a:tc>
+                <a:extLst>
+                  <a:ext uri="{0D108BD9-81ED-4DB2-BD59-A6C34878D82A}">
+                    <a16:rowId xmlns:a16="http://schemas.microsoft.com/office/drawing/2014/main" val="2579832046"/>
+                  </a:ext>
+                </a:extLst>
+              </a:tr>
+              <a:tr h="653462">
+                <a:tc>
+                  <a:txBody>
+                    <a:bodyPr/>
+                    <a:lstStyle/>
+                    <a:p>
+                      <a:pPr algn="ctr" latinLnBrk="1">
+                        <a:lnSpc>
+                          <a:spcPct val="120000"/>
+                        </a:lnSpc>
+                      </a:pPr>
+                      <a:r>
+                        <a:rPr lang="ko-KR" altLang="en-US" sz="1500" b="1" dirty="0">
+                          <a:latin typeface="나눔바른고딕" panose="020B0603020101020101" pitchFamily="50" charset="-127"/>
+                          <a:ea typeface="나눔바른고딕" panose="020B0603020101020101" pitchFamily="50" charset="-127"/>
+                        </a:rPr>
+                        <a:t>계산 방식</a:t>
+                      </a:r>
+                    </a:p>
+                  </a:txBody>
+                  <a:tcPr anchor="ctr">
+                    <a:solidFill>
+                      <a:schemeClr val="accent1">
+                        <a:lumMod val="20000"/>
+                        <a:lumOff val="80000"/>
+                      </a:schemeClr>
+                    </a:solidFill>
+                  </a:tcPr>
+                </a:tc>
+                <a:tc>
+                  <a:txBody>
+                    <a:bodyPr/>
+                    <a:lstStyle/>
+                    <a:p>
+                      <a:pPr algn="ctr" latinLnBrk="1">
+                        <a:lnSpc>
+                          <a:spcPct val="120000"/>
+                        </a:lnSpc>
+                      </a:pPr>
+                      <a:r>
+                        <a:rPr lang="ko-KR" altLang="en-US" sz="1200" dirty="0">
+                          <a:latin typeface="나눔바른고딕" panose="020B0603020101020101" pitchFamily="50" charset="-127"/>
+                          <a:ea typeface="나눔바른고딕" panose="020B0603020101020101" pitchFamily="50" charset="-127"/>
+                        </a:rPr>
+                        <a:t>공분산과 표준 편차를 이용함</a:t>
+                      </a:r>
+                    </a:p>
+                  </a:txBody>
+                  <a:tcPr anchor="ctr"/>
+                </a:tc>
+                <a:tc>
+                  <a:txBody>
+                    <a:bodyPr/>
+                    <a:lstStyle/>
+                    <a:p>
+                      <a:pPr algn="ctr" latinLnBrk="1">
+                        <a:lnSpc>
+                          <a:spcPct val="120000"/>
+                        </a:lnSpc>
+                      </a:pPr>
+                      <a:r>
+                        <a:rPr lang="ko-KR" altLang="en-US" sz="1200" dirty="0">
+                          <a:latin typeface="나눔바른고딕" panose="020B0603020101020101" pitchFamily="50" charset="-127"/>
+                          <a:ea typeface="나눔바른고딕" panose="020B0603020101020101" pitchFamily="50" charset="-127"/>
+                        </a:rPr>
+                        <a:t>데이터의 랭크를 이용함</a:t>
+                      </a:r>
+                    </a:p>
+                  </a:txBody>
+                  <a:tcPr anchor="ctr"/>
+                </a:tc>
+                <a:extLst>
+                  <a:ext uri="{0D108BD9-81ED-4DB2-BD59-A6C34878D82A}">
+                    <a16:rowId xmlns:a16="http://schemas.microsoft.com/office/drawing/2014/main" val="939175473"/>
+                  </a:ext>
+                </a:extLst>
+              </a:tr>
+              <a:tr h="653462">
+                <a:tc>
+                  <a:txBody>
+                    <a:bodyPr/>
+                    <a:lstStyle/>
+                    <a:p>
+                      <a:pPr algn="ctr" latinLnBrk="1">
+                        <a:lnSpc>
+                          <a:spcPct val="120000"/>
+                        </a:lnSpc>
+                      </a:pPr>
+                      <a:r>
+                        <a:rPr lang="ko-KR" altLang="en-US" sz="1500" b="1" dirty="0">
+                          <a:latin typeface="나눔바른고딕" panose="020B0603020101020101" pitchFamily="50" charset="-127"/>
+                          <a:ea typeface="나눔바른고딕" panose="020B0603020101020101" pitchFamily="50" charset="-127"/>
+                        </a:rPr>
+                        <a:t>값 범위</a:t>
+                      </a:r>
+                    </a:p>
+                  </a:txBody>
+                  <a:tcPr anchor="ctr">
+                    <a:solidFill>
+                      <a:schemeClr val="accent1">
+                        <a:lumMod val="20000"/>
+                        <a:lumOff val="80000"/>
+                      </a:schemeClr>
+                    </a:solidFill>
+                  </a:tcPr>
+                </a:tc>
+                <a:tc>
+                  <a:txBody>
+                    <a:bodyPr/>
+                    <a:lstStyle/>
+                    <a:p>
+                      <a:pPr algn="ctr" latinLnBrk="1">
+                        <a:lnSpc>
+                          <a:spcPct val="120000"/>
+                        </a:lnSpc>
+                      </a:pPr>
+                      <a:r>
+                        <a:rPr lang="en-US" altLang="ko-KR" sz="1200" dirty="0">
+                          <a:latin typeface="나눔바른고딕" panose="020B0603020101020101" pitchFamily="50" charset="-127"/>
+                          <a:ea typeface="나눔바른고딕" panose="020B0603020101020101" pitchFamily="50" charset="-127"/>
+                        </a:rPr>
+                        <a:t>-1 ~ 1</a:t>
+                      </a:r>
+                      <a:endParaRPr lang="ko-KR" altLang="en-US" sz="1200" dirty="0">
+                        <a:latin typeface="나눔바른고딕" panose="020B0603020101020101" pitchFamily="50" charset="-127"/>
+                        <a:ea typeface="나눔바른고딕" panose="020B0603020101020101" pitchFamily="50" charset="-127"/>
+                      </a:endParaRPr>
+                    </a:p>
+                  </a:txBody>
+                  <a:tcPr anchor="ctr"/>
+                </a:tc>
+                <a:tc>
+                  <a:txBody>
+                    <a:bodyPr/>
+                    <a:lstStyle/>
+                    <a:p>
+                      <a:pPr algn="ctr" latinLnBrk="1">
+                        <a:lnSpc>
+                          <a:spcPct val="120000"/>
+                        </a:lnSpc>
+                      </a:pPr>
+                      <a:r>
+                        <a:rPr lang="en-US" altLang="ko-KR" sz="1200" dirty="0">
+                          <a:latin typeface="나눔바른고딕" panose="020B0603020101020101" pitchFamily="50" charset="-127"/>
+                          <a:ea typeface="나눔바른고딕" panose="020B0603020101020101" pitchFamily="50" charset="-127"/>
+                        </a:rPr>
+                        <a:t>-1 ~ 1</a:t>
+                      </a:r>
+                      <a:endParaRPr lang="ko-KR" altLang="en-US" sz="1200" dirty="0">
+                        <a:latin typeface="나눔바른고딕" panose="020B0603020101020101" pitchFamily="50" charset="-127"/>
+                        <a:ea typeface="나눔바른고딕" panose="020B0603020101020101" pitchFamily="50" charset="-127"/>
+                      </a:endParaRPr>
+                    </a:p>
+                  </a:txBody>
+                  <a:tcPr anchor="ctr"/>
+                </a:tc>
+                <a:extLst>
+                  <a:ext uri="{0D108BD9-81ED-4DB2-BD59-A6C34878D82A}">
+                    <a16:rowId xmlns:a16="http://schemas.microsoft.com/office/drawing/2014/main" val="3791506680"/>
+                  </a:ext>
+                </a:extLst>
+              </a:tr>
+              <a:tr h="653462">
+                <a:tc>
+                  <a:txBody>
+                    <a:bodyPr/>
+                    <a:lstStyle/>
+                    <a:p>
+                      <a:pPr algn="ctr" latinLnBrk="1">
+                        <a:lnSpc>
+                          <a:spcPct val="120000"/>
+                        </a:lnSpc>
+                      </a:pPr>
+                      <a:r>
+                        <a:rPr lang="ko-KR" altLang="en-US" sz="1500" b="1" dirty="0">
+                          <a:latin typeface="나눔바른고딕" panose="020B0603020101020101" pitchFamily="50" charset="-127"/>
+                          <a:ea typeface="나눔바른고딕" panose="020B0603020101020101" pitchFamily="50" charset="-127"/>
+                        </a:rPr>
+                        <a:t>해석</a:t>
+                      </a:r>
+                    </a:p>
+                  </a:txBody>
+                  <a:tcPr anchor="ctr">
+                    <a:solidFill>
+                      <a:schemeClr val="accent1">
+                        <a:lumMod val="20000"/>
+                        <a:lumOff val="80000"/>
+                      </a:schemeClr>
+                    </a:solidFill>
+                  </a:tcPr>
+                </a:tc>
+                <a:tc>
+                  <a:txBody>
+                    <a:bodyPr/>
+                    <a:lstStyle/>
+                    <a:p>
+                      <a:pPr algn="ctr" latinLnBrk="1">
+                        <a:lnSpc>
+                          <a:spcPct val="120000"/>
+                        </a:lnSpc>
+                      </a:pPr>
+                      <a:r>
+                        <a:rPr lang="en-US" altLang="ko-KR" sz="1200" dirty="0">
+                          <a:latin typeface="나눔바른고딕" panose="020B0603020101020101" pitchFamily="50" charset="-127"/>
+                          <a:ea typeface="나눔바른고딕" panose="020B0603020101020101" pitchFamily="50" charset="-127"/>
+                        </a:rPr>
+                        <a:t>-1 : </a:t>
+                      </a:r>
+                      <a:r>
+                        <a:rPr lang="ko-KR" altLang="en-US" sz="1200" dirty="0">
+                          <a:latin typeface="나눔바른고딕" panose="020B0603020101020101" pitchFamily="50" charset="-127"/>
+                          <a:ea typeface="나눔바른고딕" panose="020B0603020101020101" pitchFamily="50" charset="-127"/>
+                        </a:rPr>
+                        <a:t>음의 강한 상관 관계</a:t>
+                      </a:r>
+                      <a:endParaRPr lang="en-US" altLang="ko-KR" sz="1200" dirty="0">
+                        <a:latin typeface="나눔바른고딕" panose="020B0603020101020101" pitchFamily="50" charset="-127"/>
+                        <a:ea typeface="나눔바른고딕" panose="020B0603020101020101" pitchFamily="50" charset="-127"/>
+                      </a:endParaRPr>
+                    </a:p>
+                    <a:p>
+                      <a:pPr algn="ctr" latinLnBrk="1">
+                        <a:lnSpc>
+                          <a:spcPct val="120000"/>
+                        </a:lnSpc>
+                      </a:pPr>
+                      <a:r>
+                        <a:rPr lang="en-US" altLang="ko-KR" sz="1200" dirty="0">
+                          <a:latin typeface="나눔바른고딕" panose="020B0603020101020101" pitchFamily="50" charset="-127"/>
+                          <a:ea typeface="나눔바른고딕" panose="020B0603020101020101" pitchFamily="50" charset="-127"/>
+                        </a:rPr>
+                        <a:t>0 : </a:t>
+                      </a:r>
+                      <a:r>
+                        <a:rPr lang="ko-KR" altLang="en-US" sz="1200" dirty="0">
+                          <a:latin typeface="나눔바른고딕" panose="020B0603020101020101" pitchFamily="50" charset="-127"/>
+                          <a:ea typeface="나눔바른고딕" panose="020B0603020101020101" pitchFamily="50" charset="-127"/>
+                        </a:rPr>
+                        <a:t>상관 관계 없음</a:t>
+                      </a:r>
+                      <a:endParaRPr lang="en-US" altLang="ko-KR" sz="1200" dirty="0">
+                        <a:latin typeface="나눔바른고딕" panose="020B0603020101020101" pitchFamily="50" charset="-127"/>
+                        <a:ea typeface="나눔바른고딕" panose="020B0603020101020101" pitchFamily="50" charset="-127"/>
+                      </a:endParaRPr>
+                    </a:p>
+                    <a:p>
+                      <a:pPr algn="ctr" latinLnBrk="1">
+                        <a:lnSpc>
+                          <a:spcPct val="120000"/>
+                        </a:lnSpc>
+                      </a:pPr>
+                      <a:r>
+                        <a:rPr lang="en-US" altLang="ko-KR" sz="1200" dirty="0">
+                          <a:latin typeface="나눔바른고딕" panose="020B0603020101020101" pitchFamily="50" charset="-127"/>
+                          <a:ea typeface="나눔바른고딕" panose="020B0603020101020101" pitchFamily="50" charset="-127"/>
+                        </a:rPr>
+                        <a:t>1 : </a:t>
+                      </a:r>
+                      <a:r>
+                        <a:rPr lang="ko-KR" altLang="en-US" sz="1200" dirty="0">
+                          <a:latin typeface="나눔바른고딕" panose="020B0603020101020101" pitchFamily="50" charset="-127"/>
+                          <a:ea typeface="나눔바른고딕" panose="020B0603020101020101" pitchFamily="50" charset="-127"/>
+                        </a:rPr>
+                        <a:t>양의 강한 상관 관계</a:t>
+                      </a:r>
+                    </a:p>
+                  </a:txBody>
+                  <a:tcPr anchor="ctr"/>
+                </a:tc>
+                <a:tc>
+                  <a:txBody>
+                    <a:bodyPr/>
+                    <a:lstStyle/>
+                    <a:p>
+                      <a:pPr algn="ctr" latinLnBrk="1">
+                        <a:lnSpc>
+                          <a:spcPct val="120000"/>
+                        </a:lnSpc>
+                      </a:pPr>
+                      <a:r>
+                        <a:rPr lang="en-US" altLang="ko-KR" sz="1200" dirty="0">
+                          <a:latin typeface="나눔바른고딕" panose="020B0603020101020101" pitchFamily="50" charset="-127"/>
+                          <a:ea typeface="나눔바른고딕" panose="020B0603020101020101" pitchFamily="50" charset="-127"/>
+                        </a:rPr>
+                        <a:t>-1 : </a:t>
+                      </a:r>
+                      <a:r>
+                        <a:rPr lang="ko-KR" altLang="en-US" sz="1200" dirty="0">
+                          <a:latin typeface="나눔바른고딕" panose="020B0603020101020101" pitchFamily="50" charset="-127"/>
+                          <a:ea typeface="나눔바른고딕" panose="020B0603020101020101" pitchFamily="50" charset="-127"/>
+                        </a:rPr>
+                        <a:t>음의 강한 상관 관계</a:t>
+                      </a:r>
+                      <a:endParaRPr lang="en-US" altLang="ko-KR" sz="1200" dirty="0">
+                        <a:latin typeface="나눔바른고딕" panose="020B0603020101020101" pitchFamily="50" charset="-127"/>
+                        <a:ea typeface="나눔바른고딕" panose="020B0603020101020101" pitchFamily="50" charset="-127"/>
+                      </a:endParaRPr>
+                    </a:p>
+                    <a:p>
+                      <a:pPr algn="ctr" latinLnBrk="1">
+                        <a:lnSpc>
+                          <a:spcPct val="120000"/>
+                        </a:lnSpc>
+                      </a:pPr>
+                      <a:r>
+                        <a:rPr lang="en-US" altLang="ko-KR" sz="1200" dirty="0">
+                          <a:latin typeface="나눔바른고딕" panose="020B0603020101020101" pitchFamily="50" charset="-127"/>
+                          <a:ea typeface="나눔바른고딕" panose="020B0603020101020101" pitchFamily="50" charset="-127"/>
+                        </a:rPr>
+                        <a:t>0 : </a:t>
+                      </a:r>
+                      <a:r>
+                        <a:rPr lang="ko-KR" altLang="en-US" sz="1200" dirty="0">
+                          <a:latin typeface="나눔바른고딕" panose="020B0603020101020101" pitchFamily="50" charset="-127"/>
+                          <a:ea typeface="나눔바른고딕" panose="020B0603020101020101" pitchFamily="50" charset="-127"/>
+                        </a:rPr>
+                        <a:t>상관 관계 없음</a:t>
+                      </a:r>
+                      <a:endParaRPr lang="en-US" altLang="ko-KR" sz="1200" dirty="0">
+                        <a:latin typeface="나눔바른고딕" panose="020B0603020101020101" pitchFamily="50" charset="-127"/>
+                        <a:ea typeface="나눔바른고딕" panose="020B0603020101020101" pitchFamily="50" charset="-127"/>
+                      </a:endParaRPr>
+                    </a:p>
+                    <a:p>
+                      <a:pPr algn="ctr" latinLnBrk="1">
+                        <a:lnSpc>
+                          <a:spcPct val="120000"/>
+                        </a:lnSpc>
+                      </a:pPr>
+                      <a:r>
+                        <a:rPr lang="en-US" altLang="ko-KR" sz="1200" dirty="0">
+                          <a:latin typeface="나눔바른고딕" panose="020B0603020101020101" pitchFamily="50" charset="-127"/>
+                          <a:ea typeface="나눔바른고딕" panose="020B0603020101020101" pitchFamily="50" charset="-127"/>
+                        </a:rPr>
+                        <a:t>1 : </a:t>
+                      </a:r>
+                      <a:r>
+                        <a:rPr lang="ko-KR" altLang="en-US" sz="1200" dirty="0">
+                          <a:latin typeface="나눔바른고딕" panose="020B0603020101020101" pitchFamily="50" charset="-127"/>
+                          <a:ea typeface="나눔바른고딕" panose="020B0603020101020101" pitchFamily="50" charset="-127"/>
+                        </a:rPr>
+                        <a:t>양의 강한 상관 관계</a:t>
+                      </a:r>
+                    </a:p>
+                  </a:txBody>
+                  <a:tcPr anchor="ctr"/>
+                </a:tc>
+                <a:extLst>
+                  <a:ext uri="{0D108BD9-81ED-4DB2-BD59-A6C34878D82A}">
+                    <a16:rowId xmlns:a16="http://schemas.microsoft.com/office/drawing/2014/main" val="2832425648"/>
+                  </a:ext>
+                </a:extLst>
+              </a:tr>
+              <a:tr h="653462">
+                <a:tc>
+                  <a:txBody>
+                    <a:bodyPr/>
+                    <a:lstStyle/>
+                    <a:p>
+                      <a:pPr algn="ctr" latinLnBrk="1">
+                        <a:lnSpc>
+                          <a:spcPct val="120000"/>
+                        </a:lnSpc>
+                      </a:pPr>
+                      <a:r>
+                        <a:rPr lang="ko-KR" altLang="en-US" sz="1500" b="1" dirty="0" err="1">
+                          <a:latin typeface="나눔바른고딕" panose="020B0603020101020101" pitchFamily="50" charset="-127"/>
+                          <a:ea typeface="나눔바른고딕" panose="020B0603020101020101" pitchFamily="50" charset="-127"/>
+                        </a:rPr>
+                        <a:t>아웃라이어</a:t>
+                      </a:r>
+                      <a:r>
+                        <a:rPr lang="ko-KR" altLang="en-US" sz="1500" b="1" dirty="0">
+                          <a:latin typeface="나눔바른고딕" panose="020B0603020101020101" pitchFamily="50" charset="-127"/>
+                          <a:ea typeface="나눔바른고딕" panose="020B0603020101020101" pitchFamily="50" charset="-127"/>
+                        </a:rPr>
+                        <a:t> </a:t>
+                      </a:r>
+                      <a:endParaRPr lang="en-US" altLang="ko-KR" sz="1500" b="1" dirty="0">
+                        <a:latin typeface="나눔바른고딕" panose="020B0603020101020101" pitchFamily="50" charset="-127"/>
+                        <a:ea typeface="나눔바른고딕" panose="020B0603020101020101" pitchFamily="50" charset="-127"/>
+                      </a:endParaRPr>
+                    </a:p>
+                    <a:p>
+                      <a:pPr algn="ctr" latinLnBrk="1">
+                        <a:lnSpc>
+                          <a:spcPct val="120000"/>
+                        </a:lnSpc>
+                      </a:pPr>
+                      <a:r>
+                        <a:rPr lang="ko-KR" altLang="en-US" sz="1500" b="1" dirty="0">
+                          <a:latin typeface="나눔바른고딕" panose="020B0603020101020101" pitchFamily="50" charset="-127"/>
+                          <a:ea typeface="나눔바른고딕" panose="020B0603020101020101" pitchFamily="50" charset="-127"/>
+                        </a:rPr>
+                        <a:t>민감도</a:t>
+                      </a:r>
+                    </a:p>
+                  </a:txBody>
+                  <a:tcPr anchor="ctr">
+                    <a:solidFill>
+                      <a:schemeClr val="accent1">
+                        <a:lumMod val="20000"/>
+                        <a:lumOff val="80000"/>
+                      </a:schemeClr>
+                    </a:solidFill>
+                  </a:tcPr>
+                </a:tc>
+                <a:tc>
+                  <a:txBody>
+                    <a:bodyPr/>
+                    <a:lstStyle/>
+                    <a:p>
+                      <a:pPr algn="ctr" latinLnBrk="1">
+                        <a:lnSpc>
+                          <a:spcPct val="120000"/>
+                        </a:lnSpc>
+                      </a:pPr>
+                      <a:r>
+                        <a:rPr lang="ko-KR" altLang="en-US" sz="1200" dirty="0" err="1">
+                          <a:latin typeface="나눔바른고딕" panose="020B0603020101020101" pitchFamily="50" charset="-127"/>
+                          <a:ea typeface="나눔바른고딕" panose="020B0603020101020101" pitchFamily="50" charset="-127"/>
+                        </a:rPr>
+                        <a:t>아웃라이어에</a:t>
+                      </a:r>
+                      <a:r>
+                        <a:rPr lang="ko-KR" altLang="en-US" sz="1200" dirty="0">
+                          <a:latin typeface="나눔바른고딕" panose="020B0603020101020101" pitchFamily="50" charset="-127"/>
+                          <a:ea typeface="나눔바른고딕" panose="020B0603020101020101" pitchFamily="50" charset="-127"/>
+                        </a:rPr>
+                        <a:t> </a:t>
+                      </a:r>
+                      <a:r>
+                        <a:rPr lang="ko-KR" altLang="en-US" sz="1200" dirty="0" err="1">
+                          <a:latin typeface="나눔바른고딕" panose="020B0603020101020101" pitchFamily="50" charset="-127"/>
+                          <a:ea typeface="나눔바른고딕" panose="020B0603020101020101" pitchFamily="50" charset="-127"/>
+                        </a:rPr>
+                        <a:t>민간함</a:t>
+                      </a:r>
+                      <a:endParaRPr lang="ko-KR" altLang="en-US" sz="1200" dirty="0">
+                        <a:latin typeface="나눔바른고딕" panose="020B0603020101020101" pitchFamily="50" charset="-127"/>
+                        <a:ea typeface="나눔바른고딕" panose="020B0603020101020101" pitchFamily="50" charset="-127"/>
+                      </a:endParaRPr>
+                    </a:p>
+                  </a:txBody>
+                  <a:tcPr anchor="ctr"/>
+                </a:tc>
+                <a:tc>
+                  <a:txBody>
+                    <a:bodyPr/>
+                    <a:lstStyle/>
+                    <a:p>
+                      <a:pPr algn="ctr" latinLnBrk="1">
+                        <a:lnSpc>
+                          <a:spcPct val="120000"/>
+                        </a:lnSpc>
+                      </a:pPr>
+                      <a:r>
+                        <a:rPr lang="ko-KR" altLang="en-US" sz="1200" dirty="0" err="1">
+                          <a:latin typeface="나눔바른고딕" panose="020B0603020101020101" pitchFamily="50" charset="-127"/>
+                          <a:ea typeface="나눔바른고딕" panose="020B0603020101020101" pitchFamily="50" charset="-127"/>
+                        </a:rPr>
+                        <a:t>아웃라이어에</a:t>
+                      </a:r>
+                      <a:r>
+                        <a:rPr lang="ko-KR" altLang="en-US" sz="1200" dirty="0">
+                          <a:latin typeface="나눔바른고딕" panose="020B0603020101020101" pitchFamily="50" charset="-127"/>
+                          <a:ea typeface="나눔바른고딕" panose="020B0603020101020101" pitchFamily="50" charset="-127"/>
+                        </a:rPr>
+                        <a:t> 상대적으로 덜 민감함</a:t>
+                      </a:r>
+                    </a:p>
+                  </a:txBody>
+                  <a:tcPr anchor="ctr"/>
+                </a:tc>
+                <a:extLst>
+                  <a:ext uri="{0D108BD9-81ED-4DB2-BD59-A6C34878D82A}">
+                    <a16:rowId xmlns:a16="http://schemas.microsoft.com/office/drawing/2014/main" val="2227393999"/>
+                  </a:ext>
+                </a:extLst>
+              </a:tr>
+            </a:tbl>
+          </a:graphicData>
+        </a:graphic>
+      </p:graphicFrame>
+    </p:spTree>
+    <p:extLst>
+      <p:ext uri="{BB962C8B-B14F-4D97-AF65-F5344CB8AC3E}">
+        <p14:creationId xmlns:p14="http://schemas.microsoft.com/office/powerpoint/2010/main" val="2760670737"/>
+      </p:ext>
+    </p:extLst>
+  </p:cSld>
+  <p:clrMapOvr>
+    <a:masterClrMapping/>
+  </p:clrMapOvr>
+</p:sld>
+</file>
+
 <file path=ppt/theme/theme1.xml><?xml version="1.0" encoding="utf-8"?>
 <a:theme xmlns:a="http://schemas.openxmlformats.org/drawingml/2006/main" name="HMC">
   <a:themeElements>

--- a/assets/img/math/pb/pearson_and_spearman/pearson_and_spearman.pptx
+++ b/assets/img/math/pb/pearson_and_spearman/pearson_and_spearman.pptx
@@ -7,6 +7,8 @@
   <p:sldIdLst>
     <p:sldId id="258" r:id="rId2"/>
     <p:sldId id="259" r:id="rId3"/>
+    <p:sldId id="260" r:id="rId4"/>
+    <p:sldId id="261" r:id="rId5"/>
   </p:sldIdLst>
   <p:sldSz cx="9906000" cy="6858000" type="A4"/>
   <p:notesSz cx="6858000" cy="9144000"/>
@@ -122,6 +124,2958 @@
     </p:ext>
   </p:extLst>
 </p:presentation>
+</file>
+
+<file path=ppt/charts/chart1.xml><?xml version="1.0" encoding="utf-8"?>
+<c:chartSpace xmlns:c="http://schemas.openxmlformats.org/drawingml/2006/chart" xmlns:a="http://schemas.openxmlformats.org/drawingml/2006/main" xmlns:r="http://schemas.openxmlformats.org/officeDocument/2006/relationships" xmlns:c16r2="http://schemas.microsoft.com/office/drawing/2015/06/chart">
+  <c:date1904 val="0"/>
+  <c:lang val="ko-KR"/>
+  <c:roundedCorners val="0"/>
+  <mc:AlternateContent xmlns:mc="http://schemas.openxmlformats.org/markup-compatibility/2006">
+    <mc:Choice xmlns:c14="http://schemas.microsoft.com/office/drawing/2007/8/2/chart" Requires="c14">
+      <c14:style val="102"/>
+    </mc:Choice>
+    <mc:Fallback>
+      <c:style val="2"/>
+    </mc:Fallback>
+  </mc:AlternateContent>
+  <c:chart>
+    <c:autoTitleDeleted val="1"/>
+    <c:plotArea>
+      <c:layout/>
+      <c:scatterChart>
+        <c:scatterStyle val="lineMarker"/>
+        <c:varyColors val="0"/>
+        <c:ser>
+          <c:idx val="0"/>
+          <c:order val="0"/>
+          <c:tx>
+            <c:strRef>
+              <c:f>Sheet1!$B$1</c:f>
+              <c:strCache>
+                <c:ptCount val="1"/>
+                <c:pt idx="0">
+                  <c:v>Y</c:v>
+                </c:pt>
+              </c:strCache>
+            </c:strRef>
+          </c:tx>
+          <c:spPr>
+            <a:ln w="28575" cap="rnd">
+              <a:noFill/>
+              <a:round/>
+            </a:ln>
+            <a:effectLst/>
+          </c:spPr>
+          <c:marker>
+            <c:symbol val="circle"/>
+            <c:size val="5"/>
+            <c:spPr>
+              <a:solidFill>
+                <a:schemeClr val="tx1"/>
+              </a:solidFill>
+              <a:ln w="9525">
+                <a:noFill/>
+              </a:ln>
+              <a:effectLst/>
+            </c:spPr>
+          </c:marker>
+          <c:xVal>
+            <c:numRef>
+              <c:f>Sheet1!$A$2:$A$11</c:f>
+              <c:numCache>
+                <c:formatCode>General</c:formatCode>
+                <c:ptCount val="10"/>
+                <c:pt idx="0">
+                  <c:v>2</c:v>
+                </c:pt>
+                <c:pt idx="1">
+                  <c:v>4</c:v>
+                </c:pt>
+                <c:pt idx="2">
+                  <c:v>5</c:v>
+                </c:pt>
+                <c:pt idx="3">
+                  <c:v>6</c:v>
+                </c:pt>
+                <c:pt idx="4">
+                  <c:v>8</c:v>
+                </c:pt>
+                <c:pt idx="5">
+                  <c:v>7</c:v>
+                </c:pt>
+                <c:pt idx="6">
+                  <c:v>9</c:v>
+                </c:pt>
+                <c:pt idx="7">
+                  <c:v>10</c:v>
+                </c:pt>
+                <c:pt idx="8">
+                  <c:v>11</c:v>
+                </c:pt>
+                <c:pt idx="9">
+                  <c:v>12</c:v>
+                </c:pt>
+              </c:numCache>
+            </c:numRef>
+          </c:xVal>
+          <c:yVal>
+            <c:numRef>
+              <c:f>Sheet1!$B$2:$B$11</c:f>
+              <c:numCache>
+                <c:formatCode>General</c:formatCode>
+                <c:ptCount val="10"/>
+                <c:pt idx="0">
+                  <c:v>3</c:v>
+                </c:pt>
+                <c:pt idx="1">
+                  <c:v>4</c:v>
+                </c:pt>
+                <c:pt idx="2">
+                  <c:v>6</c:v>
+                </c:pt>
+                <c:pt idx="3">
+                  <c:v>5</c:v>
+                </c:pt>
+                <c:pt idx="4">
+                  <c:v>7</c:v>
+                </c:pt>
+                <c:pt idx="5">
+                  <c:v>8</c:v>
+                </c:pt>
+                <c:pt idx="6">
+                  <c:v>9</c:v>
+                </c:pt>
+                <c:pt idx="7">
+                  <c:v>10</c:v>
+                </c:pt>
+                <c:pt idx="8">
+                  <c:v>12</c:v>
+                </c:pt>
+                <c:pt idx="9">
+                  <c:v>11</c:v>
+                </c:pt>
+              </c:numCache>
+            </c:numRef>
+          </c:yVal>
+          <c:smooth val="0"/>
+          <c:extLst>
+            <c:ext xmlns:c16="http://schemas.microsoft.com/office/drawing/2014/chart" uri="{C3380CC4-5D6E-409C-BE32-E72D297353CC}">
+              <c16:uniqueId val="{00000000-2B7E-4253-BBEA-6098C3BC9FBA}"/>
+            </c:ext>
+          </c:extLst>
+        </c:ser>
+        <c:dLbls>
+          <c:showLegendKey val="0"/>
+          <c:showVal val="0"/>
+          <c:showCatName val="0"/>
+          <c:showSerName val="0"/>
+          <c:showPercent val="0"/>
+          <c:showBubbleSize val="0"/>
+        </c:dLbls>
+        <c:axId val="1557063696"/>
+        <c:axId val="1385464863"/>
+      </c:scatterChart>
+      <c:valAx>
+        <c:axId val="1557063696"/>
+        <c:scaling>
+          <c:orientation val="minMax"/>
+        </c:scaling>
+        <c:delete val="0"/>
+        <c:axPos val="b"/>
+        <c:majorGridlines>
+          <c:spPr>
+            <a:ln w="9525" cap="flat" cmpd="sng" algn="ctr">
+              <a:solidFill>
+                <a:schemeClr val="tx1">
+                  <a:lumMod val="15000"/>
+                  <a:lumOff val="85000"/>
+                </a:schemeClr>
+              </a:solidFill>
+              <a:round/>
+            </a:ln>
+            <a:effectLst/>
+          </c:spPr>
+        </c:majorGridlines>
+        <c:title>
+          <c:tx>
+            <c:rich>
+              <a:bodyPr rot="0" spcFirstLastPara="1" vertOverflow="ellipsis" vert="horz" wrap="square" anchor="ctr" anchorCtr="1"/>
+              <a:lstStyle/>
+              <a:p>
+                <a:pPr>
+                  <a:defRPr sz="1330" b="0" i="0" u="none" strike="noStrike" kern="1200" baseline="0">
+                    <a:solidFill>
+                      <a:schemeClr val="tx1">
+                        <a:lumMod val="65000"/>
+                        <a:lumOff val="35000"/>
+                      </a:schemeClr>
+                    </a:solidFill>
+                    <a:latin typeface="+mn-lt"/>
+                    <a:ea typeface="+mn-ea"/>
+                    <a:cs typeface="+mn-cs"/>
+                  </a:defRPr>
+                </a:pPr>
+                <a:r>
+                  <a:rPr lang="en-US" altLang="ko-KR" dirty="0"/>
+                  <a:t>X</a:t>
+                </a:r>
+                <a:endParaRPr lang="ko-KR" altLang="en-US" dirty="0"/>
+              </a:p>
+            </c:rich>
+          </c:tx>
+          <c:overlay val="0"/>
+          <c:spPr>
+            <a:noFill/>
+            <a:ln>
+              <a:noFill/>
+            </a:ln>
+            <a:effectLst/>
+          </c:spPr>
+          <c:txPr>
+            <a:bodyPr rot="0" spcFirstLastPara="1" vertOverflow="ellipsis" vert="horz" wrap="square" anchor="ctr" anchorCtr="1"/>
+            <a:lstStyle/>
+            <a:p>
+              <a:pPr>
+                <a:defRPr sz="1330" b="0" i="0" u="none" strike="noStrike" kern="1200" baseline="0">
+                  <a:solidFill>
+                    <a:schemeClr val="tx1">
+                      <a:lumMod val="65000"/>
+                      <a:lumOff val="35000"/>
+                    </a:schemeClr>
+                  </a:solidFill>
+                  <a:latin typeface="+mn-lt"/>
+                  <a:ea typeface="+mn-ea"/>
+                  <a:cs typeface="+mn-cs"/>
+                </a:defRPr>
+              </a:pPr>
+              <a:endParaRPr lang="ko-KR"/>
+            </a:p>
+          </c:txPr>
+        </c:title>
+        <c:numFmt formatCode="General" sourceLinked="1"/>
+        <c:majorTickMark val="none"/>
+        <c:minorTickMark val="none"/>
+        <c:tickLblPos val="nextTo"/>
+        <c:spPr>
+          <a:noFill/>
+          <a:ln w="9525" cap="flat" cmpd="sng" algn="ctr">
+            <a:solidFill>
+              <a:schemeClr val="tx1">
+                <a:lumMod val="25000"/>
+                <a:lumOff val="75000"/>
+              </a:schemeClr>
+            </a:solidFill>
+            <a:round/>
+          </a:ln>
+          <a:effectLst/>
+        </c:spPr>
+        <c:txPr>
+          <a:bodyPr rot="-60000000" spcFirstLastPara="1" vertOverflow="ellipsis" vert="horz" wrap="square" anchor="ctr" anchorCtr="1"/>
+          <a:lstStyle/>
+          <a:p>
+            <a:pPr>
+              <a:defRPr sz="1197" b="0" i="0" u="none" strike="noStrike" kern="1200" baseline="0">
+                <a:solidFill>
+                  <a:schemeClr val="tx1">
+                    <a:lumMod val="65000"/>
+                    <a:lumOff val="35000"/>
+                  </a:schemeClr>
+                </a:solidFill>
+                <a:latin typeface="+mn-lt"/>
+                <a:ea typeface="+mn-ea"/>
+                <a:cs typeface="+mn-cs"/>
+              </a:defRPr>
+            </a:pPr>
+            <a:endParaRPr lang="ko-KR"/>
+          </a:p>
+        </c:txPr>
+        <c:crossAx val="1385464863"/>
+        <c:crosses val="autoZero"/>
+        <c:crossBetween val="midCat"/>
+      </c:valAx>
+      <c:valAx>
+        <c:axId val="1385464863"/>
+        <c:scaling>
+          <c:orientation val="minMax"/>
+        </c:scaling>
+        <c:delete val="0"/>
+        <c:axPos val="l"/>
+        <c:majorGridlines>
+          <c:spPr>
+            <a:ln w="9525" cap="flat" cmpd="sng" algn="ctr">
+              <a:solidFill>
+                <a:schemeClr val="tx1">
+                  <a:lumMod val="15000"/>
+                  <a:lumOff val="85000"/>
+                </a:schemeClr>
+              </a:solidFill>
+              <a:round/>
+            </a:ln>
+            <a:effectLst/>
+          </c:spPr>
+        </c:majorGridlines>
+        <c:title>
+          <c:tx>
+            <c:rich>
+              <a:bodyPr rot="-5400000" spcFirstLastPara="1" vertOverflow="ellipsis" vert="horz" wrap="square" anchor="ctr" anchorCtr="1"/>
+              <a:lstStyle/>
+              <a:p>
+                <a:pPr>
+                  <a:defRPr sz="1330" b="0" i="0" u="none" strike="noStrike" kern="1200" baseline="0">
+                    <a:solidFill>
+                      <a:schemeClr val="tx1">
+                        <a:lumMod val="65000"/>
+                        <a:lumOff val="35000"/>
+                      </a:schemeClr>
+                    </a:solidFill>
+                    <a:latin typeface="+mn-lt"/>
+                    <a:ea typeface="+mn-ea"/>
+                    <a:cs typeface="+mn-cs"/>
+                  </a:defRPr>
+                </a:pPr>
+                <a:r>
+                  <a:rPr lang="en-US" altLang="ko-KR" dirty="0"/>
+                  <a:t>Y</a:t>
+                </a:r>
+                <a:endParaRPr lang="ko-KR" altLang="en-US" dirty="0"/>
+              </a:p>
+            </c:rich>
+          </c:tx>
+          <c:overlay val="0"/>
+          <c:spPr>
+            <a:noFill/>
+            <a:ln>
+              <a:noFill/>
+            </a:ln>
+            <a:effectLst/>
+          </c:spPr>
+          <c:txPr>
+            <a:bodyPr rot="-5400000" spcFirstLastPara="1" vertOverflow="ellipsis" vert="horz" wrap="square" anchor="ctr" anchorCtr="1"/>
+            <a:lstStyle/>
+            <a:p>
+              <a:pPr>
+                <a:defRPr sz="1330" b="0" i="0" u="none" strike="noStrike" kern="1200" baseline="0">
+                  <a:solidFill>
+                    <a:schemeClr val="tx1">
+                      <a:lumMod val="65000"/>
+                      <a:lumOff val="35000"/>
+                    </a:schemeClr>
+                  </a:solidFill>
+                  <a:latin typeface="+mn-lt"/>
+                  <a:ea typeface="+mn-ea"/>
+                  <a:cs typeface="+mn-cs"/>
+                </a:defRPr>
+              </a:pPr>
+              <a:endParaRPr lang="ko-KR"/>
+            </a:p>
+          </c:txPr>
+        </c:title>
+        <c:numFmt formatCode="General" sourceLinked="1"/>
+        <c:majorTickMark val="none"/>
+        <c:minorTickMark val="none"/>
+        <c:tickLblPos val="nextTo"/>
+        <c:spPr>
+          <a:noFill/>
+          <a:ln w="9525" cap="flat" cmpd="sng" algn="ctr">
+            <a:solidFill>
+              <a:schemeClr val="tx1">
+                <a:lumMod val="25000"/>
+                <a:lumOff val="75000"/>
+              </a:schemeClr>
+            </a:solidFill>
+            <a:round/>
+          </a:ln>
+          <a:effectLst/>
+        </c:spPr>
+        <c:txPr>
+          <a:bodyPr rot="-60000000" spcFirstLastPara="1" vertOverflow="ellipsis" vert="horz" wrap="square" anchor="ctr" anchorCtr="1"/>
+          <a:lstStyle/>
+          <a:p>
+            <a:pPr>
+              <a:defRPr sz="1197" b="0" i="0" u="none" strike="noStrike" kern="1200" baseline="0">
+                <a:solidFill>
+                  <a:schemeClr val="tx1">
+                    <a:lumMod val="65000"/>
+                    <a:lumOff val="35000"/>
+                  </a:schemeClr>
+                </a:solidFill>
+                <a:latin typeface="+mn-lt"/>
+                <a:ea typeface="+mn-ea"/>
+                <a:cs typeface="+mn-cs"/>
+              </a:defRPr>
+            </a:pPr>
+            <a:endParaRPr lang="ko-KR"/>
+          </a:p>
+        </c:txPr>
+        <c:crossAx val="1557063696"/>
+        <c:crosses val="autoZero"/>
+        <c:crossBetween val="midCat"/>
+      </c:valAx>
+      <c:spPr>
+        <a:noFill/>
+        <a:ln>
+          <a:noFill/>
+        </a:ln>
+        <a:effectLst/>
+      </c:spPr>
+    </c:plotArea>
+    <c:plotVisOnly val="1"/>
+    <c:dispBlanksAs val="gap"/>
+    <c:extLst>
+      <c:ext xmlns:c16r3="http://schemas.microsoft.com/office/drawing/2017/03/chart" uri="{56B9EC1D-385E-4148-901F-78D8002777C0}">
+        <c16r3:dataDisplayOptions16>
+          <c16r3:dispNaAsBlank val="1"/>
+        </c16r3:dataDisplayOptions16>
+      </c:ext>
+    </c:extLst>
+    <c:showDLblsOverMax val="0"/>
+  </c:chart>
+  <c:spPr>
+    <a:noFill/>
+    <a:ln>
+      <a:noFill/>
+    </a:ln>
+    <a:effectLst/>
+  </c:spPr>
+  <c:txPr>
+    <a:bodyPr/>
+    <a:lstStyle/>
+    <a:p>
+      <a:pPr>
+        <a:defRPr/>
+      </a:pPr>
+      <a:endParaRPr lang="ko-KR"/>
+    </a:p>
+  </c:txPr>
+  <c:externalData r:id="rId3">
+    <c:autoUpdate val="0"/>
+  </c:externalData>
+</c:chartSpace>
+</file>
+
+<file path=ppt/charts/chart2.xml><?xml version="1.0" encoding="utf-8"?>
+<c:chartSpace xmlns:c="http://schemas.openxmlformats.org/drawingml/2006/chart" xmlns:a="http://schemas.openxmlformats.org/drawingml/2006/main" xmlns:r="http://schemas.openxmlformats.org/officeDocument/2006/relationships" xmlns:c16r2="http://schemas.microsoft.com/office/drawing/2015/06/chart">
+  <c:date1904 val="0"/>
+  <c:lang val="ko-KR"/>
+  <c:roundedCorners val="0"/>
+  <mc:AlternateContent xmlns:mc="http://schemas.openxmlformats.org/markup-compatibility/2006">
+    <mc:Choice xmlns:c14="http://schemas.microsoft.com/office/drawing/2007/8/2/chart" Requires="c14">
+      <c14:style val="102"/>
+    </mc:Choice>
+    <mc:Fallback>
+      <c:style val="2"/>
+    </mc:Fallback>
+  </mc:AlternateContent>
+  <c:chart>
+    <c:autoTitleDeleted val="1"/>
+    <c:plotArea>
+      <c:layout/>
+      <c:scatterChart>
+        <c:scatterStyle val="lineMarker"/>
+        <c:varyColors val="0"/>
+        <c:ser>
+          <c:idx val="0"/>
+          <c:order val="0"/>
+          <c:tx>
+            <c:strRef>
+              <c:f>Sheet1!$B$1</c:f>
+              <c:strCache>
+                <c:ptCount val="1"/>
+                <c:pt idx="0">
+                  <c:v>Y</c:v>
+                </c:pt>
+              </c:strCache>
+            </c:strRef>
+          </c:tx>
+          <c:spPr>
+            <a:ln w="28575" cap="rnd">
+              <a:noFill/>
+              <a:round/>
+            </a:ln>
+            <a:effectLst/>
+          </c:spPr>
+          <c:marker>
+            <c:symbol val="circle"/>
+            <c:size val="5"/>
+            <c:spPr>
+              <a:solidFill>
+                <a:schemeClr val="tx1"/>
+              </a:solidFill>
+              <a:ln w="9525">
+                <a:noFill/>
+              </a:ln>
+              <a:effectLst/>
+            </c:spPr>
+          </c:marker>
+          <c:xVal>
+            <c:numRef>
+              <c:f>Sheet1!$A$2:$A$11</c:f>
+              <c:numCache>
+                <c:formatCode>General</c:formatCode>
+                <c:ptCount val="10"/>
+                <c:pt idx="0">
+                  <c:v>1</c:v>
+                </c:pt>
+                <c:pt idx="1">
+                  <c:v>2</c:v>
+                </c:pt>
+                <c:pt idx="2">
+                  <c:v>3</c:v>
+                </c:pt>
+                <c:pt idx="3">
+                  <c:v>4</c:v>
+                </c:pt>
+                <c:pt idx="4">
+                  <c:v>5</c:v>
+                </c:pt>
+                <c:pt idx="5">
+                  <c:v>6</c:v>
+                </c:pt>
+                <c:pt idx="6">
+                  <c:v>7</c:v>
+                </c:pt>
+                <c:pt idx="7">
+                  <c:v>8</c:v>
+                </c:pt>
+                <c:pt idx="8">
+                  <c:v>9</c:v>
+                </c:pt>
+                <c:pt idx="9">
+                  <c:v>10</c:v>
+                </c:pt>
+              </c:numCache>
+            </c:numRef>
+          </c:xVal>
+          <c:yVal>
+            <c:numRef>
+              <c:f>Sheet1!$B$2:$B$11</c:f>
+              <c:numCache>
+                <c:formatCode>General</c:formatCode>
+                <c:ptCount val="10"/>
+                <c:pt idx="0">
+                  <c:v>9</c:v>
+                </c:pt>
+                <c:pt idx="1">
+                  <c:v>2</c:v>
+                </c:pt>
+                <c:pt idx="2">
+                  <c:v>6</c:v>
+                </c:pt>
+                <c:pt idx="3">
+                  <c:v>1</c:v>
+                </c:pt>
+                <c:pt idx="4">
+                  <c:v>8</c:v>
+                </c:pt>
+                <c:pt idx="5">
+                  <c:v>3</c:v>
+                </c:pt>
+                <c:pt idx="6">
+                  <c:v>10</c:v>
+                </c:pt>
+                <c:pt idx="7">
+                  <c:v>5</c:v>
+                </c:pt>
+                <c:pt idx="8">
+                  <c:v>4</c:v>
+                </c:pt>
+                <c:pt idx="9">
+                  <c:v>7</c:v>
+                </c:pt>
+              </c:numCache>
+            </c:numRef>
+          </c:yVal>
+          <c:smooth val="0"/>
+          <c:extLst>
+            <c:ext xmlns:c16="http://schemas.microsoft.com/office/drawing/2014/chart" uri="{C3380CC4-5D6E-409C-BE32-E72D297353CC}">
+              <c16:uniqueId val="{00000000-07B4-4000-9E6F-DD5E31EAEB83}"/>
+            </c:ext>
+          </c:extLst>
+        </c:ser>
+        <c:dLbls>
+          <c:showLegendKey val="0"/>
+          <c:showVal val="0"/>
+          <c:showCatName val="0"/>
+          <c:showSerName val="0"/>
+          <c:showPercent val="0"/>
+          <c:showBubbleSize val="0"/>
+        </c:dLbls>
+        <c:axId val="1557063696"/>
+        <c:axId val="1385464863"/>
+      </c:scatterChart>
+      <c:valAx>
+        <c:axId val="1557063696"/>
+        <c:scaling>
+          <c:orientation val="minMax"/>
+        </c:scaling>
+        <c:delete val="0"/>
+        <c:axPos val="b"/>
+        <c:majorGridlines>
+          <c:spPr>
+            <a:ln w="9525" cap="flat" cmpd="sng" algn="ctr">
+              <a:solidFill>
+                <a:schemeClr val="tx1">
+                  <a:lumMod val="15000"/>
+                  <a:lumOff val="85000"/>
+                </a:schemeClr>
+              </a:solidFill>
+              <a:round/>
+            </a:ln>
+            <a:effectLst/>
+          </c:spPr>
+        </c:majorGridlines>
+        <c:title>
+          <c:tx>
+            <c:rich>
+              <a:bodyPr rot="0" spcFirstLastPara="1" vertOverflow="ellipsis" vert="horz" wrap="square" anchor="ctr" anchorCtr="1"/>
+              <a:lstStyle/>
+              <a:p>
+                <a:pPr>
+                  <a:defRPr sz="1330" b="0" i="0" u="none" strike="noStrike" kern="1200" baseline="0">
+                    <a:solidFill>
+                      <a:schemeClr val="tx1">
+                        <a:lumMod val="65000"/>
+                        <a:lumOff val="35000"/>
+                      </a:schemeClr>
+                    </a:solidFill>
+                    <a:latin typeface="+mn-lt"/>
+                    <a:ea typeface="+mn-ea"/>
+                    <a:cs typeface="+mn-cs"/>
+                  </a:defRPr>
+                </a:pPr>
+                <a:r>
+                  <a:rPr lang="en-US" altLang="ko-KR" dirty="0"/>
+                  <a:t>X</a:t>
+                </a:r>
+                <a:endParaRPr lang="ko-KR" altLang="en-US" dirty="0"/>
+              </a:p>
+            </c:rich>
+          </c:tx>
+          <c:overlay val="0"/>
+          <c:spPr>
+            <a:noFill/>
+            <a:ln>
+              <a:noFill/>
+            </a:ln>
+            <a:effectLst/>
+          </c:spPr>
+          <c:txPr>
+            <a:bodyPr rot="0" spcFirstLastPara="1" vertOverflow="ellipsis" vert="horz" wrap="square" anchor="ctr" anchorCtr="1"/>
+            <a:lstStyle/>
+            <a:p>
+              <a:pPr>
+                <a:defRPr sz="1330" b="0" i="0" u="none" strike="noStrike" kern="1200" baseline="0">
+                  <a:solidFill>
+                    <a:schemeClr val="tx1">
+                      <a:lumMod val="65000"/>
+                      <a:lumOff val="35000"/>
+                    </a:schemeClr>
+                  </a:solidFill>
+                  <a:latin typeface="+mn-lt"/>
+                  <a:ea typeface="+mn-ea"/>
+                  <a:cs typeface="+mn-cs"/>
+                </a:defRPr>
+              </a:pPr>
+              <a:endParaRPr lang="ko-KR"/>
+            </a:p>
+          </c:txPr>
+        </c:title>
+        <c:numFmt formatCode="General" sourceLinked="1"/>
+        <c:majorTickMark val="none"/>
+        <c:minorTickMark val="none"/>
+        <c:tickLblPos val="nextTo"/>
+        <c:spPr>
+          <a:noFill/>
+          <a:ln w="9525" cap="flat" cmpd="sng" algn="ctr">
+            <a:solidFill>
+              <a:schemeClr val="tx1">
+                <a:lumMod val="25000"/>
+                <a:lumOff val="75000"/>
+              </a:schemeClr>
+            </a:solidFill>
+            <a:round/>
+          </a:ln>
+          <a:effectLst/>
+        </c:spPr>
+        <c:txPr>
+          <a:bodyPr rot="-60000000" spcFirstLastPara="1" vertOverflow="ellipsis" vert="horz" wrap="square" anchor="ctr" anchorCtr="1"/>
+          <a:lstStyle/>
+          <a:p>
+            <a:pPr>
+              <a:defRPr sz="1197" b="0" i="0" u="none" strike="noStrike" kern="1200" baseline="0">
+                <a:solidFill>
+                  <a:schemeClr val="tx1">
+                    <a:lumMod val="65000"/>
+                    <a:lumOff val="35000"/>
+                  </a:schemeClr>
+                </a:solidFill>
+                <a:latin typeface="+mn-lt"/>
+                <a:ea typeface="+mn-ea"/>
+                <a:cs typeface="+mn-cs"/>
+              </a:defRPr>
+            </a:pPr>
+            <a:endParaRPr lang="ko-KR"/>
+          </a:p>
+        </c:txPr>
+        <c:crossAx val="1385464863"/>
+        <c:crosses val="autoZero"/>
+        <c:crossBetween val="midCat"/>
+      </c:valAx>
+      <c:valAx>
+        <c:axId val="1385464863"/>
+        <c:scaling>
+          <c:orientation val="minMax"/>
+        </c:scaling>
+        <c:delete val="0"/>
+        <c:axPos val="l"/>
+        <c:majorGridlines>
+          <c:spPr>
+            <a:ln w="9525" cap="flat" cmpd="sng" algn="ctr">
+              <a:solidFill>
+                <a:schemeClr val="tx1">
+                  <a:lumMod val="15000"/>
+                  <a:lumOff val="85000"/>
+                </a:schemeClr>
+              </a:solidFill>
+              <a:round/>
+            </a:ln>
+            <a:effectLst/>
+          </c:spPr>
+        </c:majorGridlines>
+        <c:title>
+          <c:tx>
+            <c:rich>
+              <a:bodyPr rot="-5400000" spcFirstLastPara="1" vertOverflow="ellipsis" vert="horz" wrap="square" anchor="ctr" anchorCtr="1"/>
+              <a:lstStyle/>
+              <a:p>
+                <a:pPr>
+                  <a:defRPr sz="1330" b="0" i="0" u="none" strike="noStrike" kern="1200" baseline="0">
+                    <a:solidFill>
+                      <a:schemeClr val="tx1">
+                        <a:lumMod val="65000"/>
+                        <a:lumOff val="35000"/>
+                      </a:schemeClr>
+                    </a:solidFill>
+                    <a:latin typeface="+mn-lt"/>
+                    <a:ea typeface="+mn-ea"/>
+                    <a:cs typeface="+mn-cs"/>
+                  </a:defRPr>
+                </a:pPr>
+                <a:r>
+                  <a:rPr lang="en-US" altLang="ko-KR" dirty="0"/>
+                  <a:t>Y</a:t>
+                </a:r>
+                <a:endParaRPr lang="ko-KR" altLang="en-US" dirty="0"/>
+              </a:p>
+            </c:rich>
+          </c:tx>
+          <c:overlay val="0"/>
+          <c:spPr>
+            <a:noFill/>
+            <a:ln>
+              <a:noFill/>
+            </a:ln>
+            <a:effectLst/>
+          </c:spPr>
+          <c:txPr>
+            <a:bodyPr rot="-5400000" spcFirstLastPara="1" vertOverflow="ellipsis" vert="horz" wrap="square" anchor="ctr" anchorCtr="1"/>
+            <a:lstStyle/>
+            <a:p>
+              <a:pPr>
+                <a:defRPr sz="1330" b="0" i="0" u="none" strike="noStrike" kern="1200" baseline="0">
+                  <a:solidFill>
+                    <a:schemeClr val="tx1">
+                      <a:lumMod val="65000"/>
+                      <a:lumOff val="35000"/>
+                    </a:schemeClr>
+                  </a:solidFill>
+                  <a:latin typeface="+mn-lt"/>
+                  <a:ea typeface="+mn-ea"/>
+                  <a:cs typeface="+mn-cs"/>
+                </a:defRPr>
+              </a:pPr>
+              <a:endParaRPr lang="ko-KR"/>
+            </a:p>
+          </c:txPr>
+        </c:title>
+        <c:numFmt formatCode="General" sourceLinked="1"/>
+        <c:majorTickMark val="none"/>
+        <c:minorTickMark val="none"/>
+        <c:tickLblPos val="nextTo"/>
+        <c:spPr>
+          <a:noFill/>
+          <a:ln w="9525" cap="flat" cmpd="sng" algn="ctr">
+            <a:solidFill>
+              <a:schemeClr val="tx1">
+                <a:lumMod val="25000"/>
+                <a:lumOff val="75000"/>
+              </a:schemeClr>
+            </a:solidFill>
+            <a:round/>
+          </a:ln>
+          <a:effectLst/>
+        </c:spPr>
+        <c:txPr>
+          <a:bodyPr rot="-60000000" spcFirstLastPara="1" vertOverflow="ellipsis" vert="horz" wrap="square" anchor="ctr" anchorCtr="1"/>
+          <a:lstStyle/>
+          <a:p>
+            <a:pPr>
+              <a:defRPr sz="1197" b="0" i="0" u="none" strike="noStrike" kern="1200" baseline="0">
+                <a:solidFill>
+                  <a:schemeClr val="tx1">
+                    <a:lumMod val="65000"/>
+                    <a:lumOff val="35000"/>
+                  </a:schemeClr>
+                </a:solidFill>
+                <a:latin typeface="+mn-lt"/>
+                <a:ea typeface="+mn-ea"/>
+                <a:cs typeface="+mn-cs"/>
+              </a:defRPr>
+            </a:pPr>
+            <a:endParaRPr lang="ko-KR"/>
+          </a:p>
+        </c:txPr>
+        <c:crossAx val="1557063696"/>
+        <c:crosses val="autoZero"/>
+        <c:crossBetween val="midCat"/>
+      </c:valAx>
+      <c:spPr>
+        <a:noFill/>
+        <a:ln>
+          <a:noFill/>
+        </a:ln>
+        <a:effectLst/>
+      </c:spPr>
+    </c:plotArea>
+    <c:plotVisOnly val="1"/>
+    <c:dispBlanksAs val="gap"/>
+    <c:extLst>
+      <c:ext xmlns:c16r3="http://schemas.microsoft.com/office/drawing/2017/03/chart" uri="{56B9EC1D-385E-4148-901F-78D8002777C0}">
+        <c16r3:dataDisplayOptions16>
+          <c16r3:dispNaAsBlank val="1"/>
+        </c16r3:dataDisplayOptions16>
+      </c:ext>
+    </c:extLst>
+    <c:showDLblsOverMax val="0"/>
+  </c:chart>
+  <c:spPr>
+    <a:noFill/>
+    <a:ln>
+      <a:noFill/>
+    </a:ln>
+    <a:effectLst/>
+  </c:spPr>
+  <c:txPr>
+    <a:bodyPr/>
+    <a:lstStyle/>
+    <a:p>
+      <a:pPr>
+        <a:defRPr/>
+      </a:pPr>
+      <a:endParaRPr lang="ko-KR"/>
+    </a:p>
+  </c:txPr>
+  <c:externalData r:id="rId3">
+    <c:autoUpdate val="0"/>
+  </c:externalData>
+</c:chartSpace>
+</file>
+
+<file path=ppt/charts/chart3.xml><?xml version="1.0" encoding="utf-8"?>
+<c:chartSpace xmlns:c="http://schemas.openxmlformats.org/drawingml/2006/chart" xmlns:a="http://schemas.openxmlformats.org/drawingml/2006/main" xmlns:r="http://schemas.openxmlformats.org/officeDocument/2006/relationships" xmlns:c16r2="http://schemas.microsoft.com/office/drawing/2015/06/chart">
+  <c:date1904 val="0"/>
+  <c:lang val="ko-KR"/>
+  <c:roundedCorners val="0"/>
+  <mc:AlternateContent xmlns:mc="http://schemas.openxmlformats.org/markup-compatibility/2006">
+    <mc:Choice xmlns:c14="http://schemas.microsoft.com/office/drawing/2007/8/2/chart" Requires="c14">
+      <c14:style val="102"/>
+    </mc:Choice>
+    <mc:Fallback>
+      <c:style val="2"/>
+    </mc:Fallback>
+  </mc:AlternateContent>
+  <c:chart>
+    <c:autoTitleDeleted val="1"/>
+    <c:plotArea>
+      <c:layout/>
+      <c:scatterChart>
+        <c:scatterStyle val="lineMarker"/>
+        <c:varyColors val="0"/>
+        <c:ser>
+          <c:idx val="0"/>
+          <c:order val="0"/>
+          <c:tx>
+            <c:strRef>
+              <c:f>Sheet1!$B$1</c:f>
+              <c:strCache>
+                <c:ptCount val="1"/>
+                <c:pt idx="0">
+                  <c:v>Y</c:v>
+                </c:pt>
+              </c:strCache>
+            </c:strRef>
+          </c:tx>
+          <c:spPr>
+            <a:ln w="28575" cap="rnd">
+              <a:noFill/>
+              <a:round/>
+            </a:ln>
+            <a:effectLst/>
+          </c:spPr>
+          <c:marker>
+            <c:symbol val="circle"/>
+            <c:size val="5"/>
+            <c:spPr>
+              <a:solidFill>
+                <a:schemeClr val="tx1"/>
+              </a:solidFill>
+              <a:ln w="9525">
+                <a:noFill/>
+              </a:ln>
+              <a:effectLst/>
+            </c:spPr>
+          </c:marker>
+          <c:xVal>
+            <c:numRef>
+              <c:f>Sheet1!$A$2:$A$11</c:f>
+              <c:numCache>
+                <c:formatCode>General</c:formatCode>
+                <c:ptCount val="10"/>
+                <c:pt idx="0">
+                  <c:v>1</c:v>
+                </c:pt>
+                <c:pt idx="1">
+                  <c:v>2</c:v>
+                </c:pt>
+                <c:pt idx="2">
+                  <c:v>3</c:v>
+                </c:pt>
+                <c:pt idx="3">
+                  <c:v>4</c:v>
+                </c:pt>
+                <c:pt idx="4">
+                  <c:v>5</c:v>
+                </c:pt>
+                <c:pt idx="5">
+                  <c:v>6</c:v>
+                </c:pt>
+                <c:pt idx="6">
+                  <c:v>7</c:v>
+                </c:pt>
+                <c:pt idx="7">
+                  <c:v>8</c:v>
+                </c:pt>
+                <c:pt idx="8">
+                  <c:v>9</c:v>
+                </c:pt>
+                <c:pt idx="9">
+                  <c:v>10</c:v>
+                </c:pt>
+              </c:numCache>
+            </c:numRef>
+          </c:xVal>
+          <c:yVal>
+            <c:numRef>
+              <c:f>Sheet1!$B$2:$B$11</c:f>
+              <c:numCache>
+                <c:formatCode>General</c:formatCode>
+                <c:ptCount val="10"/>
+                <c:pt idx="0">
+                  <c:v>2.7182818284590451</c:v>
+                </c:pt>
+                <c:pt idx="1">
+                  <c:v>7.3890560989306504</c:v>
+                </c:pt>
+                <c:pt idx="2">
+                  <c:v>20.085536923187668</c:v>
+                </c:pt>
+                <c:pt idx="3">
+                  <c:v>54.598150033144236</c:v>
+                </c:pt>
+                <c:pt idx="4">
+                  <c:v>148.4131591025766</c:v>
+                </c:pt>
+                <c:pt idx="5">
+                  <c:v>403.42879349273511</c:v>
+                </c:pt>
+                <c:pt idx="6">
+                  <c:v>1096.6331584284585</c:v>
+                </c:pt>
+                <c:pt idx="7">
+                  <c:v>2980.9579870417283</c:v>
+                </c:pt>
+                <c:pt idx="8">
+                  <c:v>8103.0839275753842</c:v>
+                </c:pt>
+                <c:pt idx="9">
+                  <c:v>22026.465794806718</c:v>
+                </c:pt>
+              </c:numCache>
+            </c:numRef>
+          </c:yVal>
+          <c:smooth val="0"/>
+          <c:extLst>
+            <c:ext xmlns:c16="http://schemas.microsoft.com/office/drawing/2014/chart" uri="{C3380CC4-5D6E-409C-BE32-E72D297353CC}">
+              <c16:uniqueId val="{00000000-0177-48AE-8C8A-6D7AB48FEB7D}"/>
+            </c:ext>
+          </c:extLst>
+        </c:ser>
+        <c:dLbls>
+          <c:showLegendKey val="0"/>
+          <c:showVal val="0"/>
+          <c:showCatName val="0"/>
+          <c:showSerName val="0"/>
+          <c:showPercent val="0"/>
+          <c:showBubbleSize val="0"/>
+        </c:dLbls>
+        <c:axId val="1557063696"/>
+        <c:axId val="1385464863"/>
+      </c:scatterChart>
+      <c:valAx>
+        <c:axId val="1557063696"/>
+        <c:scaling>
+          <c:orientation val="minMax"/>
+        </c:scaling>
+        <c:delete val="0"/>
+        <c:axPos val="b"/>
+        <c:majorGridlines>
+          <c:spPr>
+            <a:ln w="9525" cap="flat" cmpd="sng" algn="ctr">
+              <a:solidFill>
+                <a:schemeClr val="tx1">
+                  <a:lumMod val="15000"/>
+                  <a:lumOff val="85000"/>
+                </a:schemeClr>
+              </a:solidFill>
+              <a:round/>
+            </a:ln>
+            <a:effectLst/>
+          </c:spPr>
+        </c:majorGridlines>
+        <c:title>
+          <c:tx>
+            <c:rich>
+              <a:bodyPr rot="0" spcFirstLastPara="1" vertOverflow="ellipsis" vert="horz" wrap="square" anchor="ctr" anchorCtr="1"/>
+              <a:lstStyle/>
+              <a:p>
+                <a:pPr>
+                  <a:defRPr sz="1330" b="0" i="0" u="none" strike="noStrike" kern="1200" baseline="0">
+                    <a:solidFill>
+                      <a:schemeClr val="tx1">
+                        <a:lumMod val="65000"/>
+                        <a:lumOff val="35000"/>
+                      </a:schemeClr>
+                    </a:solidFill>
+                    <a:latin typeface="+mn-lt"/>
+                    <a:ea typeface="+mn-ea"/>
+                    <a:cs typeface="+mn-cs"/>
+                  </a:defRPr>
+                </a:pPr>
+                <a:r>
+                  <a:rPr lang="en-US" altLang="ko-KR" dirty="0"/>
+                  <a:t>X</a:t>
+                </a:r>
+                <a:endParaRPr lang="ko-KR" altLang="en-US" dirty="0"/>
+              </a:p>
+            </c:rich>
+          </c:tx>
+          <c:overlay val="0"/>
+          <c:spPr>
+            <a:noFill/>
+            <a:ln>
+              <a:noFill/>
+            </a:ln>
+            <a:effectLst/>
+          </c:spPr>
+          <c:txPr>
+            <a:bodyPr rot="0" spcFirstLastPara="1" vertOverflow="ellipsis" vert="horz" wrap="square" anchor="ctr" anchorCtr="1"/>
+            <a:lstStyle/>
+            <a:p>
+              <a:pPr>
+                <a:defRPr sz="1330" b="0" i="0" u="none" strike="noStrike" kern="1200" baseline="0">
+                  <a:solidFill>
+                    <a:schemeClr val="tx1">
+                      <a:lumMod val="65000"/>
+                      <a:lumOff val="35000"/>
+                    </a:schemeClr>
+                  </a:solidFill>
+                  <a:latin typeface="+mn-lt"/>
+                  <a:ea typeface="+mn-ea"/>
+                  <a:cs typeface="+mn-cs"/>
+                </a:defRPr>
+              </a:pPr>
+              <a:endParaRPr lang="ko-KR"/>
+            </a:p>
+          </c:txPr>
+        </c:title>
+        <c:numFmt formatCode="General" sourceLinked="1"/>
+        <c:majorTickMark val="none"/>
+        <c:minorTickMark val="none"/>
+        <c:tickLblPos val="nextTo"/>
+        <c:spPr>
+          <a:noFill/>
+          <a:ln w="9525" cap="flat" cmpd="sng" algn="ctr">
+            <a:solidFill>
+              <a:schemeClr val="tx1">
+                <a:lumMod val="25000"/>
+                <a:lumOff val="75000"/>
+              </a:schemeClr>
+            </a:solidFill>
+            <a:round/>
+          </a:ln>
+          <a:effectLst/>
+        </c:spPr>
+        <c:txPr>
+          <a:bodyPr rot="-60000000" spcFirstLastPara="1" vertOverflow="ellipsis" vert="horz" wrap="square" anchor="ctr" anchorCtr="1"/>
+          <a:lstStyle/>
+          <a:p>
+            <a:pPr>
+              <a:defRPr sz="1197" b="0" i="0" u="none" strike="noStrike" kern="1200" baseline="0">
+                <a:solidFill>
+                  <a:schemeClr val="tx1">
+                    <a:lumMod val="65000"/>
+                    <a:lumOff val="35000"/>
+                  </a:schemeClr>
+                </a:solidFill>
+                <a:latin typeface="+mn-lt"/>
+                <a:ea typeface="+mn-ea"/>
+                <a:cs typeface="+mn-cs"/>
+              </a:defRPr>
+            </a:pPr>
+            <a:endParaRPr lang="ko-KR"/>
+          </a:p>
+        </c:txPr>
+        <c:crossAx val="1385464863"/>
+        <c:crosses val="autoZero"/>
+        <c:crossBetween val="midCat"/>
+      </c:valAx>
+      <c:valAx>
+        <c:axId val="1385464863"/>
+        <c:scaling>
+          <c:orientation val="minMax"/>
+        </c:scaling>
+        <c:delete val="0"/>
+        <c:axPos val="l"/>
+        <c:majorGridlines>
+          <c:spPr>
+            <a:ln w="9525" cap="flat" cmpd="sng" algn="ctr">
+              <a:solidFill>
+                <a:schemeClr val="tx1">
+                  <a:lumMod val="15000"/>
+                  <a:lumOff val="85000"/>
+                </a:schemeClr>
+              </a:solidFill>
+              <a:round/>
+            </a:ln>
+            <a:effectLst/>
+          </c:spPr>
+        </c:majorGridlines>
+        <c:title>
+          <c:tx>
+            <c:rich>
+              <a:bodyPr rot="-5400000" spcFirstLastPara="1" vertOverflow="ellipsis" vert="horz" wrap="square" anchor="ctr" anchorCtr="1"/>
+              <a:lstStyle/>
+              <a:p>
+                <a:pPr>
+                  <a:defRPr sz="1330" b="0" i="0" u="none" strike="noStrike" kern="1200" baseline="0">
+                    <a:solidFill>
+                      <a:schemeClr val="tx1">
+                        <a:lumMod val="65000"/>
+                        <a:lumOff val="35000"/>
+                      </a:schemeClr>
+                    </a:solidFill>
+                    <a:latin typeface="+mn-lt"/>
+                    <a:ea typeface="+mn-ea"/>
+                    <a:cs typeface="+mn-cs"/>
+                  </a:defRPr>
+                </a:pPr>
+                <a:r>
+                  <a:rPr lang="en-US" altLang="ko-KR" dirty="0"/>
+                  <a:t>Y</a:t>
+                </a:r>
+                <a:endParaRPr lang="ko-KR" altLang="en-US" dirty="0"/>
+              </a:p>
+            </c:rich>
+          </c:tx>
+          <c:overlay val="0"/>
+          <c:spPr>
+            <a:noFill/>
+            <a:ln>
+              <a:noFill/>
+            </a:ln>
+            <a:effectLst/>
+          </c:spPr>
+          <c:txPr>
+            <a:bodyPr rot="-5400000" spcFirstLastPara="1" vertOverflow="ellipsis" vert="horz" wrap="square" anchor="ctr" anchorCtr="1"/>
+            <a:lstStyle/>
+            <a:p>
+              <a:pPr>
+                <a:defRPr sz="1330" b="0" i="0" u="none" strike="noStrike" kern="1200" baseline="0">
+                  <a:solidFill>
+                    <a:schemeClr val="tx1">
+                      <a:lumMod val="65000"/>
+                      <a:lumOff val="35000"/>
+                    </a:schemeClr>
+                  </a:solidFill>
+                  <a:latin typeface="+mn-lt"/>
+                  <a:ea typeface="+mn-ea"/>
+                  <a:cs typeface="+mn-cs"/>
+                </a:defRPr>
+              </a:pPr>
+              <a:endParaRPr lang="ko-KR"/>
+            </a:p>
+          </c:txPr>
+        </c:title>
+        <c:numFmt formatCode="General" sourceLinked="1"/>
+        <c:majorTickMark val="none"/>
+        <c:minorTickMark val="none"/>
+        <c:tickLblPos val="nextTo"/>
+        <c:spPr>
+          <a:noFill/>
+          <a:ln w="9525" cap="flat" cmpd="sng" algn="ctr">
+            <a:solidFill>
+              <a:schemeClr val="tx1">
+                <a:lumMod val="25000"/>
+                <a:lumOff val="75000"/>
+              </a:schemeClr>
+            </a:solidFill>
+            <a:round/>
+          </a:ln>
+          <a:effectLst/>
+        </c:spPr>
+        <c:txPr>
+          <a:bodyPr rot="-60000000" spcFirstLastPara="1" vertOverflow="ellipsis" vert="horz" wrap="square" anchor="ctr" anchorCtr="1"/>
+          <a:lstStyle/>
+          <a:p>
+            <a:pPr>
+              <a:defRPr sz="1197" b="0" i="0" u="none" strike="noStrike" kern="1200" baseline="0">
+                <a:solidFill>
+                  <a:schemeClr val="tx1">
+                    <a:lumMod val="65000"/>
+                    <a:lumOff val="35000"/>
+                  </a:schemeClr>
+                </a:solidFill>
+                <a:latin typeface="+mn-lt"/>
+                <a:ea typeface="+mn-ea"/>
+                <a:cs typeface="+mn-cs"/>
+              </a:defRPr>
+            </a:pPr>
+            <a:endParaRPr lang="ko-KR"/>
+          </a:p>
+        </c:txPr>
+        <c:crossAx val="1557063696"/>
+        <c:crosses val="autoZero"/>
+        <c:crossBetween val="midCat"/>
+      </c:valAx>
+      <c:spPr>
+        <a:noFill/>
+        <a:ln>
+          <a:noFill/>
+        </a:ln>
+        <a:effectLst/>
+      </c:spPr>
+    </c:plotArea>
+    <c:plotVisOnly val="1"/>
+    <c:dispBlanksAs val="gap"/>
+    <c:extLst>
+      <c:ext xmlns:c16r3="http://schemas.microsoft.com/office/drawing/2017/03/chart" uri="{56B9EC1D-385E-4148-901F-78D8002777C0}">
+        <c16r3:dataDisplayOptions16>
+          <c16r3:dispNaAsBlank val="1"/>
+        </c16r3:dataDisplayOptions16>
+      </c:ext>
+    </c:extLst>
+    <c:showDLblsOverMax val="0"/>
+  </c:chart>
+  <c:spPr>
+    <a:noFill/>
+    <a:ln>
+      <a:noFill/>
+    </a:ln>
+    <a:effectLst/>
+  </c:spPr>
+  <c:txPr>
+    <a:bodyPr/>
+    <a:lstStyle/>
+    <a:p>
+      <a:pPr>
+        <a:defRPr/>
+      </a:pPr>
+      <a:endParaRPr lang="ko-KR"/>
+    </a:p>
+  </c:txPr>
+  <c:externalData r:id="rId3">
+    <c:autoUpdate val="0"/>
+  </c:externalData>
+</c:chartSpace>
+</file>
+
+<file path=ppt/charts/colors1.xml><?xml version="1.0" encoding="utf-8"?>
+<cs:colorStyle xmlns:cs="http://schemas.microsoft.com/office/drawing/2012/chartStyle" xmlns:a="http://schemas.openxmlformats.org/drawingml/2006/main" meth="cycle" id="10">
+  <a:schemeClr val="accent1"/>
+  <a:schemeClr val="accent2"/>
+  <a:schemeClr val="accent3"/>
+  <a:schemeClr val="accent4"/>
+  <a:schemeClr val="accent5"/>
+  <a:schemeClr val="accent6"/>
+  <cs:variation/>
+  <cs:variation>
+    <a:lumMod val="60000"/>
+  </cs:variation>
+  <cs:variation>
+    <a:lumMod val="80000"/>
+    <a:lumOff val="20000"/>
+  </cs:variation>
+  <cs:variation>
+    <a:lumMod val="80000"/>
+  </cs:variation>
+  <cs:variation>
+    <a:lumMod val="60000"/>
+    <a:lumOff val="40000"/>
+  </cs:variation>
+  <cs:variation>
+    <a:lumMod val="50000"/>
+  </cs:variation>
+  <cs:variation>
+    <a:lumMod val="70000"/>
+    <a:lumOff val="30000"/>
+  </cs:variation>
+  <cs:variation>
+    <a:lumMod val="70000"/>
+  </cs:variation>
+  <cs:variation>
+    <a:lumMod val="50000"/>
+    <a:lumOff val="50000"/>
+  </cs:variation>
+</cs:colorStyle>
+</file>
+
+<file path=ppt/charts/colors2.xml><?xml version="1.0" encoding="utf-8"?>
+<cs:colorStyle xmlns:cs="http://schemas.microsoft.com/office/drawing/2012/chartStyle" xmlns:a="http://schemas.openxmlformats.org/drawingml/2006/main" meth="cycle" id="10">
+  <a:schemeClr val="accent1"/>
+  <a:schemeClr val="accent2"/>
+  <a:schemeClr val="accent3"/>
+  <a:schemeClr val="accent4"/>
+  <a:schemeClr val="accent5"/>
+  <a:schemeClr val="accent6"/>
+  <cs:variation/>
+  <cs:variation>
+    <a:lumMod val="60000"/>
+  </cs:variation>
+  <cs:variation>
+    <a:lumMod val="80000"/>
+    <a:lumOff val="20000"/>
+  </cs:variation>
+  <cs:variation>
+    <a:lumMod val="80000"/>
+  </cs:variation>
+  <cs:variation>
+    <a:lumMod val="60000"/>
+    <a:lumOff val="40000"/>
+  </cs:variation>
+  <cs:variation>
+    <a:lumMod val="50000"/>
+  </cs:variation>
+  <cs:variation>
+    <a:lumMod val="70000"/>
+    <a:lumOff val="30000"/>
+  </cs:variation>
+  <cs:variation>
+    <a:lumMod val="70000"/>
+  </cs:variation>
+  <cs:variation>
+    <a:lumMod val="50000"/>
+    <a:lumOff val="50000"/>
+  </cs:variation>
+</cs:colorStyle>
+</file>
+
+<file path=ppt/charts/colors3.xml><?xml version="1.0" encoding="utf-8"?>
+<cs:colorStyle xmlns:cs="http://schemas.microsoft.com/office/drawing/2012/chartStyle" xmlns:a="http://schemas.openxmlformats.org/drawingml/2006/main" meth="cycle" id="10">
+  <a:schemeClr val="accent1"/>
+  <a:schemeClr val="accent2"/>
+  <a:schemeClr val="accent3"/>
+  <a:schemeClr val="accent4"/>
+  <a:schemeClr val="accent5"/>
+  <a:schemeClr val="accent6"/>
+  <cs:variation/>
+  <cs:variation>
+    <a:lumMod val="60000"/>
+  </cs:variation>
+  <cs:variation>
+    <a:lumMod val="80000"/>
+    <a:lumOff val="20000"/>
+  </cs:variation>
+  <cs:variation>
+    <a:lumMod val="80000"/>
+  </cs:variation>
+  <cs:variation>
+    <a:lumMod val="60000"/>
+    <a:lumOff val="40000"/>
+  </cs:variation>
+  <cs:variation>
+    <a:lumMod val="50000"/>
+  </cs:variation>
+  <cs:variation>
+    <a:lumMod val="70000"/>
+    <a:lumOff val="30000"/>
+  </cs:variation>
+  <cs:variation>
+    <a:lumMod val="70000"/>
+  </cs:variation>
+  <cs:variation>
+    <a:lumMod val="50000"/>
+    <a:lumOff val="50000"/>
+  </cs:variation>
+</cs:colorStyle>
+</file>
+
+<file path=ppt/charts/style1.xml><?xml version="1.0" encoding="utf-8"?>
+<cs:chartStyle xmlns:cs="http://schemas.microsoft.com/office/drawing/2012/chartStyle" xmlns:a="http://schemas.openxmlformats.org/drawingml/2006/main" id="240">
+  <cs:axisTitle>
+    <cs:lnRef idx="0"/>
+    <cs:fillRef idx="0"/>
+    <cs:effectRef idx="0"/>
+    <cs:fontRef idx="minor">
+      <a:schemeClr val="tx1">
+        <a:lumMod val="65000"/>
+        <a:lumOff val="35000"/>
+      </a:schemeClr>
+    </cs:fontRef>
+    <cs:defRPr sz="1330" kern="1200"/>
+  </cs:axisTitle>
+  <cs:categoryAxis>
+    <cs:lnRef idx="0"/>
+    <cs:fillRef idx="0"/>
+    <cs:effectRef idx="0"/>
+    <cs:fontRef idx="minor">
+      <a:schemeClr val="tx1">
+        <a:lumMod val="65000"/>
+        <a:lumOff val="35000"/>
+      </a:schemeClr>
+    </cs:fontRef>
+    <cs:spPr>
+      <a:ln w="9525" cap="flat" cmpd="sng" algn="ctr">
+        <a:solidFill>
+          <a:schemeClr val="tx1">
+            <a:lumMod val="25000"/>
+            <a:lumOff val="75000"/>
+          </a:schemeClr>
+        </a:solidFill>
+        <a:round/>
+      </a:ln>
+    </cs:spPr>
+    <cs:defRPr sz="1197" kern="1200"/>
+  </cs:categoryAxis>
+  <cs:chartArea mods="allowNoFillOverride allowNoLineOverride">
+    <cs:lnRef idx="0"/>
+    <cs:fillRef idx="0"/>
+    <cs:effectRef idx="0"/>
+    <cs:fontRef idx="minor">
+      <a:schemeClr val="tx1"/>
+    </cs:fontRef>
+    <cs:spPr>
+      <a:solidFill>
+        <a:schemeClr val="bg1"/>
+      </a:solidFill>
+      <a:ln w="9525" cap="flat" cmpd="sng" algn="ctr">
+        <a:solidFill>
+          <a:schemeClr val="tx1">
+            <a:lumMod val="15000"/>
+            <a:lumOff val="85000"/>
+          </a:schemeClr>
+        </a:solidFill>
+        <a:round/>
+      </a:ln>
+    </cs:spPr>
+    <cs:defRPr sz="1330" kern="1200"/>
+  </cs:chartArea>
+  <cs:dataLabel>
+    <cs:lnRef idx="0"/>
+    <cs:fillRef idx="0"/>
+    <cs:effectRef idx="0"/>
+    <cs:fontRef idx="minor">
+      <a:schemeClr val="tx1">
+        <a:lumMod val="75000"/>
+        <a:lumOff val="25000"/>
+      </a:schemeClr>
+    </cs:fontRef>
+    <cs:defRPr sz="1197" kern="1200"/>
+  </cs:dataLabel>
+  <cs:dataLabelCallout>
+    <cs:lnRef idx="0"/>
+    <cs:fillRef idx="0"/>
+    <cs:effectRef idx="0"/>
+    <cs:fontRef idx="minor">
+      <a:schemeClr val="dk1">
+        <a:lumMod val="65000"/>
+        <a:lumOff val="35000"/>
+      </a:schemeClr>
+    </cs:fontRef>
+    <cs:spPr>
+      <a:solidFill>
+        <a:schemeClr val="lt1"/>
+      </a:solidFill>
+      <a:ln>
+        <a:solidFill>
+          <a:schemeClr val="dk1">
+            <a:lumMod val="25000"/>
+            <a:lumOff val="75000"/>
+          </a:schemeClr>
+        </a:solidFill>
+      </a:ln>
+    </cs:spPr>
+    <cs:defRPr sz="1197" kern="1200"/>
+    <cs:bodyPr rot="0" spcFirstLastPara="1" vertOverflow="clip" horzOverflow="clip" vert="horz" wrap="square" lIns="36576" tIns="18288" rIns="36576" bIns="18288" anchor="ctr" anchorCtr="1">
+      <a:spAutoFit/>
+    </cs:bodyPr>
+  </cs:dataLabelCallout>
+  <cs:dataPoint>
+    <cs:lnRef idx="0"/>
+    <cs:fillRef idx="1">
+      <cs:styleClr val="auto"/>
+    </cs:fillRef>
+    <cs:effectRef idx="0"/>
+    <cs:fontRef idx="minor">
+      <a:schemeClr val="tx1"/>
+    </cs:fontRef>
+  </cs:dataPoint>
+  <cs:dataPoint3D>
+    <cs:lnRef idx="0"/>
+    <cs:fillRef idx="1">
+      <cs:styleClr val="auto"/>
+    </cs:fillRef>
+    <cs:effectRef idx="0"/>
+    <cs:fontRef idx="minor">
+      <a:schemeClr val="tx1"/>
+    </cs:fontRef>
+  </cs:dataPoint3D>
+  <cs:dataPointLine>
+    <cs:lnRef idx="0">
+      <cs:styleClr val="auto"/>
+    </cs:lnRef>
+    <cs:fillRef idx="1"/>
+    <cs:effectRef idx="0"/>
+    <cs:fontRef idx="minor">
+      <a:schemeClr val="tx1"/>
+    </cs:fontRef>
+    <cs:spPr>
+      <a:ln w="19050" cap="rnd">
+        <a:solidFill>
+          <a:schemeClr val="phClr"/>
+        </a:solidFill>
+        <a:round/>
+      </a:ln>
+    </cs:spPr>
+  </cs:dataPointLine>
+  <cs:dataPointMarker>
+    <cs:lnRef idx="0">
+      <cs:styleClr val="auto"/>
+    </cs:lnRef>
+    <cs:fillRef idx="1">
+      <cs:styleClr val="auto"/>
+    </cs:fillRef>
+    <cs:effectRef idx="0"/>
+    <cs:fontRef idx="minor">
+      <a:schemeClr val="tx1"/>
+    </cs:fontRef>
+    <cs:spPr>
+      <a:ln w="9525">
+        <a:solidFill>
+          <a:schemeClr val="phClr"/>
+        </a:solidFill>
+      </a:ln>
+    </cs:spPr>
+  </cs:dataPointMarker>
+  <cs:dataPointMarkerLayout symbol="circle" size="5"/>
+  <cs:dataPointWireframe>
+    <cs:lnRef idx="0">
+      <cs:styleClr val="auto"/>
+    </cs:lnRef>
+    <cs:fillRef idx="0"/>
+    <cs:effectRef idx="0"/>
+    <cs:fontRef idx="minor">
+      <a:schemeClr val="dk1"/>
+    </cs:fontRef>
+    <cs:spPr>
+      <a:ln w="9525" cap="rnd">
+        <a:solidFill>
+          <a:schemeClr val="phClr"/>
+        </a:solidFill>
+        <a:round/>
+      </a:ln>
+    </cs:spPr>
+  </cs:dataPointWireframe>
+  <cs:dataTable>
+    <cs:lnRef idx="0"/>
+    <cs:fillRef idx="0"/>
+    <cs:effectRef idx="0"/>
+    <cs:fontRef idx="minor">
+      <a:schemeClr val="tx1">
+        <a:lumMod val="65000"/>
+        <a:lumOff val="35000"/>
+      </a:schemeClr>
+    </cs:fontRef>
+    <cs:spPr>
+      <a:noFill/>
+      <a:ln w="9525" cap="flat" cmpd="sng" algn="ctr">
+        <a:solidFill>
+          <a:schemeClr val="tx1">
+            <a:lumMod val="15000"/>
+            <a:lumOff val="85000"/>
+          </a:schemeClr>
+        </a:solidFill>
+        <a:round/>
+      </a:ln>
+    </cs:spPr>
+    <cs:defRPr sz="1197" kern="1200"/>
+  </cs:dataTable>
+  <cs:downBar>
+    <cs:lnRef idx="0"/>
+    <cs:fillRef idx="0"/>
+    <cs:effectRef idx="0"/>
+    <cs:fontRef idx="minor">
+      <a:schemeClr val="tx1"/>
+    </cs:fontRef>
+    <cs:spPr>
+      <a:solidFill>
+        <a:schemeClr val="dk1">
+          <a:lumMod val="75000"/>
+          <a:lumOff val="25000"/>
+        </a:schemeClr>
+      </a:solidFill>
+      <a:ln w="9525" cap="flat" cmpd="sng" algn="ctr">
+        <a:solidFill>
+          <a:schemeClr val="tx1">
+            <a:lumMod val="65000"/>
+            <a:lumOff val="35000"/>
+          </a:schemeClr>
+        </a:solidFill>
+        <a:round/>
+      </a:ln>
+    </cs:spPr>
+  </cs:downBar>
+  <cs:dropLine>
+    <cs:lnRef idx="0"/>
+    <cs:fillRef idx="0"/>
+    <cs:effectRef idx="0"/>
+    <cs:fontRef idx="minor">
+      <a:schemeClr val="tx1"/>
+    </cs:fontRef>
+    <cs:spPr>
+      <a:ln w="9525" cap="flat" cmpd="sng" algn="ctr">
+        <a:solidFill>
+          <a:schemeClr val="tx1">
+            <a:lumMod val="35000"/>
+            <a:lumOff val="65000"/>
+          </a:schemeClr>
+        </a:solidFill>
+        <a:round/>
+      </a:ln>
+    </cs:spPr>
+  </cs:dropLine>
+  <cs:errorBar>
+    <cs:lnRef idx="0"/>
+    <cs:fillRef idx="0"/>
+    <cs:effectRef idx="0"/>
+    <cs:fontRef idx="minor">
+      <a:schemeClr val="tx1"/>
+    </cs:fontRef>
+    <cs:spPr>
+      <a:ln w="9525" cap="flat" cmpd="sng" algn="ctr">
+        <a:solidFill>
+          <a:schemeClr val="tx1">
+            <a:lumMod val="65000"/>
+            <a:lumOff val="35000"/>
+          </a:schemeClr>
+        </a:solidFill>
+        <a:round/>
+      </a:ln>
+    </cs:spPr>
+  </cs:errorBar>
+  <cs:floor>
+    <cs:lnRef idx="0"/>
+    <cs:fillRef idx="0"/>
+    <cs:effectRef idx="0"/>
+    <cs:fontRef idx="minor">
+      <a:schemeClr val="tx1"/>
+    </cs:fontRef>
+    <cs:spPr>
+      <a:noFill/>
+      <a:ln>
+        <a:noFill/>
+      </a:ln>
+    </cs:spPr>
+  </cs:floor>
+  <cs:gridlineMajor>
+    <cs:lnRef idx="0"/>
+    <cs:fillRef idx="0"/>
+    <cs:effectRef idx="0"/>
+    <cs:fontRef idx="minor">
+      <a:schemeClr val="tx1"/>
+    </cs:fontRef>
+    <cs:spPr>
+      <a:ln w="9525" cap="flat" cmpd="sng" algn="ctr">
+        <a:solidFill>
+          <a:schemeClr val="tx1">
+            <a:lumMod val="15000"/>
+            <a:lumOff val="85000"/>
+          </a:schemeClr>
+        </a:solidFill>
+        <a:round/>
+      </a:ln>
+    </cs:spPr>
+  </cs:gridlineMajor>
+  <cs:gridlineMinor>
+    <cs:lnRef idx="0"/>
+    <cs:fillRef idx="0"/>
+    <cs:effectRef idx="0"/>
+    <cs:fontRef idx="minor">
+      <a:schemeClr val="tx1"/>
+    </cs:fontRef>
+    <cs:spPr>
+      <a:ln w="9525" cap="flat" cmpd="sng" algn="ctr">
+        <a:solidFill>
+          <a:schemeClr val="tx1">
+            <a:lumMod val="5000"/>
+            <a:lumOff val="95000"/>
+          </a:schemeClr>
+        </a:solidFill>
+        <a:round/>
+      </a:ln>
+    </cs:spPr>
+  </cs:gridlineMinor>
+  <cs:hiLoLine>
+    <cs:lnRef idx="0"/>
+    <cs:fillRef idx="0"/>
+    <cs:effectRef idx="0"/>
+    <cs:fontRef idx="minor">
+      <a:schemeClr val="tx1"/>
+    </cs:fontRef>
+    <cs:spPr>
+      <a:ln w="9525" cap="flat" cmpd="sng" algn="ctr">
+        <a:solidFill>
+          <a:schemeClr val="tx1">
+            <a:lumMod val="50000"/>
+            <a:lumOff val="50000"/>
+          </a:schemeClr>
+        </a:solidFill>
+        <a:round/>
+      </a:ln>
+    </cs:spPr>
+  </cs:hiLoLine>
+  <cs:leaderLine>
+    <cs:lnRef idx="0"/>
+    <cs:fillRef idx="0"/>
+    <cs:effectRef idx="0"/>
+    <cs:fontRef idx="minor">
+      <a:schemeClr val="tx1"/>
+    </cs:fontRef>
+    <cs:spPr>
+      <a:ln w="9525" cap="flat" cmpd="sng" algn="ctr">
+        <a:solidFill>
+          <a:schemeClr val="tx1">
+            <a:lumMod val="35000"/>
+            <a:lumOff val="65000"/>
+          </a:schemeClr>
+        </a:solidFill>
+        <a:round/>
+      </a:ln>
+    </cs:spPr>
+  </cs:leaderLine>
+  <cs:legend>
+    <cs:lnRef idx="0"/>
+    <cs:fillRef idx="0"/>
+    <cs:effectRef idx="0"/>
+    <cs:fontRef idx="minor">
+      <a:schemeClr val="tx1">
+        <a:lumMod val="65000"/>
+        <a:lumOff val="35000"/>
+      </a:schemeClr>
+    </cs:fontRef>
+    <cs:defRPr sz="1197" kern="1200"/>
+  </cs:legend>
+  <cs:plotArea mods="allowNoFillOverride allowNoLineOverride">
+    <cs:lnRef idx="0"/>
+    <cs:fillRef idx="0"/>
+    <cs:effectRef idx="0"/>
+    <cs:fontRef idx="minor">
+      <a:schemeClr val="tx1"/>
+    </cs:fontRef>
+  </cs:plotArea>
+  <cs:plotArea3D mods="allowNoFillOverride allowNoLineOverride">
+    <cs:lnRef idx="0"/>
+    <cs:fillRef idx="0"/>
+    <cs:effectRef idx="0"/>
+    <cs:fontRef idx="minor">
+      <a:schemeClr val="tx1"/>
+    </cs:fontRef>
+  </cs:plotArea3D>
+  <cs:seriesAxis>
+    <cs:lnRef idx="0"/>
+    <cs:fillRef idx="0"/>
+    <cs:effectRef idx="0"/>
+    <cs:fontRef idx="minor">
+      <a:schemeClr val="tx1">
+        <a:lumMod val="65000"/>
+        <a:lumOff val="35000"/>
+      </a:schemeClr>
+    </cs:fontRef>
+    <cs:defRPr sz="1197" kern="1200"/>
+  </cs:seriesAxis>
+  <cs:seriesLine>
+    <cs:lnRef idx="0"/>
+    <cs:fillRef idx="0"/>
+    <cs:effectRef idx="0"/>
+    <cs:fontRef idx="minor">
+      <a:schemeClr val="tx1"/>
+    </cs:fontRef>
+    <cs:spPr>
+      <a:ln w="9525" cap="flat" cmpd="sng" algn="ctr">
+        <a:solidFill>
+          <a:schemeClr val="tx1">
+            <a:lumMod val="35000"/>
+            <a:lumOff val="65000"/>
+          </a:schemeClr>
+        </a:solidFill>
+        <a:round/>
+      </a:ln>
+    </cs:spPr>
+  </cs:seriesLine>
+  <cs:title>
+    <cs:lnRef idx="0"/>
+    <cs:fillRef idx="0"/>
+    <cs:effectRef idx="0"/>
+    <cs:fontRef idx="minor">
+      <a:schemeClr val="tx1">
+        <a:lumMod val="65000"/>
+        <a:lumOff val="35000"/>
+      </a:schemeClr>
+    </cs:fontRef>
+    <cs:defRPr sz="1862" b="0" kern="1200" spc="0" baseline="0"/>
+  </cs:title>
+  <cs:trendline>
+    <cs:lnRef idx="0">
+      <cs:styleClr val="auto"/>
+    </cs:lnRef>
+    <cs:fillRef idx="0"/>
+    <cs:effectRef idx="0"/>
+    <cs:fontRef idx="minor">
+      <a:schemeClr val="tx1"/>
+    </cs:fontRef>
+    <cs:spPr>
+      <a:ln w="19050" cap="rnd">
+        <a:solidFill>
+          <a:schemeClr val="phClr"/>
+        </a:solidFill>
+        <a:prstDash val="sysDot"/>
+      </a:ln>
+    </cs:spPr>
+  </cs:trendline>
+  <cs:trendlineLabel>
+    <cs:lnRef idx="0"/>
+    <cs:fillRef idx="0"/>
+    <cs:effectRef idx="0"/>
+    <cs:fontRef idx="minor">
+      <a:schemeClr val="tx1">
+        <a:lumMod val="65000"/>
+        <a:lumOff val="35000"/>
+      </a:schemeClr>
+    </cs:fontRef>
+    <cs:defRPr sz="1197" kern="1200"/>
+  </cs:trendlineLabel>
+  <cs:upBar>
+    <cs:lnRef idx="0"/>
+    <cs:fillRef idx="0"/>
+    <cs:effectRef idx="0"/>
+    <cs:fontRef idx="minor">
+      <a:schemeClr val="tx1"/>
+    </cs:fontRef>
+    <cs:spPr>
+      <a:solidFill>
+        <a:schemeClr val="lt1"/>
+      </a:solidFill>
+      <a:ln w="9525" cap="flat" cmpd="sng" algn="ctr">
+        <a:solidFill>
+          <a:schemeClr val="tx1">
+            <a:lumMod val="65000"/>
+            <a:lumOff val="35000"/>
+          </a:schemeClr>
+        </a:solidFill>
+        <a:round/>
+      </a:ln>
+    </cs:spPr>
+  </cs:upBar>
+  <cs:valueAxis>
+    <cs:lnRef idx="0"/>
+    <cs:fillRef idx="0"/>
+    <cs:effectRef idx="0"/>
+    <cs:fontRef idx="minor">
+      <a:schemeClr val="tx1">
+        <a:lumMod val="65000"/>
+        <a:lumOff val="35000"/>
+      </a:schemeClr>
+    </cs:fontRef>
+    <cs:spPr>
+      <a:ln w="9525" cap="flat" cmpd="sng" algn="ctr">
+        <a:solidFill>
+          <a:schemeClr val="tx1">
+            <a:lumMod val="25000"/>
+            <a:lumOff val="75000"/>
+          </a:schemeClr>
+        </a:solidFill>
+        <a:round/>
+      </a:ln>
+    </cs:spPr>
+    <cs:defRPr sz="1197" kern="1200"/>
+  </cs:valueAxis>
+  <cs:wall>
+    <cs:lnRef idx="0"/>
+    <cs:fillRef idx="0"/>
+    <cs:effectRef idx="0"/>
+    <cs:fontRef idx="minor">
+      <a:schemeClr val="tx1"/>
+    </cs:fontRef>
+    <cs:spPr>
+      <a:noFill/>
+      <a:ln>
+        <a:noFill/>
+      </a:ln>
+    </cs:spPr>
+  </cs:wall>
+</cs:chartStyle>
+</file>
+
+<file path=ppt/charts/style2.xml><?xml version="1.0" encoding="utf-8"?>
+<cs:chartStyle xmlns:cs="http://schemas.microsoft.com/office/drawing/2012/chartStyle" xmlns:a="http://schemas.openxmlformats.org/drawingml/2006/main" id="240">
+  <cs:axisTitle>
+    <cs:lnRef idx="0"/>
+    <cs:fillRef idx="0"/>
+    <cs:effectRef idx="0"/>
+    <cs:fontRef idx="minor">
+      <a:schemeClr val="tx1">
+        <a:lumMod val="65000"/>
+        <a:lumOff val="35000"/>
+      </a:schemeClr>
+    </cs:fontRef>
+    <cs:defRPr sz="1330" kern="1200"/>
+  </cs:axisTitle>
+  <cs:categoryAxis>
+    <cs:lnRef idx="0"/>
+    <cs:fillRef idx="0"/>
+    <cs:effectRef idx="0"/>
+    <cs:fontRef idx="minor">
+      <a:schemeClr val="tx1">
+        <a:lumMod val="65000"/>
+        <a:lumOff val="35000"/>
+      </a:schemeClr>
+    </cs:fontRef>
+    <cs:spPr>
+      <a:ln w="9525" cap="flat" cmpd="sng" algn="ctr">
+        <a:solidFill>
+          <a:schemeClr val="tx1">
+            <a:lumMod val="25000"/>
+            <a:lumOff val="75000"/>
+          </a:schemeClr>
+        </a:solidFill>
+        <a:round/>
+      </a:ln>
+    </cs:spPr>
+    <cs:defRPr sz="1197" kern="1200"/>
+  </cs:categoryAxis>
+  <cs:chartArea mods="allowNoFillOverride allowNoLineOverride">
+    <cs:lnRef idx="0"/>
+    <cs:fillRef idx="0"/>
+    <cs:effectRef idx="0"/>
+    <cs:fontRef idx="minor">
+      <a:schemeClr val="tx1"/>
+    </cs:fontRef>
+    <cs:spPr>
+      <a:solidFill>
+        <a:schemeClr val="bg1"/>
+      </a:solidFill>
+      <a:ln w="9525" cap="flat" cmpd="sng" algn="ctr">
+        <a:solidFill>
+          <a:schemeClr val="tx1">
+            <a:lumMod val="15000"/>
+            <a:lumOff val="85000"/>
+          </a:schemeClr>
+        </a:solidFill>
+        <a:round/>
+      </a:ln>
+    </cs:spPr>
+    <cs:defRPr sz="1330" kern="1200"/>
+  </cs:chartArea>
+  <cs:dataLabel>
+    <cs:lnRef idx="0"/>
+    <cs:fillRef idx="0"/>
+    <cs:effectRef idx="0"/>
+    <cs:fontRef idx="minor">
+      <a:schemeClr val="tx1">
+        <a:lumMod val="75000"/>
+        <a:lumOff val="25000"/>
+      </a:schemeClr>
+    </cs:fontRef>
+    <cs:defRPr sz="1197" kern="1200"/>
+  </cs:dataLabel>
+  <cs:dataLabelCallout>
+    <cs:lnRef idx="0"/>
+    <cs:fillRef idx="0"/>
+    <cs:effectRef idx="0"/>
+    <cs:fontRef idx="minor">
+      <a:schemeClr val="dk1">
+        <a:lumMod val="65000"/>
+        <a:lumOff val="35000"/>
+      </a:schemeClr>
+    </cs:fontRef>
+    <cs:spPr>
+      <a:solidFill>
+        <a:schemeClr val="lt1"/>
+      </a:solidFill>
+      <a:ln>
+        <a:solidFill>
+          <a:schemeClr val="dk1">
+            <a:lumMod val="25000"/>
+            <a:lumOff val="75000"/>
+          </a:schemeClr>
+        </a:solidFill>
+      </a:ln>
+    </cs:spPr>
+    <cs:defRPr sz="1197" kern="1200"/>
+    <cs:bodyPr rot="0" spcFirstLastPara="1" vertOverflow="clip" horzOverflow="clip" vert="horz" wrap="square" lIns="36576" tIns="18288" rIns="36576" bIns="18288" anchor="ctr" anchorCtr="1">
+      <a:spAutoFit/>
+    </cs:bodyPr>
+  </cs:dataLabelCallout>
+  <cs:dataPoint>
+    <cs:lnRef idx="0"/>
+    <cs:fillRef idx="1">
+      <cs:styleClr val="auto"/>
+    </cs:fillRef>
+    <cs:effectRef idx="0"/>
+    <cs:fontRef idx="minor">
+      <a:schemeClr val="tx1"/>
+    </cs:fontRef>
+  </cs:dataPoint>
+  <cs:dataPoint3D>
+    <cs:lnRef idx="0"/>
+    <cs:fillRef idx="1">
+      <cs:styleClr val="auto"/>
+    </cs:fillRef>
+    <cs:effectRef idx="0"/>
+    <cs:fontRef idx="minor">
+      <a:schemeClr val="tx1"/>
+    </cs:fontRef>
+  </cs:dataPoint3D>
+  <cs:dataPointLine>
+    <cs:lnRef idx="0">
+      <cs:styleClr val="auto"/>
+    </cs:lnRef>
+    <cs:fillRef idx="1"/>
+    <cs:effectRef idx="0"/>
+    <cs:fontRef idx="minor">
+      <a:schemeClr val="tx1"/>
+    </cs:fontRef>
+    <cs:spPr>
+      <a:ln w="19050" cap="rnd">
+        <a:solidFill>
+          <a:schemeClr val="phClr"/>
+        </a:solidFill>
+        <a:round/>
+      </a:ln>
+    </cs:spPr>
+  </cs:dataPointLine>
+  <cs:dataPointMarker>
+    <cs:lnRef idx="0">
+      <cs:styleClr val="auto"/>
+    </cs:lnRef>
+    <cs:fillRef idx="1">
+      <cs:styleClr val="auto"/>
+    </cs:fillRef>
+    <cs:effectRef idx="0"/>
+    <cs:fontRef idx="minor">
+      <a:schemeClr val="tx1"/>
+    </cs:fontRef>
+    <cs:spPr>
+      <a:ln w="9525">
+        <a:solidFill>
+          <a:schemeClr val="phClr"/>
+        </a:solidFill>
+      </a:ln>
+    </cs:spPr>
+  </cs:dataPointMarker>
+  <cs:dataPointMarkerLayout symbol="circle" size="5"/>
+  <cs:dataPointWireframe>
+    <cs:lnRef idx="0">
+      <cs:styleClr val="auto"/>
+    </cs:lnRef>
+    <cs:fillRef idx="0"/>
+    <cs:effectRef idx="0"/>
+    <cs:fontRef idx="minor">
+      <a:schemeClr val="dk1"/>
+    </cs:fontRef>
+    <cs:spPr>
+      <a:ln w="9525" cap="rnd">
+        <a:solidFill>
+          <a:schemeClr val="phClr"/>
+        </a:solidFill>
+        <a:round/>
+      </a:ln>
+    </cs:spPr>
+  </cs:dataPointWireframe>
+  <cs:dataTable>
+    <cs:lnRef idx="0"/>
+    <cs:fillRef idx="0"/>
+    <cs:effectRef idx="0"/>
+    <cs:fontRef idx="minor">
+      <a:schemeClr val="tx1">
+        <a:lumMod val="65000"/>
+        <a:lumOff val="35000"/>
+      </a:schemeClr>
+    </cs:fontRef>
+    <cs:spPr>
+      <a:noFill/>
+      <a:ln w="9525" cap="flat" cmpd="sng" algn="ctr">
+        <a:solidFill>
+          <a:schemeClr val="tx1">
+            <a:lumMod val="15000"/>
+            <a:lumOff val="85000"/>
+          </a:schemeClr>
+        </a:solidFill>
+        <a:round/>
+      </a:ln>
+    </cs:spPr>
+    <cs:defRPr sz="1197" kern="1200"/>
+  </cs:dataTable>
+  <cs:downBar>
+    <cs:lnRef idx="0"/>
+    <cs:fillRef idx="0"/>
+    <cs:effectRef idx="0"/>
+    <cs:fontRef idx="minor">
+      <a:schemeClr val="tx1"/>
+    </cs:fontRef>
+    <cs:spPr>
+      <a:solidFill>
+        <a:schemeClr val="dk1">
+          <a:lumMod val="75000"/>
+          <a:lumOff val="25000"/>
+        </a:schemeClr>
+      </a:solidFill>
+      <a:ln w="9525" cap="flat" cmpd="sng" algn="ctr">
+        <a:solidFill>
+          <a:schemeClr val="tx1">
+            <a:lumMod val="65000"/>
+            <a:lumOff val="35000"/>
+          </a:schemeClr>
+        </a:solidFill>
+        <a:round/>
+      </a:ln>
+    </cs:spPr>
+  </cs:downBar>
+  <cs:dropLine>
+    <cs:lnRef idx="0"/>
+    <cs:fillRef idx="0"/>
+    <cs:effectRef idx="0"/>
+    <cs:fontRef idx="minor">
+      <a:schemeClr val="tx1"/>
+    </cs:fontRef>
+    <cs:spPr>
+      <a:ln w="9525" cap="flat" cmpd="sng" algn="ctr">
+        <a:solidFill>
+          <a:schemeClr val="tx1">
+            <a:lumMod val="35000"/>
+            <a:lumOff val="65000"/>
+          </a:schemeClr>
+        </a:solidFill>
+        <a:round/>
+      </a:ln>
+    </cs:spPr>
+  </cs:dropLine>
+  <cs:errorBar>
+    <cs:lnRef idx="0"/>
+    <cs:fillRef idx="0"/>
+    <cs:effectRef idx="0"/>
+    <cs:fontRef idx="minor">
+      <a:schemeClr val="tx1"/>
+    </cs:fontRef>
+    <cs:spPr>
+      <a:ln w="9525" cap="flat" cmpd="sng" algn="ctr">
+        <a:solidFill>
+          <a:schemeClr val="tx1">
+            <a:lumMod val="65000"/>
+            <a:lumOff val="35000"/>
+          </a:schemeClr>
+        </a:solidFill>
+        <a:round/>
+      </a:ln>
+    </cs:spPr>
+  </cs:errorBar>
+  <cs:floor>
+    <cs:lnRef idx="0"/>
+    <cs:fillRef idx="0"/>
+    <cs:effectRef idx="0"/>
+    <cs:fontRef idx="minor">
+      <a:schemeClr val="tx1"/>
+    </cs:fontRef>
+    <cs:spPr>
+      <a:noFill/>
+      <a:ln>
+        <a:noFill/>
+      </a:ln>
+    </cs:spPr>
+  </cs:floor>
+  <cs:gridlineMajor>
+    <cs:lnRef idx="0"/>
+    <cs:fillRef idx="0"/>
+    <cs:effectRef idx="0"/>
+    <cs:fontRef idx="minor">
+      <a:schemeClr val="tx1"/>
+    </cs:fontRef>
+    <cs:spPr>
+      <a:ln w="9525" cap="flat" cmpd="sng" algn="ctr">
+        <a:solidFill>
+          <a:schemeClr val="tx1">
+            <a:lumMod val="15000"/>
+            <a:lumOff val="85000"/>
+          </a:schemeClr>
+        </a:solidFill>
+        <a:round/>
+      </a:ln>
+    </cs:spPr>
+  </cs:gridlineMajor>
+  <cs:gridlineMinor>
+    <cs:lnRef idx="0"/>
+    <cs:fillRef idx="0"/>
+    <cs:effectRef idx="0"/>
+    <cs:fontRef idx="minor">
+      <a:schemeClr val="tx1"/>
+    </cs:fontRef>
+    <cs:spPr>
+      <a:ln w="9525" cap="flat" cmpd="sng" algn="ctr">
+        <a:solidFill>
+          <a:schemeClr val="tx1">
+            <a:lumMod val="5000"/>
+            <a:lumOff val="95000"/>
+          </a:schemeClr>
+        </a:solidFill>
+        <a:round/>
+      </a:ln>
+    </cs:spPr>
+  </cs:gridlineMinor>
+  <cs:hiLoLine>
+    <cs:lnRef idx="0"/>
+    <cs:fillRef idx="0"/>
+    <cs:effectRef idx="0"/>
+    <cs:fontRef idx="minor">
+      <a:schemeClr val="tx1"/>
+    </cs:fontRef>
+    <cs:spPr>
+      <a:ln w="9525" cap="flat" cmpd="sng" algn="ctr">
+        <a:solidFill>
+          <a:schemeClr val="tx1">
+            <a:lumMod val="50000"/>
+            <a:lumOff val="50000"/>
+          </a:schemeClr>
+        </a:solidFill>
+        <a:round/>
+      </a:ln>
+    </cs:spPr>
+  </cs:hiLoLine>
+  <cs:leaderLine>
+    <cs:lnRef idx="0"/>
+    <cs:fillRef idx="0"/>
+    <cs:effectRef idx="0"/>
+    <cs:fontRef idx="minor">
+      <a:schemeClr val="tx1"/>
+    </cs:fontRef>
+    <cs:spPr>
+      <a:ln w="9525" cap="flat" cmpd="sng" algn="ctr">
+        <a:solidFill>
+          <a:schemeClr val="tx1">
+            <a:lumMod val="35000"/>
+            <a:lumOff val="65000"/>
+          </a:schemeClr>
+        </a:solidFill>
+        <a:round/>
+      </a:ln>
+    </cs:spPr>
+  </cs:leaderLine>
+  <cs:legend>
+    <cs:lnRef idx="0"/>
+    <cs:fillRef idx="0"/>
+    <cs:effectRef idx="0"/>
+    <cs:fontRef idx="minor">
+      <a:schemeClr val="tx1">
+        <a:lumMod val="65000"/>
+        <a:lumOff val="35000"/>
+      </a:schemeClr>
+    </cs:fontRef>
+    <cs:defRPr sz="1197" kern="1200"/>
+  </cs:legend>
+  <cs:plotArea mods="allowNoFillOverride allowNoLineOverride">
+    <cs:lnRef idx="0"/>
+    <cs:fillRef idx="0"/>
+    <cs:effectRef idx="0"/>
+    <cs:fontRef idx="minor">
+      <a:schemeClr val="tx1"/>
+    </cs:fontRef>
+  </cs:plotArea>
+  <cs:plotArea3D mods="allowNoFillOverride allowNoLineOverride">
+    <cs:lnRef idx="0"/>
+    <cs:fillRef idx="0"/>
+    <cs:effectRef idx="0"/>
+    <cs:fontRef idx="minor">
+      <a:schemeClr val="tx1"/>
+    </cs:fontRef>
+  </cs:plotArea3D>
+  <cs:seriesAxis>
+    <cs:lnRef idx="0"/>
+    <cs:fillRef idx="0"/>
+    <cs:effectRef idx="0"/>
+    <cs:fontRef idx="minor">
+      <a:schemeClr val="tx1">
+        <a:lumMod val="65000"/>
+        <a:lumOff val="35000"/>
+      </a:schemeClr>
+    </cs:fontRef>
+    <cs:defRPr sz="1197" kern="1200"/>
+  </cs:seriesAxis>
+  <cs:seriesLine>
+    <cs:lnRef idx="0"/>
+    <cs:fillRef idx="0"/>
+    <cs:effectRef idx="0"/>
+    <cs:fontRef idx="minor">
+      <a:schemeClr val="tx1"/>
+    </cs:fontRef>
+    <cs:spPr>
+      <a:ln w="9525" cap="flat" cmpd="sng" algn="ctr">
+        <a:solidFill>
+          <a:schemeClr val="tx1">
+            <a:lumMod val="35000"/>
+            <a:lumOff val="65000"/>
+          </a:schemeClr>
+        </a:solidFill>
+        <a:round/>
+      </a:ln>
+    </cs:spPr>
+  </cs:seriesLine>
+  <cs:title>
+    <cs:lnRef idx="0"/>
+    <cs:fillRef idx="0"/>
+    <cs:effectRef idx="0"/>
+    <cs:fontRef idx="minor">
+      <a:schemeClr val="tx1">
+        <a:lumMod val="65000"/>
+        <a:lumOff val="35000"/>
+      </a:schemeClr>
+    </cs:fontRef>
+    <cs:defRPr sz="1862" b="0" kern="1200" spc="0" baseline="0"/>
+  </cs:title>
+  <cs:trendline>
+    <cs:lnRef idx="0">
+      <cs:styleClr val="auto"/>
+    </cs:lnRef>
+    <cs:fillRef idx="0"/>
+    <cs:effectRef idx="0"/>
+    <cs:fontRef idx="minor">
+      <a:schemeClr val="tx1"/>
+    </cs:fontRef>
+    <cs:spPr>
+      <a:ln w="19050" cap="rnd">
+        <a:solidFill>
+          <a:schemeClr val="phClr"/>
+        </a:solidFill>
+        <a:prstDash val="sysDot"/>
+      </a:ln>
+    </cs:spPr>
+  </cs:trendline>
+  <cs:trendlineLabel>
+    <cs:lnRef idx="0"/>
+    <cs:fillRef idx="0"/>
+    <cs:effectRef idx="0"/>
+    <cs:fontRef idx="minor">
+      <a:schemeClr val="tx1">
+        <a:lumMod val="65000"/>
+        <a:lumOff val="35000"/>
+      </a:schemeClr>
+    </cs:fontRef>
+    <cs:defRPr sz="1197" kern="1200"/>
+  </cs:trendlineLabel>
+  <cs:upBar>
+    <cs:lnRef idx="0"/>
+    <cs:fillRef idx="0"/>
+    <cs:effectRef idx="0"/>
+    <cs:fontRef idx="minor">
+      <a:schemeClr val="tx1"/>
+    </cs:fontRef>
+    <cs:spPr>
+      <a:solidFill>
+        <a:schemeClr val="lt1"/>
+      </a:solidFill>
+      <a:ln w="9525" cap="flat" cmpd="sng" algn="ctr">
+        <a:solidFill>
+          <a:schemeClr val="tx1">
+            <a:lumMod val="65000"/>
+            <a:lumOff val="35000"/>
+          </a:schemeClr>
+        </a:solidFill>
+        <a:round/>
+      </a:ln>
+    </cs:spPr>
+  </cs:upBar>
+  <cs:valueAxis>
+    <cs:lnRef idx="0"/>
+    <cs:fillRef idx="0"/>
+    <cs:effectRef idx="0"/>
+    <cs:fontRef idx="minor">
+      <a:schemeClr val="tx1">
+        <a:lumMod val="65000"/>
+        <a:lumOff val="35000"/>
+      </a:schemeClr>
+    </cs:fontRef>
+    <cs:spPr>
+      <a:ln w="9525" cap="flat" cmpd="sng" algn="ctr">
+        <a:solidFill>
+          <a:schemeClr val="tx1">
+            <a:lumMod val="25000"/>
+            <a:lumOff val="75000"/>
+          </a:schemeClr>
+        </a:solidFill>
+        <a:round/>
+      </a:ln>
+    </cs:spPr>
+    <cs:defRPr sz="1197" kern="1200"/>
+  </cs:valueAxis>
+  <cs:wall>
+    <cs:lnRef idx="0"/>
+    <cs:fillRef idx="0"/>
+    <cs:effectRef idx="0"/>
+    <cs:fontRef idx="minor">
+      <a:schemeClr val="tx1"/>
+    </cs:fontRef>
+    <cs:spPr>
+      <a:noFill/>
+      <a:ln>
+        <a:noFill/>
+      </a:ln>
+    </cs:spPr>
+  </cs:wall>
+</cs:chartStyle>
+</file>
+
+<file path=ppt/charts/style3.xml><?xml version="1.0" encoding="utf-8"?>
+<cs:chartStyle xmlns:cs="http://schemas.microsoft.com/office/drawing/2012/chartStyle" xmlns:a="http://schemas.openxmlformats.org/drawingml/2006/main" id="240">
+  <cs:axisTitle>
+    <cs:lnRef idx="0"/>
+    <cs:fillRef idx="0"/>
+    <cs:effectRef idx="0"/>
+    <cs:fontRef idx="minor">
+      <a:schemeClr val="tx1">
+        <a:lumMod val="65000"/>
+        <a:lumOff val="35000"/>
+      </a:schemeClr>
+    </cs:fontRef>
+    <cs:defRPr sz="1330" kern="1200"/>
+  </cs:axisTitle>
+  <cs:categoryAxis>
+    <cs:lnRef idx="0"/>
+    <cs:fillRef idx="0"/>
+    <cs:effectRef idx="0"/>
+    <cs:fontRef idx="minor">
+      <a:schemeClr val="tx1">
+        <a:lumMod val="65000"/>
+        <a:lumOff val="35000"/>
+      </a:schemeClr>
+    </cs:fontRef>
+    <cs:spPr>
+      <a:ln w="9525" cap="flat" cmpd="sng" algn="ctr">
+        <a:solidFill>
+          <a:schemeClr val="tx1">
+            <a:lumMod val="25000"/>
+            <a:lumOff val="75000"/>
+          </a:schemeClr>
+        </a:solidFill>
+        <a:round/>
+      </a:ln>
+    </cs:spPr>
+    <cs:defRPr sz="1197" kern="1200"/>
+  </cs:categoryAxis>
+  <cs:chartArea mods="allowNoFillOverride allowNoLineOverride">
+    <cs:lnRef idx="0"/>
+    <cs:fillRef idx="0"/>
+    <cs:effectRef idx="0"/>
+    <cs:fontRef idx="minor">
+      <a:schemeClr val="tx1"/>
+    </cs:fontRef>
+    <cs:spPr>
+      <a:solidFill>
+        <a:schemeClr val="bg1"/>
+      </a:solidFill>
+      <a:ln w="9525" cap="flat" cmpd="sng" algn="ctr">
+        <a:solidFill>
+          <a:schemeClr val="tx1">
+            <a:lumMod val="15000"/>
+            <a:lumOff val="85000"/>
+          </a:schemeClr>
+        </a:solidFill>
+        <a:round/>
+      </a:ln>
+    </cs:spPr>
+    <cs:defRPr sz="1330" kern="1200"/>
+  </cs:chartArea>
+  <cs:dataLabel>
+    <cs:lnRef idx="0"/>
+    <cs:fillRef idx="0"/>
+    <cs:effectRef idx="0"/>
+    <cs:fontRef idx="minor">
+      <a:schemeClr val="tx1">
+        <a:lumMod val="75000"/>
+        <a:lumOff val="25000"/>
+      </a:schemeClr>
+    </cs:fontRef>
+    <cs:defRPr sz="1197" kern="1200"/>
+  </cs:dataLabel>
+  <cs:dataLabelCallout>
+    <cs:lnRef idx="0"/>
+    <cs:fillRef idx="0"/>
+    <cs:effectRef idx="0"/>
+    <cs:fontRef idx="minor">
+      <a:schemeClr val="dk1">
+        <a:lumMod val="65000"/>
+        <a:lumOff val="35000"/>
+      </a:schemeClr>
+    </cs:fontRef>
+    <cs:spPr>
+      <a:solidFill>
+        <a:schemeClr val="lt1"/>
+      </a:solidFill>
+      <a:ln>
+        <a:solidFill>
+          <a:schemeClr val="dk1">
+            <a:lumMod val="25000"/>
+            <a:lumOff val="75000"/>
+          </a:schemeClr>
+        </a:solidFill>
+      </a:ln>
+    </cs:spPr>
+    <cs:defRPr sz="1197" kern="1200"/>
+    <cs:bodyPr rot="0" spcFirstLastPara="1" vertOverflow="clip" horzOverflow="clip" vert="horz" wrap="square" lIns="36576" tIns="18288" rIns="36576" bIns="18288" anchor="ctr" anchorCtr="1">
+      <a:spAutoFit/>
+    </cs:bodyPr>
+  </cs:dataLabelCallout>
+  <cs:dataPoint>
+    <cs:lnRef idx="0"/>
+    <cs:fillRef idx="1">
+      <cs:styleClr val="auto"/>
+    </cs:fillRef>
+    <cs:effectRef idx="0"/>
+    <cs:fontRef idx="minor">
+      <a:schemeClr val="tx1"/>
+    </cs:fontRef>
+  </cs:dataPoint>
+  <cs:dataPoint3D>
+    <cs:lnRef idx="0"/>
+    <cs:fillRef idx="1">
+      <cs:styleClr val="auto"/>
+    </cs:fillRef>
+    <cs:effectRef idx="0"/>
+    <cs:fontRef idx="minor">
+      <a:schemeClr val="tx1"/>
+    </cs:fontRef>
+  </cs:dataPoint3D>
+  <cs:dataPointLine>
+    <cs:lnRef idx="0">
+      <cs:styleClr val="auto"/>
+    </cs:lnRef>
+    <cs:fillRef idx="1"/>
+    <cs:effectRef idx="0"/>
+    <cs:fontRef idx="minor">
+      <a:schemeClr val="tx1"/>
+    </cs:fontRef>
+    <cs:spPr>
+      <a:ln w="19050" cap="rnd">
+        <a:solidFill>
+          <a:schemeClr val="phClr"/>
+        </a:solidFill>
+        <a:round/>
+      </a:ln>
+    </cs:spPr>
+  </cs:dataPointLine>
+  <cs:dataPointMarker>
+    <cs:lnRef idx="0">
+      <cs:styleClr val="auto"/>
+    </cs:lnRef>
+    <cs:fillRef idx="1">
+      <cs:styleClr val="auto"/>
+    </cs:fillRef>
+    <cs:effectRef idx="0"/>
+    <cs:fontRef idx="minor">
+      <a:schemeClr val="tx1"/>
+    </cs:fontRef>
+    <cs:spPr>
+      <a:ln w="9525">
+        <a:solidFill>
+          <a:schemeClr val="phClr"/>
+        </a:solidFill>
+      </a:ln>
+    </cs:spPr>
+  </cs:dataPointMarker>
+  <cs:dataPointMarkerLayout symbol="circle" size="5"/>
+  <cs:dataPointWireframe>
+    <cs:lnRef idx="0">
+      <cs:styleClr val="auto"/>
+    </cs:lnRef>
+    <cs:fillRef idx="0"/>
+    <cs:effectRef idx="0"/>
+    <cs:fontRef idx="minor">
+      <a:schemeClr val="dk1"/>
+    </cs:fontRef>
+    <cs:spPr>
+      <a:ln w="9525" cap="rnd">
+        <a:solidFill>
+          <a:schemeClr val="phClr"/>
+        </a:solidFill>
+        <a:round/>
+      </a:ln>
+    </cs:spPr>
+  </cs:dataPointWireframe>
+  <cs:dataTable>
+    <cs:lnRef idx="0"/>
+    <cs:fillRef idx="0"/>
+    <cs:effectRef idx="0"/>
+    <cs:fontRef idx="minor">
+      <a:schemeClr val="tx1">
+        <a:lumMod val="65000"/>
+        <a:lumOff val="35000"/>
+      </a:schemeClr>
+    </cs:fontRef>
+    <cs:spPr>
+      <a:noFill/>
+      <a:ln w="9525" cap="flat" cmpd="sng" algn="ctr">
+        <a:solidFill>
+          <a:schemeClr val="tx1">
+            <a:lumMod val="15000"/>
+            <a:lumOff val="85000"/>
+          </a:schemeClr>
+        </a:solidFill>
+        <a:round/>
+      </a:ln>
+    </cs:spPr>
+    <cs:defRPr sz="1197" kern="1200"/>
+  </cs:dataTable>
+  <cs:downBar>
+    <cs:lnRef idx="0"/>
+    <cs:fillRef idx="0"/>
+    <cs:effectRef idx="0"/>
+    <cs:fontRef idx="minor">
+      <a:schemeClr val="tx1"/>
+    </cs:fontRef>
+    <cs:spPr>
+      <a:solidFill>
+        <a:schemeClr val="dk1">
+          <a:lumMod val="75000"/>
+          <a:lumOff val="25000"/>
+        </a:schemeClr>
+      </a:solidFill>
+      <a:ln w="9525" cap="flat" cmpd="sng" algn="ctr">
+        <a:solidFill>
+          <a:schemeClr val="tx1">
+            <a:lumMod val="65000"/>
+            <a:lumOff val="35000"/>
+          </a:schemeClr>
+        </a:solidFill>
+        <a:round/>
+      </a:ln>
+    </cs:spPr>
+  </cs:downBar>
+  <cs:dropLine>
+    <cs:lnRef idx="0"/>
+    <cs:fillRef idx="0"/>
+    <cs:effectRef idx="0"/>
+    <cs:fontRef idx="minor">
+      <a:schemeClr val="tx1"/>
+    </cs:fontRef>
+    <cs:spPr>
+      <a:ln w="9525" cap="flat" cmpd="sng" algn="ctr">
+        <a:solidFill>
+          <a:schemeClr val="tx1">
+            <a:lumMod val="35000"/>
+            <a:lumOff val="65000"/>
+          </a:schemeClr>
+        </a:solidFill>
+        <a:round/>
+      </a:ln>
+    </cs:spPr>
+  </cs:dropLine>
+  <cs:errorBar>
+    <cs:lnRef idx="0"/>
+    <cs:fillRef idx="0"/>
+    <cs:effectRef idx="0"/>
+    <cs:fontRef idx="minor">
+      <a:schemeClr val="tx1"/>
+    </cs:fontRef>
+    <cs:spPr>
+      <a:ln w="9525" cap="flat" cmpd="sng" algn="ctr">
+        <a:solidFill>
+          <a:schemeClr val="tx1">
+            <a:lumMod val="65000"/>
+            <a:lumOff val="35000"/>
+          </a:schemeClr>
+        </a:solidFill>
+        <a:round/>
+      </a:ln>
+    </cs:spPr>
+  </cs:errorBar>
+  <cs:floor>
+    <cs:lnRef idx="0"/>
+    <cs:fillRef idx="0"/>
+    <cs:effectRef idx="0"/>
+    <cs:fontRef idx="minor">
+      <a:schemeClr val="tx1"/>
+    </cs:fontRef>
+    <cs:spPr>
+      <a:noFill/>
+      <a:ln>
+        <a:noFill/>
+      </a:ln>
+    </cs:spPr>
+  </cs:floor>
+  <cs:gridlineMajor>
+    <cs:lnRef idx="0"/>
+    <cs:fillRef idx="0"/>
+    <cs:effectRef idx="0"/>
+    <cs:fontRef idx="minor">
+      <a:schemeClr val="tx1"/>
+    </cs:fontRef>
+    <cs:spPr>
+      <a:ln w="9525" cap="flat" cmpd="sng" algn="ctr">
+        <a:solidFill>
+          <a:schemeClr val="tx1">
+            <a:lumMod val="15000"/>
+            <a:lumOff val="85000"/>
+          </a:schemeClr>
+        </a:solidFill>
+        <a:round/>
+      </a:ln>
+    </cs:spPr>
+  </cs:gridlineMajor>
+  <cs:gridlineMinor>
+    <cs:lnRef idx="0"/>
+    <cs:fillRef idx="0"/>
+    <cs:effectRef idx="0"/>
+    <cs:fontRef idx="minor">
+      <a:schemeClr val="tx1"/>
+    </cs:fontRef>
+    <cs:spPr>
+      <a:ln w="9525" cap="flat" cmpd="sng" algn="ctr">
+        <a:solidFill>
+          <a:schemeClr val="tx1">
+            <a:lumMod val="5000"/>
+            <a:lumOff val="95000"/>
+          </a:schemeClr>
+        </a:solidFill>
+        <a:round/>
+      </a:ln>
+    </cs:spPr>
+  </cs:gridlineMinor>
+  <cs:hiLoLine>
+    <cs:lnRef idx="0"/>
+    <cs:fillRef idx="0"/>
+    <cs:effectRef idx="0"/>
+    <cs:fontRef idx="minor">
+      <a:schemeClr val="tx1"/>
+    </cs:fontRef>
+    <cs:spPr>
+      <a:ln w="9525" cap="flat" cmpd="sng" algn="ctr">
+        <a:solidFill>
+          <a:schemeClr val="tx1">
+            <a:lumMod val="50000"/>
+            <a:lumOff val="50000"/>
+          </a:schemeClr>
+        </a:solidFill>
+        <a:round/>
+      </a:ln>
+    </cs:spPr>
+  </cs:hiLoLine>
+  <cs:leaderLine>
+    <cs:lnRef idx="0"/>
+    <cs:fillRef idx="0"/>
+    <cs:effectRef idx="0"/>
+    <cs:fontRef idx="minor">
+      <a:schemeClr val="tx1"/>
+    </cs:fontRef>
+    <cs:spPr>
+      <a:ln w="9525" cap="flat" cmpd="sng" algn="ctr">
+        <a:solidFill>
+          <a:schemeClr val="tx1">
+            <a:lumMod val="35000"/>
+            <a:lumOff val="65000"/>
+          </a:schemeClr>
+        </a:solidFill>
+        <a:round/>
+      </a:ln>
+    </cs:spPr>
+  </cs:leaderLine>
+  <cs:legend>
+    <cs:lnRef idx="0"/>
+    <cs:fillRef idx="0"/>
+    <cs:effectRef idx="0"/>
+    <cs:fontRef idx="minor">
+      <a:schemeClr val="tx1">
+        <a:lumMod val="65000"/>
+        <a:lumOff val="35000"/>
+      </a:schemeClr>
+    </cs:fontRef>
+    <cs:defRPr sz="1197" kern="1200"/>
+  </cs:legend>
+  <cs:plotArea mods="allowNoFillOverride allowNoLineOverride">
+    <cs:lnRef idx="0"/>
+    <cs:fillRef idx="0"/>
+    <cs:effectRef idx="0"/>
+    <cs:fontRef idx="minor">
+      <a:schemeClr val="tx1"/>
+    </cs:fontRef>
+  </cs:plotArea>
+  <cs:plotArea3D mods="allowNoFillOverride allowNoLineOverride">
+    <cs:lnRef idx="0"/>
+    <cs:fillRef idx="0"/>
+    <cs:effectRef idx="0"/>
+    <cs:fontRef idx="minor">
+      <a:schemeClr val="tx1"/>
+    </cs:fontRef>
+  </cs:plotArea3D>
+  <cs:seriesAxis>
+    <cs:lnRef idx="0"/>
+    <cs:fillRef idx="0"/>
+    <cs:effectRef idx="0"/>
+    <cs:fontRef idx="minor">
+      <a:schemeClr val="tx1">
+        <a:lumMod val="65000"/>
+        <a:lumOff val="35000"/>
+      </a:schemeClr>
+    </cs:fontRef>
+    <cs:defRPr sz="1197" kern="1200"/>
+  </cs:seriesAxis>
+  <cs:seriesLine>
+    <cs:lnRef idx="0"/>
+    <cs:fillRef idx="0"/>
+    <cs:effectRef idx="0"/>
+    <cs:fontRef idx="minor">
+      <a:schemeClr val="tx1"/>
+    </cs:fontRef>
+    <cs:spPr>
+      <a:ln w="9525" cap="flat" cmpd="sng" algn="ctr">
+        <a:solidFill>
+          <a:schemeClr val="tx1">
+            <a:lumMod val="35000"/>
+            <a:lumOff val="65000"/>
+          </a:schemeClr>
+        </a:solidFill>
+        <a:round/>
+      </a:ln>
+    </cs:spPr>
+  </cs:seriesLine>
+  <cs:title>
+    <cs:lnRef idx="0"/>
+    <cs:fillRef idx="0"/>
+    <cs:effectRef idx="0"/>
+    <cs:fontRef idx="minor">
+      <a:schemeClr val="tx1">
+        <a:lumMod val="65000"/>
+        <a:lumOff val="35000"/>
+      </a:schemeClr>
+    </cs:fontRef>
+    <cs:defRPr sz="1862" b="0" kern="1200" spc="0" baseline="0"/>
+  </cs:title>
+  <cs:trendline>
+    <cs:lnRef idx="0">
+      <cs:styleClr val="auto"/>
+    </cs:lnRef>
+    <cs:fillRef idx="0"/>
+    <cs:effectRef idx="0"/>
+    <cs:fontRef idx="minor">
+      <a:schemeClr val="tx1"/>
+    </cs:fontRef>
+    <cs:spPr>
+      <a:ln w="19050" cap="rnd">
+        <a:solidFill>
+          <a:schemeClr val="phClr"/>
+        </a:solidFill>
+        <a:prstDash val="sysDot"/>
+      </a:ln>
+    </cs:spPr>
+  </cs:trendline>
+  <cs:trendlineLabel>
+    <cs:lnRef idx="0"/>
+    <cs:fillRef idx="0"/>
+    <cs:effectRef idx="0"/>
+    <cs:fontRef idx="minor">
+      <a:schemeClr val="tx1">
+        <a:lumMod val="65000"/>
+        <a:lumOff val="35000"/>
+      </a:schemeClr>
+    </cs:fontRef>
+    <cs:defRPr sz="1197" kern="1200"/>
+  </cs:trendlineLabel>
+  <cs:upBar>
+    <cs:lnRef idx="0"/>
+    <cs:fillRef idx="0"/>
+    <cs:effectRef idx="0"/>
+    <cs:fontRef idx="minor">
+      <a:schemeClr val="tx1"/>
+    </cs:fontRef>
+    <cs:spPr>
+      <a:solidFill>
+        <a:schemeClr val="lt1"/>
+      </a:solidFill>
+      <a:ln w="9525" cap="flat" cmpd="sng" algn="ctr">
+        <a:solidFill>
+          <a:schemeClr val="tx1">
+            <a:lumMod val="65000"/>
+            <a:lumOff val="35000"/>
+          </a:schemeClr>
+        </a:solidFill>
+        <a:round/>
+      </a:ln>
+    </cs:spPr>
+  </cs:upBar>
+  <cs:valueAxis>
+    <cs:lnRef idx="0"/>
+    <cs:fillRef idx="0"/>
+    <cs:effectRef idx="0"/>
+    <cs:fontRef idx="minor">
+      <a:schemeClr val="tx1">
+        <a:lumMod val="65000"/>
+        <a:lumOff val="35000"/>
+      </a:schemeClr>
+    </cs:fontRef>
+    <cs:spPr>
+      <a:ln w="9525" cap="flat" cmpd="sng" algn="ctr">
+        <a:solidFill>
+          <a:schemeClr val="tx1">
+            <a:lumMod val="25000"/>
+            <a:lumOff val="75000"/>
+          </a:schemeClr>
+        </a:solidFill>
+        <a:round/>
+      </a:ln>
+    </cs:spPr>
+    <cs:defRPr sz="1197" kern="1200"/>
+  </cs:valueAxis>
+  <cs:wall>
+    <cs:lnRef idx="0"/>
+    <cs:fillRef idx="0"/>
+    <cs:effectRef idx="0"/>
+    <cs:fontRef idx="minor">
+      <a:schemeClr val="tx1"/>
+    </cs:fontRef>
+    <cs:spPr>
+      <a:noFill/>
+      <a:ln>
+        <a:noFill/>
+      </a:ln>
+    </cs:spPr>
+  </cs:wall>
+</cs:chartStyle>
 </file>
 
 <file path=ppt/slideLayouts/slideLayout1.xml><?xml version="1.0" encoding="utf-8"?>
@@ -3036,6 +5990,2169 @@
 </p:sld>
 </file>
 
+<file path=ppt/slides/slide3.xml><?xml version="1.0" encoding="utf-8"?>
+<p:sld xmlns:a="http://schemas.openxmlformats.org/drawingml/2006/main" xmlns:r="http://schemas.openxmlformats.org/officeDocument/2006/relationships" xmlns:p="http://schemas.openxmlformats.org/presentationml/2006/main">
+  <p:cSld>
+    <p:spTree>
+      <p:nvGrpSpPr>
+        <p:cNvPr id="1" name=""/>
+        <p:cNvGrpSpPr/>
+        <p:nvPr/>
+      </p:nvGrpSpPr>
+      <p:grpSpPr>
+        <a:xfrm>
+          <a:off x="0" y="0"/>
+          <a:ext cx="0" cy="0"/>
+          <a:chOff x="0" y="0"/>
+          <a:chExt cx="0" cy="0"/>
+        </a:xfrm>
+      </p:grpSpPr>
+      <p:graphicFrame>
+        <p:nvGraphicFramePr>
+          <p:cNvPr id="12" name="표 11">
+            <a:extLst>
+              <a:ext uri="{FF2B5EF4-FFF2-40B4-BE49-F238E27FC236}">
+                <a16:creationId xmlns:a16="http://schemas.microsoft.com/office/drawing/2014/main" id="{FF4290C4-7AD0-128B-D92C-6620C0E42E39}"/>
+              </a:ext>
+            </a:extLst>
+          </p:cNvPr>
+          <p:cNvGraphicFramePr>
+            <a:graphicFrameLocks noGrp="1"/>
+          </p:cNvGraphicFramePr>
+          <p:nvPr>
+            <p:extLst>
+              <p:ext uri="{D42A27DB-BD31-4B8C-83A1-F6EECF244321}">
+                <p14:modId xmlns:p14="http://schemas.microsoft.com/office/powerpoint/2010/main" val="2048723478"/>
+              </p:ext>
+            </p:extLst>
+          </p:nvPr>
+        </p:nvGraphicFramePr>
+        <p:xfrm>
+          <a:off x="-134895" y="1493496"/>
+          <a:ext cx="6078490" cy="586302"/>
+        </p:xfrm>
+        <a:graphic>
+          <a:graphicData uri="http://schemas.openxmlformats.org/drawingml/2006/table">
+            <a:tbl>
+              <a:tblPr>
+                <a:tableStyleId>{5940675A-B579-460E-94D1-54222C63F5DA}</a:tableStyleId>
+              </a:tblPr>
+              <a:tblGrid>
+                <a:gridCol w="552590">
+                  <a:extLst>
+                    <a:ext uri="{9D8B030D-6E8A-4147-A177-3AD203B41FA5}">
+                      <a16:colId xmlns:a16="http://schemas.microsoft.com/office/drawing/2014/main" val="1670213888"/>
+                    </a:ext>
+                  </a:extLst>
+                </a:gridCol>
+                <a:gridCol w="552590">
+                  <a:extLst>
+                    <a:ext uri="{9D8B030D-6E8A-4147-A177-3AD203B41FA5}">
+                      <a16:colId xmlns:a16="http://schemas.microsoft.com/office/drawing/2014/main" val="594650284"/>
+                    </a:ext>
+                  </a:extLst>
+                </a:gridCol>
+                <a:gridCol w="552590">
+                  <a:extLst>
+                    <a:ext uri="{9D8B030D-6E8A-4147-A177-3AD203B41FA5}">
+                      <a16:colId xmlns:a16="http://schemas.microsoft.com/office/drawing/2014/main" val="2450153696"/>
+                    </a:ext>
+                  </a:extLst>
+                </a:gridCol>
+                <a:gridCol w="552590">
+                  <a:extLst>
+                    <a:ext uri="{9D8B030D-6E8A-4147-A177-3AD203B41FA5}">
+                      <a16:colId xmlns:a16="http://schemas.microsoft.com/office/drawing/2014/main" val="262758943"/>
+                    </a:ext>
+                  </a:extLst>
+                </a:gridCol>
+                <a:gridCol w="552590">
+                  <a:extLst>
+                    <a:ext uri="{9D8B030D-6E8A-4147-A177-3AD203B41FA5}">
+                      <a16:colId xmlns:a16="http://schemas.microsoft.com/office/drawing/2014/main" val="1357272361"/>
+                    </a:ext>
+                  </a:extLst>
+                </a:gridCol>
+                <a:gridCol w="552590">
+                  <a:extLst>
+                    <a:ext uri="{9D8B030D-6E8A-4147-A177-3AD203B41FA5}">
+                      <a16:colId xmlns:a16="http://schemas.microsoft.com/office/drawing/2014/main" val="3447787392"/>
+                    </a:ext>
+                  </a:extLst>
+                </a:gridCol>
+                <a:gridCol w="552590">
+                  <a:extLst>
+                    <a:ext uri="{9D8B030D-6E8A-4147-A177-3AD203B41FA5}">
+                      <a16:colId xmlns:a16="http://schemas.microsoft.com/office/drawing/2014/main" val="3252089526"/>
+                    </a:ext>
+                  </a:extLst>
+                </a:gridCol>
+                <a:gridCol w="552590">
+                  <a:extLst>
+                    <a:ext uri="{9D8B030D-6E8A-4147-A177-3AD203B41FA5}">
+                      <a16:colId xmlns:a16="http://schemas.microsoft.com/office/drawing/2014/main" val="3466614845"/>
+                    </a:ext>
+                  </a:extLst>
+                </a:gridCol>
+                <a:gridCol w="552590">
+                  <a:extLst>
+                    <a:ext uri="{9D8B030D-6E8A-4147-A177-3AD203B41FA5}">
+                      <a16:colId xmlns:a16="http://schemas.microsoft.com/office/drawing/2014/main" val="1361496769"/>
+                    </a:ext>
+                  </a:extLst>
+                </a:gridCol>
+                <a:gridCol w="552590">
+                  <a:extLst>
+                    <a:ext uri="{9D8B030D-6E8A-4147-A177-3AD203B41FA5}">
+                      <a16:colId xmlns:a16="http://schemas.microsoft.com/office/drawing/2014/main" val="3320287512"/>
+                    </a:ext>
+                  </a:extLst>
+                </a:gridCol>
+                <a:gridCol w="552590">
+                  <a:extLst>
+                    <a:ext uri="{9D8B030D-6E8A-4147-A177-3AD203B41FA5}">
+                      <a16:colId xmlns:a16="http://schemas.microsoft.com/office/drawing/2014/main" val="3942839457"/>
+                    </a:ext>
+                  </a:extLst>
+                </a:gridCol>
+              </a:tblGrid>
+              <a:tr h="293151">
+                <a:tc>
+                  <a:txBody>
+                    <a:bodyPr/>
+                    <a:lstStyle/>
+                    <a:p>
+                      <a:pPr algn="ctr" fontAlgn="b"/>
+                      <a:r>
+                        <a:rPr lang="en-US" sz="1200" u="none" strike="noStrike" dirty="0">
+                          <a:effectLst/>
+                          <a:latin typeface="나눔바른고딕" panose="020B0603020101020101" pitchFamily="50" charset="-127"/>
+                          <a:ea typeface="나눔바른고딕" panose="020B0603020101020101" pitchFamily="50" charset="-127"/>
+                        </a:rPr>
+                        <a:t>X</a:t>
+                      </a:r>
+                      <a:endParaRPr lang="en-US" sz="1200" b="1" i="0" u="none" strike="noStrike" dirty="0">
+                        <a:solidFill>
+                          <a:srgbClr val="D1D5DB"/>
+                        </a:solidFill>
+                        <a:effectLst/>
+                        <a:latin typeface="나눔바른고딕" panose="020B0603020101020101" pitchFamily="50" charset="-127"/>
+                        <a:ea typeface="나눔바른고딕" panose="020B0603020101020101" pitchFamily="50" charset="-127"/>
+                      </a:endParaRPr>
+                    </a:p>
+                  </a:txBody>
+                  <a:tcPr marL="9525" marR="9525" marT="9525" marB="0" anchor="ctr">
+                    <a:solidFill>
+                      <a:schemeClr val="tx2">
+                        <a:lumMod val="20000"/>
+                        <a:lumOff val="80000"/>
+                      </a:schemeClr>
+                    </a:solidFill>
+                  </a:tcPr>
+                </a:tc>
+                <a:tc>
+                  <a:txBody>
+                    <a:bodyPr/>
+                    <a:lstStyle/>
+                    <a:p>
+                      <a:pPr algn="ctr" fontAlgn="ctr"/>
+                      <a:r>
+                        <a:rPr lang="en-US" altLang="ko-KR" sz="1200" u="none" strike="noStrike" dirty="0">
+                          <a:effectLst/>
+                          <a:latin typeface="나눔바른고딕" panose="020B0603020101020101" pitchFamily="50" charset="-127"/>
+                          <a:ea typeface="나눔바른고딕" panose="020B0603020101020101" pitchFamily="50" charset="-127"/>
+                        </a:rPr>
+                        <a:t>2</a:t>
+                      </a:r>
+                      <a:endParaRPr lang="en-US" altLang="ko-KR" sz="1200" b="0" i="0" u="none" strike="noStrike" dirty="0">
+                        <a:solidFill>
+                          <a:srgbClr val="D1D5DB"/>
+                        </a:solidFill>
+                        <a:effectLst/>
+                        <a:latin typeface="나눔바른고딕" panose="020B0603020101020101" pitchFamily="50" charset="-127"/>
+                        <a:ea typeface="나눔바른고딕" panose="020B0603020101020101" pitchFamily="50" charset="-127"/>
+                      </a:endParaRPr>
+                    </a:p>
+                  </a:txBody>
+                  <a:tcPr marL="9525" marR="9525" marT="9525" marB="0" anchor="ctr"/>
+                </a:tc>
+                <a:tc>
+                  <a:txBody>
+                    <a:bodyPr/>
+                    <a:lstStyle/>
+                    <a:p>
+                      <a:pPr algn="ctr" fontAlgn="ctr"/>
+                      <a:r>
+                        <a:rPr lang="en-US" altLang="ko-KR" sz="1200" u="none" strike="noStrike" dirty="0">
+                          <a:effectLst/>
+                          <a:latin typeface="나눔바른고딕" panose="020B0603020101020101" pitchFamily="50" charset="-127"/>
+                          <a:ea typeface="나눔바른고딕" panose="020B0603020101020101" pitchFamily="50" charset="-127"/>
+                        </a:rPr>
+                        <a:t>4</a:t>
+                      </a:r>
+                      <a:endParaRPr lang="en-US" altLang="ko-KR" sz="1200" b="0" i="0" u="none" strike="noStrike" dirty="0">
+                        <a:solidFill>
+                          <a:srgbClr val="D1D5DB"/>
+                        </a:solidFill>
+                        <a:effectLst/>
+                        <a:latin typeface="나눔바른고딕" panose="020B0603020101020101" pitchFamily="50" charset="-127"/>
+                        <a:ea typeface="나눔바른고딕" panose="020B0603020101020101" pitchFamily="50" charset="-127"/>
+                      </a:endParaRPr>
+                    </a:p>
+                  </a:txBody>
+                  <a:tcPr marL="9525" marR="9525" marT="9525" marB="0" anchor="ctr"/>
+                </a:tc>
+                <a:tc>
+                  <a:txBody>
+                    <a:bodyPr/>
+                    <a:lstStyle/>
+                    <a:p>
+                      <a:pPr algn="ctr" fontAlgn="ctr"/>
+                      <a:r>
+                        <a:rPr lang="en-US" altLang="ko-KR" sz="1200" u="none" strike="noStrike" dirty="0">
+                          <a:effectLst/>
+                          <a:latin typeface="나눔바른고딕" panose="020B0603020101020101" pitchFamily="50" charset="-127"/>
+                          <a:ea typeface="나눔바른고딕" panose="020B0603020101020101" pitchFamily="50" charset="-127"/>
+                        </a:rPr>
+                        <a:t>5</a:t>
+                      </a:r>
+                      <a:endParaRPr lang="en-US" altLang="ko-KR" sz="1200" b="0" i="0" u="none" strike="noStrike" dirty="0">
+                        <a:solidFill>
+                          <a:srgbClr val="D1D5DB"/>
+                        </a:solidFill>
+                        <a:effectLst/>
+                        <a:latin typeface="나눔바른고딕" panose="020B0603020101020101" pitchFamily="50" charset="-127"/>
+                        <a:ea typeface="나눔바른고딕" panose="020B0603020101020101" pitchFamily="50" charset="-127"/>
+                      </a:endParaRPr>
+                    </a:p>
+                  </a:txBody>
+                  <a:tcPr marL="9525" marR="9525" marT="9525" marB="0" anchor="ctr"/>
+                </a:tc>
+                <a:tc>
+                  <a:txBody>
+                    <a:bodyPr/>
+                    <a:lstStyle/>
+                    <a:p>
+                      <a:pPr algn="ctr" fontAlgn="ctr"/>
+                      <a:r>
+                        <a:rPr lang="en-US" altLang="ko-KR" sz="1200" u="none" strike="noStrike">
+                          <a:effectLst/>
+                          <a:latin typeface="나눔바른고딕" panose="020B0603020101020101" pitchFamily="50" charset="-127"/>
+                          <a:ea typeface="나눔바른고딕" panose="020B0603020101020101" pitchFamily="50" charset="-127"/>
+                        </a:rPr>
+                        <a:t>6</a:t>
+                      </a:r>
+                      <a:endParaRPr lang="en-US" altLang="ko-KR" sz="1200" b="0" i="0" u="none" strike="noStrike">
+                        <a:solidFill>
+                          <a:srgbClr val="D1D5DB"/>
+                        </a:solidFill>
+                        <a:effectLst/>
+                        <a:latin typeface="나눔바른고딕" panose="020B0603020101020101" pitchFamily="50" charset="-127"/>
+                        <a:ea typeface="나눔바른고딕" panose="020B0603020101020101" pitchFamily="50" charset="-127"/>
+                      </a:endParaRPr>
+                    </a:p>
+                  </a:txBody>
+                  <a:tcPr marL="9525" marR="9525" marT="9525" marB="0" anchor="ctr"/>
+                </a:tc>
+                <a:tc>
+                  <a:txBody>
+                    <a:bodyPr/>
+                    <a:lstStyle/>
+                    <a:p>
+                      <a:pPr algn="ctr" fontAlgn="ctr"/>
+                      <a:r>
+                        <a:rPr lang="en-US" altLang="ko-KR" sz="1200" u="none" strike="noStrike" dirty="0">
+                          <a:effectLst/>
+                          <a:latin typeface="나눔바른고딕" panose="020B0603020101020101" pitchFamily="50" charset="-127"/>
+                          <a:ea typeface="나눔바른고딕" panose="020B0603020101020101" pitchFamily="50" charset="-127"/>
+                        </a:rPr>
+                        <a:t>8</a:t>
+                      </a:r>
+                      <a:endParaRPr lang="en-US" altLang="ko-KR" sz="1200" b="0" i="0" u="none" strike="noStrike" dirty="0">
+                        <a:solidFill>
+                          <a:srgbClr val="D1D5DB"/>
+                        </a:solidFill>
+                        <a:effectLst/>
+                        <a:latin typeface="나눔바른고딕" panose="020B0603020101020101" pitchFamily="50" charset="-127"/>
+                        <a:ea typeface="나눔바른고딕" panose="020B0603020101020101" pitchFamily="50" charset="-127"/>
+                      </a:endParaRPr>
+                    </a:p>
+                  </a:txBody>
+                  <a:tcPr marL="9525" marR="9525" marT="9525" marB="0" anchor="ctr"/>
+                </a:tc>
+                <a:tc>
+                  <a:txBody>
+                    <a:bodyPr/>
+                    <a:lstStyle/>
+                    <a:p>
+                      <a:pPr algn="ctr" fontAlgn="ctr"/>
+                      <a:r>
+                        <a:rPr lang="en-US" altLang="ko-KR" sz="1200" u="none" strike="noStrike" dirty="0">
+                          <a:effectLst/>
+                          <a:latin typeface="나눔바른고딕" panose="020B0603020101020101" pitchFamily="50" charset="-127"/>
+                          <a:ea typeface="나눔바른고딕" panose="020B0603020101020101" pitchFamily="50" charset="-127"/>
+                        </a:rPr>
+                        <a:t>7</a:t>
+                      </a:r>
+                      <a:endParaRPr lang="en-US" altLang="ko-KR" sz="1200" b="0" i="0" u="none" strike="noStrike" dirty="0">
+                        <a:solidFill>
+                          <a:srgbClr val="D1D5DB"/>
+                        </a:solidFill>
+                        <a:effectLst/>
+                        <a:latin typeface="나눔바른고딕" panose="020B0603020101020101" pitchFamily="50" charset="-127"/>
+                        <a:ea typeface="나눔바른고딕" panose="020B0603020101020101" pitchFamily="50" charset="-127"/>
+                      </a:endParaRPr>
+                    </a:p>
+                  </a:txBody>
+                  <a:tcPr marL="9525" marR="9525" marT="9525" marB="0" anchor="ctr"/>
+                </a:tc>
+                <a:tc>
+                  <a:txBody>
+                    <a:bodyPr/>
+                    <a:lstStyle/>
+                    <a:p>
+                      <a:pPr algn="ctr" fontAlgn="ctr"/>
+                      <a:r>
+                        <a:rPr lang="en-US" altLang="ko-KR" sz="1200" u="none" strike="noStrike" dirty="0">
+                          <a:effectLst/>
+                          <a:latin typeface="나눔바른고딕" panose="020B0603020101020101" pitchFamily="50" charset="-127"/>
+                          <a:ea typeface="나눔바른고딕" panose="020B0603020101020101" pitchFamily="50" charset="-127"/>
+                        </a:rPr>
+                        <a:t>9</a:t>
+                      </a:r>
+                      <a:endParaRPr lang="en-US" altLang="ko-KR" sz="1200" b="0" i="0" u="none" strike="noStrike" dirty="0">
+                        <a:solidFill>
+                          <a:srgbClr val="D1D5DB"/>
+                        </a:solidFill>
+                        <a:effectLst/>
+                        <a:latin typeface="나눔바른고딕" panose="020B0603020101020101" pitchFamily="50" charset="-127"/>
+                        <a:ea typeface="나눔바른고딕" panose="020B0603020101020101" pitchFamily="50" charset="-127"/>
+                      </a:endParaRPr>
+                    </a:p>
+                  </a:txBody>
+                  <a:tcPr marL="9525" marR="9525" marT="9525" marB="0" anchor="ctr"/>
+                </a:tc>
+                <a:tc>
+                  <a:txBody>
+                    <a:bodyPr/>
+                    <a:lstStyle/>
+                    <a:p>
+                      <a:pPr algn="ctr" fontAlgn="ctr"/>
+                      <a:r>
+                        <a:rPr lang="en-US" altLang="ko-KR" sz="1200" u="none" strike="noStrike" dirty="0">
+                          <a:effectLst/>
+                          <a:latin typeface="나눔바른고딕" panose="020B0603020101020101" pitchFamily="50" charset="-127"/>
+                          <a:ea typeface="나눔바른고딕" panose="020B0603020101020101" pitchFamily="50" charset="-127"/>
+                        </a:rPr>
+                        <a:t>10</a:t>
+                      </a:r>
+                      <a:endParaRPr lang="en-US" altLang="ko-KR" sz="1200" b="0" i="0" u="none" strike="noStrike" dirty="0">
+                        <a:solidFill>
+                          <a:srgbClr val="D1D5DB"/>
+                        </a:solidFill>
+                        <a:effectLst/>
+                        <a:latin typeface="나눔바른고딕" panose="020B0603020101020101" pitchFamily="50" charset="-127"/>
+                        <a:ea typeface="나눔바른고딕" panose="020B0603020101020101" pitchFamily="50" charset="-127"/>
+                      </a:endParaRPr>
+                    </a:p>
+                  </a:txBody>
+                  <a:tcPr marL="9525" marR="9525" marT="9525" marB="0" anchor="ctr"/>
+                </a:tc>
+                <a:tc>
+                  <a:txBody>
+                    <a:bodyPr/>
+                    <a:lstStyle/>
+                    <a:p>
+                      <a:pPr algn="ctr" fontAlgn="ctr"/>
+                      <a:r>
+                        <a:rPr lang="en-US" altLang="ko-KR" sz="1200" u="none" strike="noStrike" dirty="0">
+                          <a:effectLst/>
+                          <a:latin typeface="나눔바른고딕" panose="020B0603020101020101" pitchFamily="50" charset="-127"/>
+                          <a:ea typeface="나눔바른고딕" panose="020B0603020101020101" pitchFamily="50" charset="-127"/>
+                        </a:rPr>
+                        <a:t>11</a:t>
+                      </a:r>
+                      <a:endParaRPr lang="en-US" altLang="ko-KR" sz="1200" b="0" i="0" u="none" strike="noStrike" dirty="0">
+                        <a:solidFill>
+                          <a:srgbClr val="D1D5DB"/>
+                        </a:solidFill>
+                        <a:effectLst/>
+                        <a:latin typeface="나눔바른고딕" panose="020B0603020101020101" pitchFamily="50" charset="-127"/>
+                        <a:ea typeface="나눔바른고딕" panose="020B0603020101020101" pitchFamily="50" charset="-127"/>
+                      </a:endParaRPr>
+                    </a:p>
+                  </a:txBody>
+                  <a:tcPr marL="9525" marR="9525" marT="9525" marB="0" anchor="ctr"/>
+                </a:tc>
+                <a:tc>
+                  <a:txBody>
+                    <a:bodyPr/>
+                    <a:lstStyle/>
+                    <a:p>
+                      <a:pPr algn="ctr" fontAlgn="ctr"/>
+                      <a:r>
+                        <a:rPr lang="en-US" altLang="ko-KR" sz="1200" u="none" strike="noStrike" dirty="0">
+                          <a:effectLst/>
+                          <a:latin typeface="나눔바른고딕" panose="020B0603020101020101" pitchFamily="50" charset="-127"/>
+                          <a:ea typeface="나눔바른고딕" panose="020B0603020101020101" pitchFamily="50" charset="-127"/>
+                        </a:rPr>
+                        <a:t>12</a:t>
+                      </a:r>
+                      <a:endParaRPr lang="en-US" altLang="ko-KR" sz="1200" b="0" i="0" u="none" strike="noStrike" dirty="0">
+                        <a:solidFill>
+                          <a:srgbClr val="D1D5DB"/>
+                        </a:solidFill>
+                        <a:effectLst/>
+                        <a:latin typeface="나눔바른고딕" panose="020B0603020101020101" pitchFamily="50" charset="-127"/>
+                        <a:ea typeface="나눔바른고딕" panose="020B0603020101020101" pitchFamily="50" charset="-127"/>
+                      </a:endParaRPr>
+                    </a:p>
+                  </a:txBody>
+                  <a:tcPr marL="9525" marR="9525" marT="9525" marB="0" anchor="ctr"/>
+                </a:tc>
+                <a:extLst>
+                  <a:ext uri="{0D108BD9-81ED-4DB2-BD59-A6C34878D82A}">
+                    <a16:rowId xmlns:a16="http://schemas.microsoft.com/office/drawing/2014/main" val="2629440827"/>
+                  </a:ext>
+                </a:extLst>
+              </a:tr>
+              <a:tr h="293151">
+                <a:tc>
+                  <a:txBody>
+                    <a:bodyPr/>
+                    <a:lstStyle/>
+                    <a:p>
+                      <a:pPr algn="ctr" fontAlgn="b"/>
+                      <a:r>
+                        <a:rPr lang="en-US" sz="1200" u="none" strike="noStrike" dirty="0">
+                          <a:effectLst/>
+                          <a:latin typeface="나눔바른고딕" panose="020B0603020101020101" pitchFamily="50" charset="-127"/>
+                          <a:ea typeface="나눔바른고딕" panose="020B0603020101020101" pitchFamily="50" charset="-127"/>
+                        </a:rPr>
+                        <a:t>Y</a:t>
+                      </a:r>
+                      <a:endParaRPr lang="en-US" sz="1200" b="1" i="0" u="none" strike="noStrike" dirty="0">
+                        <a:solidFill>
+                          <a:srgbClr val="D1D5DB"/>
+                        </a:solidFill>
+                        <a:effectLst/>
+                        <a:latin typeface="나눔바른고딕" panose="020B0603020101020101" pitchFamily="50" charset="-127"/>
+                        <a:ea typeface="나눔바른고딕" panose="020B0603020101020101" pitchFamily="50" charset="-127"/>
+                      </a:endParaRPr>
+                    </a:p>
+                  </a:txBody>
+                  <a:tcPr marL="9525" marR="9525" marT="9525" marB="0" anchor="ctr">
+                    <a:solidFill>
+                      <a:schemeClr val="tx2">
+                        <a:lumMod val="20000"/>
+                        <a:lumOff val="80000"/>
+                      </a:schemeClr>
+                    </a:solidFill>
+                  </a:tcPr>
+                </a:tc>
+                <a:tc>
+                  <a:txBody>
+                    <a:bodyPr/>
+                    <a:lstStyle/>
+                    <a:p>
+                      <a:pPr algn="ctr" fontAlgn="ctr"/>
+                      <a:r>
+                        <a:rPr lang="en-US" altLang="ko-KR" sz="1200" u="none" strike="noStrike" dirty="0">
+                          <a:effectLst/>
+                          <a:latin typeface="나눔바른고딕" panose="020B0603020101020101" pitchFamily="50" charset="-127"/>
+                          <a:ea typeface="나눔바른고딕" panose="020B0603020101020101" pitchFamily="50" charset="-127"/>
+                        </a:rPr>
+                        <a:t>3</a:t>
+                      </a:r>
+                      <a:endParaRPr lang="en-US" altLang="ko-KR" sz="1200" b="0" i="0" u="none" strike="noStrike" dirty="0">
+                        <a:solidFill>
+                          <a:srgbClr val="D1D5DB"/>
+                        </a:solidFill>
+                        <a:effectLst/>
+                        <a:latin typeface="나눔바른고딕" panose="020B0603020101020101" pitchFamily="50" charset="-127"/>
+                        <a:ea typeface="나눔바른고딕" panose="020B0603020101020101" pitchFamily="50" charset="-127"/>
+                      </a:endParaRPr>
+                    </a:p>
+                  </a:txBody>
+                  <a:tcPr marL="9525" marR="9525" marT="9525" marB="0" anchor="ctr"/>
+                </a:tc>
+                <a:tc>
+                  <a:txBody>
+                    <a:bodyPr/>
+                    <a:lstStyle/>
+                    <a:p>
+                      <a:pPr algn="ctr" fontAlgn="ctr"/>
+                      <a:r>
+                        <a:rPr lang="en-US" altLang="ko-KR" sz="1200" u="none" strike="noStrike" dirty="0">
+                          <a:effectLst/>
+                          <a:latin typeface="나눔바른고딕" panose="020B0603020101020101" pitchFamily="50" charset="-127"/>
+                          <a:ea typeface="나눔바른고딕" panose="020B0603020101020101" pitchFamily="50" charset="-127"/>
+                        </a:rPr>
+                        <a:t>4</a:t>
+                      </a:r>
+                      <a:endParaRPr lang="en-US" altLang="ko-KR" sz="1200" b="0" i="0" u="none" strike="noStrike" dirty="0">
+                        <a:solidFill>
+                          <a:srgbClr val="D1D5DB"/>
+                        </a:solidFill>
+                        <a:effectLst/>
+                        <a:latin typeface="나눔바른고딕" panose="020B0603020101020101" pitchFamily="50" charset="-127"/>
+                        <a:ea typeface="나눔바른고딕" panose="020B0603020101020101" pitchFamily="50" charset="-127"/>
+                      </a:endParaRPr>
+                    </a:p>
+                  </a:txBody>
+                  <a:tcPr marL="9525" marR="9525" marT="9525" marB="0" anchor="ctr"/>
+                </a:tc>
+                <a:tc>
+                  <a:txBody>
+                    <a:bodyPr/>
+                    <a:lstStyle/>
+                    <a:p>
+                      <a:pPr algn="ctr" fontAlgn="ctr"/>
+                      <a:r>
+                        <a:rPr lang="en-US" altLang="ko-KR" sz="1200" u="none" strike="noStrike" dirty="0">
+                          <a:effectLst/>
+                          <a:latin typeface="나눔바른고딕" panose="020B0603020101020101" pitchFamily="50" charset="-127"/>
+                          <a:ea typeface="나눔바른고딕" panose="020B0603020101020101" pitchFamily="50" charset="-127"/>
+                        </a:rPr>
+                        <a:t>6</a:t>
+                      </a:r>
+                      <a:endParaRPr lang="en-US" altLang="ko-KR" sz="1200" b="0" i="0" u="none" strike="noStrike" dirty="0">
+                        <a:solidFill>
+                          <a:srgbClr val="D1D5DB"/>
+                        </a:solidFill>
+                        <a:effectLst/>
+                        <a:latin typeface="나눔바른고딕" panose="020B0603020101020101" pitchFamily="50" charset="-127"/>
+                        <a:ea typeface="나눔바른고딕" panose="020B0603020101020101" pitchFamily="50" charset="-127"/>
+                      </a:endParaRPr>
+                    </a:p>
+                  </a:txBody>
+                  <a:tcPr marL="9525" marR="9525" marT="9525" marB="0" anchor="ctr"/>
+                </a:tc>
+                <a:tc>
+                  <a:txBody>
+                    <a:bodyPr/>
+                    <a:lstStyle/>
+                    <a:p>
+                      <a:pPr algn="ctr" fontAlgn="ctr"/>
+                      <a:r>
+                        <a:rPr lang="en-US" altLang="ko-KR" sz="1200" u="none" strike="noStrike" dirty="0">
+                          <a:effectLst/>
+                          <a:latin typeface="나눔바른고딕" panose="020B0603020101020101" pitchFamily="50" charset="-127"/>
+                          <a:ea typeface="나눔바른고딕" panose="020B0603020101020101" pitchFamily="50" charset="-127"/>
+                        </a:rPr>
+                        <a:t>5</a:t>
+                      </a:r>
+                      <a:endParaRPr lang="en-US" altLang="ko-KR" sz="1200" b="0" i="0" u="none" strike="noStrike" dirty="0">
+                        <a:solidFill>
+                          <a:srgbClr val="D1D5DB"/>
+                        </a:solidFill>
+                        <a:effectLst/>
+                        <a:latin typeface="나눔바른고딕" panose="020B0603020101020101" pitchFamily="50" charset="-127"/>
+                        <a:ea typeface="나눔바른고딕" panose="020B0603020101020101" pitchFamily="50" charset="-127"/>
+                      </a:endParaRPr>
+                    </a:p>
+                  </a:txBody>
+                  <a:tcPr marL="9525" marR="9525" marT="9525" marB="0" anchor="ctr"/>
+                </a:tc>
+                <a:tc>
+                  <a:txBody>
+                    <a:bodyPr/>
+                    <a:lstStyle/>
+                    <a:p>
+                      <a:pPr algn="ctr" fontAlgn="ctr"/>
+                      <a:r>
+                        <a:rPr lang="en-US" altLang="ko-KR" sz="1200" u="none" strike="noStrike" dirty="0">
+                          <a:effectLst/>
+                          <a:latin typeface="나눔바른고딕" panose="020B0603020101020101" pitchFamily="50" charset="-127"/>
+                          <a:ea typeface="나눔바른고딕" panose="020B0603020101020101" pitchFamily="50" charset="-127"/>
+                        </a:rPr>
+                        <a:t>7</a:t>
+                      </a:r>
+                      <a:endParaRPr lang="en-US" altLang="ko-KR" sz="1200" b="0" i="0" u="none" strike="noStrike" dirty="0">
+                        <a:solidFill>
+                          <a:srgbClr val="D1D5DB"/>
+                        </a:solidFill>
+                        <a:effectLst/>
+                        <a:latin typeface="나눔바른고딕" panose="020B0603020101020101" pitchFamily="50" charset="-127"/>
+                        <a:ea typeface="나눔바른고딕" panose="020B0603020101020101" pitchFamily="50" charset="-127"/>
+                      </a:endParaRPr>
+                    </a:p>
+                  </a:txBody>
+                  <a:tcPr marL="9525" marR="9525" marT="9525" marB="0" anchor="ctr"/>
+                </a:tc>
+                <a:tc>
+                  <a:txBody>
+                    <a:bodyPr/>
+                    <a:lstStyle/>
+                    <a:p>
+                      <a:pPr algn="ctr" fontAlgn="ctr"/>
+                      <a:r>
+                        <a:rPr lang="en-US" altLang="ko-KR" sz="1200" u="none" strike="noStrike" dirty="0">
+                          <a:effectLst/>
+                          <a:latin typeface="나눔바른고딕" panose="020B0603020101020101" pitchFamily="50" charset="-127"/>
+                          <a:ea typeface="나눔바른고딕" panose="020B0603020101020101" pitchFamily="50" charset="-127"/>
+                        </a:rPr>
+                        <a:t>8</a:t>
+                      </a:r>
+                      <a:endParaRPr lang="en-US" altLang="ko-KR" sz="1200" b="0" i="0" u="none" strike="noStrike" dirty="0">
+                        <a:solidFill>
+                          <a:srgbClr val="D1D5DB"/>
+                        </a:solidFill>
+                        <a:effectLst/>
+                        <a:latin typeface="나눔바른고딕" panose="020B0603020101020101" pitchFamily="50" charset="-127"/>
+                        <a:ea typeface="나눔바른고딕" panose="020B0603020101020101" pitchFamily="50" charset="-127"/>
+                      </a:endParaRPr>
+                    </a:p>
+                  </a:txBody>
+                  <a:tcPr marL="9525" marR="9525" marT="9525" marB="0" anchor="ctr"/>
+                </a:tc>
+                <a:tc>
+                  <a:txBody>
+                    <a:bodyPr/>
+                    <a:lstStyle/>
+                    <a:p>
+                      <a:pPr algn="ctr" fontAlgn="ctr"/>
+                      <a:r>
+                        <a:rPr lang="en-US" altLang="ko-KR" sz="1200" u="none" strike="noStrike" dirty="0">
+                          <a:effectLst/>
+                          <a:latin typeface="나눔바른고딕" panose="020B0603020101020101" pitchFamily="50" charset="-127"/>
+                          <a:ea typeface="나눔바른고딕" panose="020B0603020101020101" pitchFamily="50" charset="-127"/>
+                        </a:rPr>
+                        <a:t>9</a:t>
+                      </a:r>
+                      <a:endParaRPr lang="en-US" altLang="ko-KR" sz="1200" b="0" i="0" u="none" strike="noStrike" dirty="0">
+                        <a:solidFill>
+                          <a:srgbClr val="D1D5DB"/>
+                        </a:solidFill>
+                        <a:effectLst/>
+                        <a:latin typeface="나눔바른고딕" panose="020B0603020101020101" pitchFamily="50" charset="-127"/>
+                        <a:ea typeface="나눔바른고딕" panose="020B0603020101020101" pitchFamily="50" charset="-127"/>
+                      </a:endParaRPr>
+                    </a:p>
+                  </a:txBody>
+                  <a:tcPr marL="9525" marR="9525" marT="9525" marB="0" anchor="ctr"/>
+                </a:tc>
+                <a:tc>
+                  <a:txBody>
+                    <a:bodyPr/>
+                    <a:lstStyle/>
+                    <a:p>
+                      <a:pPr algn="ctr" fontAlgn="ctr"/>
+                      <a:r>
+                        <a:rPr lang="en-US" altLang="ko-KR" sz="1200" u="none" strike="noStrike" dirty="0">
+                          <a:effectLst/>
+                          <a:latin typeface="나눔바른고딕" panose="020B0603020101020101" pitchFamily="50" charset="-127"/>
+                          <a:ea typeface="나눔바른고딕" panose="020B0603020101020101" pitchFamily="50" charset="-127"/>
+                        </a:rPr>
+                        <a:t>10</a:t>
+                      </a:r>
+                      <a:endParaRPr lang="en-US" altLang="ko-KR" sz="1200" b="0" i="0" u="none" strike="noStrike" dirty="0">
+                        <a:solidFill>
+                          <a:srgbClr val="D1D5DB"/>
+                        </a:solidFill>
+                        <a:effectLst/>
+                        <a:latin typeface="나눔바른고딕" panose="020B0603020101020101" pitchFamily="50" charset="-127"/>
+                        <a:ea typeface="나눔바른고딕" panose="020B0603020101020101" pitchFamily="50" charset="-127"/>
+                      </a:endParaRPr>
+                    </a:p>
+                  </a:txBody>
+                  <a:tcPr marL="9525" marR="9525" marT="9525" marB="0" anchor="ctr"/>
+                </a:tc>
+                <a:tc>
+                  <a:txBody>
+                    <a:bodyPr/>
+                    <a:lstStyle/>
+                    <a:p>
+                      <a:pPr algn="ctr" fontAlgn="ctr"/>
+                      <a:r>
+                        <a:rPr lang="en-US" altLang="ko-KR" sz="1200" u="none" strike="noStrike" dirty="0">
+                          <a:effectLst/>
+                          <a:latin typeface="나눔바른고딕" panose="020B0603020101020101" pitchFamily="50" charset="-127"/>
+                          <a:ea typeface="나눔바른고딕" panose="020B0603020101020101" pitchFamily="50" charset="-127"/>
+                        </a:rPr>
+                        <a:t>12</a:t>
+                      </a:r>
+                      <a:endParaRPr lang="en-US" altLang="ko-KR" sz="1200" b="0" i="0" u="none" strike="noStrike" dirty="0">
+                        <a:solidFill>
+                          <a:srgbClr val="D1D5DB"/>
+                        </a:solidFill>
+                        <a:effectLst/>
+                        <a:latin typeface="나눔바른고딕" panose="020B0603020101020101" pitchFamily="50" charset="-127"/>
+                        <a:ea typeface="나눔바른고딕" panose="020B0603020101020101" pitchFamily="50" charset="-127"/>
+                      </a:endParaRPr>
+                    </a:p>
+                  </a:txBody>
+                  <a:tcPr marL="9525" marR="9525" marT="9525" marB="0" anchor="ctr"/>
+                </a:tc>
+                <a:tc>
+                  <a:txBody>
+                    <a:bodyPr/>
+                    <a:lstStyle/>
+                    <a:p>
+                      <a:pPr algn="ctr" fontAlgn="ctr"/>
+                      <a:r>
+                        <a:rPr lang="en-US" altLang="ko-KR" sz="1200" u="none" strike="noStrike" dirty="0">
+                          <a:effectLst/>
+                          <a:latin typeface="나눔바른고딕" panose="020B0603020101020101" pitchFamily="50" charset="-127"/>
+                          <a:ea typeface="나눔바른고딕" panose="020B0603020101020101" pitchFamily="50" charset="-127"/>
+                        </a:rPr>
+                        <a:t>11</a:t>
+                      </a:r>
+                      <a:endParaRPr lang="en-US" altLang="ko-KR" sz="1200" b="0" i="0" u="none" strike="noStrike" dirty="0">
+                        <a:solidFill>
+                          <a:srgbClr val="D1D5DB"/>
+                        </a:solidFill>
+                        <a:effectLst/>
+                        <a:latin typeface="나눔바른고딕" panose="020B0603020101020101" pitchFamily="50" charset="-127"/>
+                        <a:ea typeface="나눔바른고딕" panose="020B0603020101020101" pitchFamily="50" charset="-127"/>
+                      </a:endParaRPr>
+                    </a:p>
+                  </a:txBody>
+                  <a:tcPr marL="9525" marR="9525" marT="9525" marB="0" anchor="ctr"/>
+                </a:tc>
+                <a:extLst>
+                  <a:ext uri="{0D108BD9-81ED-4DB2-BD59-A6C34878D82A}">
+                    <a16:rowId xmlns:a16="http://schemas.microsoft.com/office/drawing/2014/main" val="2224048512"/>
+                  </a:ext>
+                </a:extLst>
+              </a:tr>
+            </a:tbl>
+          </a:graphicData>
+        </a:graphic>
+      </p:graphicFrame>
+      <p:graphicFrame>
+        <p:nvGraphicFramePr>
+          <p:cNvPr id="13" name="표 12">
+            <a:extLst>
+              <a:ext uri="{FF2B5EF4-FFF2-40B4-BE49-F238E27FC236}">
+                <a16:creationId xmlns:a16="http://schemas.microsoft.com/office/drawing/2014/main" id="{365F3CB3-F60E-4639-C979-0BE113C582F6}"/>
+              </a:ext>
+            </a:extLst>
+          </p:cNvPr>
+          <p:cNvGraphicFramePr>
+            <a:graphicFrameLocks noGrp="1"/>
+          </p:cNvGraphicFramePr>
+          <p:nvPr>
+            <p:extLst>
+              <p:ext uri="{D42A27DB-BD31-4B8C-83A1-F6EECF244321}">
+                <p14:modId xmlns:p14="http://schemas.microsoft.com/office/powerpoint/2010/main" val="3244120066"/>
+              </p:ext>
+            </p:extLst>
+          </p:nvPr>
+        </p:nvGraphicFramePr>
+        <p:xfrm>
+          <a:off x="7254446" y="1493496"/>
+          <a:ext cx="6078490" cy="586302"/>
+        </p:xfrm>
+        <a:graphic>
+          <a:graphicData uri="http://schemas.openxmlformats.org/drawingml/2006/table">
+            <a:tbl>
+              <a:tblPr>
+                <a:tableStyleId>{5940675A-B579-460E-94D1-54222C63F5DA}</a:tableStyleId>
+              </a:tblPr>
+              <a:tblGrid>
+                <a:gridCol w="552590">
+                  <a:extLst>
+                    <a:ext uri="{9D8B030D-6E8A-4147-A177-3AD203B41FA5}">
+                      <a16:colId xmlns:a16="http://schemas.microsoft.com/office/drawing/2014/main" val="1670213888"/>
+                    </a:ext>
+                  </a:extLst>
+                </a:gridCol>
+                <a:gridCol w="552590">
+                  <a:extLst>
+                    <a:ext uri="{9D8B030D-6E8A-4147-A177-3AD203B41FA5}">
+                      <a16:colId xmlns:a16="http://schemas.microsoft.com/office/drawing/2014/main" val="594650284"/>
+                    </a:ext>
+                  </a:extLst>
+                </a:gridCol>
+                <a:gridCol w="552590">
+                  <a:extLst>
+                    <a:ext uri="{9D8B030D-6E8A-4147-A177-3AD203B41FA5}">
+                      <a16:colId xmlns:a16="http://schemas.microsoft.com/office/drawing/2014/main" val="2450153696"/>
+                    </a:ext>
+                  </a:extLst>
+                </a:gridCol>
+                <a:gridCol w="552590">
+                  <a:extLst>
+                    <a:ext uri="{9D8B030D-6E8A-4147-A177-3AD203B41FA5}">
+                      <a16:colId xmlns:a16="http://schemas.microsoft.com/office/drawing/2014/main" val="262758943"/>
+                    </a:ext>
+                  </a:extLst>
+                </a:gridCol>
+                <a:gridCol w="552590">
+                  <a:extLst>
+                    <a:ext uri="{9D8B030D-6E8A-4147-A177-3AD203B41FA5}">
+                      <a16:colId xmlns:a16="http://schemas.microsoft.com/office/drawing/2014/main" val="1357272361"/>
+                    </a:ext>
+                  </a:extLst>
+                </a:gridCol>
+                <a:gridCol w="552590">
+                  <a:extLst>
+                    <a:ext uri="{9D8B030D-6E8A-4147-A177-3AD203B41FA5}">
+                      <a16:colId xmlns:a16="http://schemas.microsoft.com/office/drawing/2014/main" val="3447787392"/>
+                    </a:ext>
+                  </a:extLst>
+                </a:gridCol>
+                <a:gridCol w="552590">
+                  <a:extLst>
+                    <a:ext uri="{9D8B030D-6E8A-4147-A177-3AD203B41FA5}">
+                      <a16:colId xmlns:a16="http://schemas.microsoft.com/office/drawing/2014/main" val="3252089526"/>
+                    </a:ext>
+                  </a:extLst>
+                </a:gridCol>
+                <a:gridCol w="552590">
+                  <a:extLst>
+                    <a:ext uri="{9D8B030D-6E8A-4147-A177-3AD203B41FA5}">
+                      <a16:colId xmlns:a16="http://schemas.microsoft.com/office/drawing/2014/main" val="3466614845"/>
+                    </a:ext>
+                  </a:extLst>
+                </a:gridCol>
+                <a:gridCol w="552590">
+                  <a:extLst>
+                    <a:ext uri="{9D8B030D-6E8A-4147-A177-3AD203B41FA5}">
+                      <a16:colId xmlns:a16="http://schemas.microsoft.com/office/drawing/2014/main" val="1361496769"/>
+                    </a:ext>
+                  </a:extLst>
+                </a:gridCol>
+                <a:gridCol w="552590">
+                  <a:extLst>
+                    <a:ext uri="{9D8B030D-6E8A-4147-A177-3AD203B41FA5}">
+                      <a16:colId xmlns:a16="http://schemas.microsoft.com/office/drawing/2014/main" val="3320287512"/>
+                    </a:ext>
+                  </a:extLst>
+                </a:gridCol>
+                <a:gridCol w="552590">
+                  <a:extLst>
+                    <a:ext uri="{9D8B030D-6E8A-4147-A177-3AD203B41FA5}">
+                      <a16:colId xmlns:a16="http://schemas.microsoft.com/office/drawing/2014/main" val="3942839457"/>
+                    </a:ext>
+                  </a:extLst>
+                </a:gridCol>
+              </a:tblGrid>
+              <a:tr h="293151">
+                <a:tc>
+                  <a:txBody>
+                    <a:bodyPr/>
+                    <a:lstStyle/>
+                    <a:p>
+                      <a:pPr algn="ctr" fontAlgn="b"/>
+                      <a:r>
+                        <a:rPr lang="en-US" sz="1200" u="none" strike="noStrike" dirty="0">
+                          <a:effectLst/>
+                          <a:latin typeface="나눔바른고딕" panose="020B0603020101020101" pitchFamily="50" charset="-127"/>
+                          <a:ea typeface="나눔바른고딕" panose="020B0603020101020101" pitchFamily="50" charset="-127"/>
+                        </a:rPr>
+                        <a:t>X</a:t>
+                      </a:r>
+                      <a:endParaRPr lang="en-US" sz="1200" b="1" i="0" u="none" strike="noStrike" dirty="0">
+                        <a:solidFill>
+                          <a:srgbClr val="D1D5DB"/>
+                        </a:solidFill>
+                        <a:effectLst/>
+                        <a:latin typeface="나눔바른고딕" panose="020B0603020101020101" pitchFamily="50" charset="-127"/>
+                        <a:ea typeface="나눔바른고딕" panose="020B0603020101020101" pitchFamily="50" charset="-127"/>
+                      </a:endParaRPr>
+                    </a:p>
+                  </a:txBody>
+                  <a:tcPr marL="9525" marR="9525" marT="9525" marB="0" anchor="ctr">
+                    <a:solidFill>
+                      <a:schemeClr val="tx2">
+                        <a:lumMod val="20000"/>
+                        <a:lumOff val="80000"/>
+                      </a:schemeClr>
+                    </a:solidFill>
+                  </a:tcPr>
+                </a:tc>
+                <a:tc>
+                  <a:txBody>
+                    <a:bodyPr/>
+                    <a:lstStyle/>
+                    <a:p>
+                      <a:pPr algn="ctr" fontAlgn="ctr"/>
+                      <a:r>
+                        <a:rPr lang="en-US" altLang="ko-KR" sz="1200" b="0" i="0" u="none" strike="noStrike" dirty="0">
+                          <a:solidFill>
+                            <a:srgbClr val="000000"/>
+                          </a:solidFill>
+                          <a:effectLst/>
+                          <a:latin typeface="나눔바른고딕" panose="020B0603020101020101" pitchFamily="50" charset="-127"/>
+                          <a:ea typeface="나눔바른고딕" panose="020B0603020101020101" pitchFamily="50" charset="-127"/>
+                        </a:rPr>
+                        <a:t>1</a:t>
+                      </a:r>
+                    </a:p>
+                  </a:txBody>
+                  <a:tcPr marL="9525" marR="9525" marT="9525" marB="0" anchor="ctr"/>
+                </a:tc>
+                <a:tc>
+                  <a:txBody>
+                    <a:bodyPr/>
+                    <a:lstStyle/>
+                    <a:p>
+                      <a:pPr algn="ctr" fontAlgn="ctr"/>
+                      <a:r>
+                        <a:rPr lang="en-US" altLang="ko-KR" sz="1200" b="0" i="0" u="none" strike="noStrike">
+                          <a:solidFill>
+                            <a:srgbClr val="000000"/>
+                          </a:solidFill>
+                          <a:effectLst/>
+                          <a:latin typeface="나눔바른고딕" panose="020B0603020101020101" pitchFamily="50" charset="-127"/>
+                          <a:ea typeface="나눔바른고딕" panose="020B0603020101020101" pitchFamily="50" charset="-127"/>
+                        </a:rPr>
+                        <a:t>2</a:t>
+                      </a:r>
+                    </a:p>
+                  </a:txBody>
+                  <a:tcPr marL="9525" marR="9525" marT="9525" marB="0" anchor="ctr"/>
+                </a:tc>
+                <a:tc>
+                  <a:txBody>
+                    <a:bodyPr/>
+                    <a:lstStyle/>
+                    <a:p>
+                      <a:pPr algn="ctr" fontAlgn="ctr"/>
+                      <a:r>
+                        <a:rPr lang="en-US" altLang="ko-KR" sz="1200" b="0" i="0" u="none" strike="noStrike">
+                          <a:solidFill>
+                            <a:srgbClr val="000000"/>
+                          </a:solidFill>
+                          <a:effectLst/>
+                          <a:latin typeface="나눔바른고딕" panose="020B0603020101020101" pitchFamily="50" charset="-127"/>
+                          <a:ea typeface="나눔바른고딕" panose="020B0603020101020101" pitchFamily="50" charset="-127"/>
+                        </a:rPr>
+                        <a:t>3</a:t>
+                      </a:r>
+                    </a:p>
+                  </a:txBody>
+                  <a:tcPr marL="9525" marR="9525" marT="9525" marB="0" anchor="ctr"/>
+                </a:tc>
+                <a:tc>
+                  <a:txBody>
+                    <a:bodyPr/>
+                    <a:lstStyle/>
+                    <a:p>
+                      <a:pPr algn="ctr" fontAlgn="ctr"/>
+                      <a:r>
+                        <a:rPr lang="en-US" altLang="ko-KR" sz="1200" b="0" i="0" u="none" strike="noStrike">
+                          <a:solidFill>
+                            <a:srgbClr val="000000"/>
+                          </a:solidFill>
+                          <a:effectLst/>
+                          <a:latin typeface="나눔바른고딕" panose="020B0603020101020101" pitchFamily="50" charset="-127"/>
+                          <a:ea typeface="나눔바른고딕" panose="020B0603020101020101" pitchFamily="50" charset="-127"/>
+                        </a:rPr>
+                        <a:t>4</a:t>
+                      </a:r>
+                    </a:p>
+                  </a:txBody>
+                  <a:tcPr marL="9525" marR="9525" marT="9525" marB="0" anchor="ctr"/>
+                </a:tc>
+                <a:tc>
+                  <a:txBody>
+                    <a:bodyPr/>
+                    <a:lstStyle/>
+                    <a:p>
+                      <a:pPr algn="ctr" fontAlgn="ctr"/>
+                      <a:r>
+                        <a:rPr lang="en-US" altLang="ko-KR" sz="1200" b="0" i="0" u="none" strike="noStrike" dirty="0">
+                          <a:solidFill>
+                            <a:srgbClr val="000000"/>
+                          </a:solidFill>
+                          <a:effectLst/>
+                          <a:latin typeface="나눔바른고딕" panose="020B0603020101020101" pitchFamily="50" charset="-127"/>
+                          <a:ea typeface="나눔바른고딕" panose="020B0603020101020101" pitchFamily="50" charset="-127"/>
+                        </a:rPr>
+                        <a:t>5</a:t>
+                      </a:r>
+                    </a:p>
+                  </a:txBody>
+                  <a:tcPr marL="9525" marR="9525" marT="9525" marB="0" anchor="ctr"/>
+                </a:tc>
+                <a:tc>
+                  <a:txBody>
+                    <a:bodyPr/>
+                    <a:lstStyle/>
+                    <a:p>
+                      <a:pPr algn="ctr" fontAlgn="ctr"/>
+                      <a:r>
+                        <a:rPr lang="en-US" altLang="ko-KR" sz="1200" b="0" i="0" u="none" strike="noStrike">
+                          <a:solidFill>
+                            <a:srgbClr val="000000"/>
+                          </a:solidFill>
+                          <a:effectLst/>
+                          <a:latin typeface="나눔바른고딕" panose="020B0603020101020101" pitchFamily="50" charset="-127"/>
+                          <a:ea typeface="나눔바른고딕" panose="020B0603020101020101" pitchFamily="50" charset="-127"/>
+                        </a:rPr>
+                        <a:t>6</a:t>
+                      </a:r>
+                    </a:p>
+                  </a:txBody>
+                  <a:tcPr marL="9525" marR="9525" marT="9525" marB="0" anchor="ctr"/>
+                </a:tc>
+                <a:tc>
+                  <a:txBody>
+                    <a:bodyPr/>
+                    <a:lstStyle/>
+                    <a:p>
+                      <a:pPr algn="ctr" fontAlgn="ctr"/>
+                      <a:r>
+                        <a:rPr lang="en-US" altLang="ko-KR" sz="1200" b="0" i="0" u="none" strike="noStrike">
+                          <a:solidFill>
+                            <a:srgbClr val="000000"/>
+                          </a:solidFill>
+                          <a:effectLst/>
+                          <a:latin typeface="나눔바른고딕" panose="020B0603020101020101" pitchFamily="50" charset="-127"/>
+                          <a:ea typeface="나눔바른고딕" panose="020B0603020101020101" pitchFamily="50" charset="-127"/>
+                        </a:rPr>
+                        <a:t>7</a:t>
+                      </a:r>
+                    </a:p>
+                  </a:txBody>
+                  <a:tcPr marL="9525" marR="9525" marT="9525" marB="0" anchor="ctr"/>
+                </a:tc>
+                <a:tc>
+                  <a:txBody>
+                    <a:bodyPr/>
+                    <a:lstStyle/>
+                    <a:p>
+                      <a:pPr algn="ctr" fontAlgn="ctr"/>
+                      <a:r>
+                        <a:rPr lang="en-US" altLang="ko-KR" sz="1200" b="0" i="0" u="none" strike="noStrike">
+                          <a:solidFill>
+                            <a:srgbClr val="000000"/>
+                          </a:solidFill>
+                          <a:effectLst/>
+                          <a:latin typeface="나눔바른고딕" panose="020B0603020101020101" pitchFamily="50" charset="-127"/>
+                          <a:ea typeface="나눔바른고딕" panose="020B0603020101020101" pitchFamily="50" charset="-127"/>
+                        </a:rPr>
+                        <a:t>8</a:t>
+                      </a:r>
+                    </a:p>
+                  </a:txBody>
+                  <a:tcPr marL="9525" marR="9525" marT="9525" marB="0" anchor="ctr"/>
+                </a:tc>
+                <a:tc>
+                  <a:txBody>
+                    <a:bodyPr/>
+                    <a:lstStyle/>
+                    <a:p>
+                      <a:pPr algn="ctr" fontAlgn="ctr"/>
+                      <a:r>
+                        <a:rPr lang="en-US" altLang="ko-KR" sz="1200" b="0" i="0" u="none" strike="noStrike">
+                          <a:solidFill>
+                            <a:srgbClr val="000000"/>
+                          </a:solidFill>
+                          <a:effectLst/>
+                          <a:latin typeface="나눔바른고딕" panose="020B0603020101020101" pitchFamily="50" charset="-127"/>
+                          <a:ea typeface="나눔바른고딕" panose="020B0603020101020101" pitchFamily="50" charset="-127"/>
+                        </a:rPr>
+                        <a:t>9</a:t>
+                      </a:r>
+                    </a:p>
+                  </a:txBody>
+                  <a:tcPr marL="9525" marR="9525" marT="9525" marB="0" anchor="ctr"/>
+                </a:tc>
+                <a:tc>
+                  <a:txBody>
+                    <a:bodyPr/>
+                    <a:lstStyle/>
+                    <a:p>
+                      <a:pPr algn="ctr" fontAlgn="ctr"/>
+                      <a:r>
+                        <a:rPr lang="en-US" altLang="ko-KR" sz="1200" b="0" i="0" u="none" strike="noStrike">
+                          <a:solidFill>
+                            <a:srgbClr val="000000"/>
+                          </a:solidFill>
+                          <a:effectLst/>
+                          <a:latin typeface="나눔바른고딕" panose="020B0603020101020101" pitchFamily="50" charset="-127"/>
+                          <a:ea typeface="나눔바른고딕" panose="020B0603020101020101" pitchFamily="50" charset="-127"/>
+                        </a:rPr>
+                        <a:t>10</a:t>
+                      </a:r>
+                    </a:p>
+                  </a:txBody>
+                  <a:tcPr marL="9525" marR="9525" marT="9525" marB="0" anchor="ctr"/>
+                </a:tc>
+                <a:extLst>
+                  <a:ext uri="{0D108BD9-81ED-4DB2-BD59-A6C34878D82A}">
+                    <a16:rowId xmlns:a16="http://schemas.microsoft.com/office/drawing/2014/main" val="2629440827"/>
+                  </a:ext>
+                </a:extLst>
+              </a:tr>
+              <a:tr h="293151">
+                <a:tc>
+                  <a:txBody>
+                    <a:bodyPr/>
+                    <a:lstStyle/>
+                    <a:p>
+                      <a:pPr algn="ctr" fontAlgn="b"/>
+                      <a:r>
+                        <a:rPr lang="en-US" sz="1200" u="none" strike="noStrike" dirty="0">
+                          <a:effectLst/>
+                          <a:latin typeface="나눔바른고딕" panose="020B0603020101020101" pitchFamily="50" charset="-127"/>
+                          <a:ea typeface="나눔바른고딕" panose="020B0603020101020101" pitchFamily="50" charset="-127"/>
+                        </a:rPr>
+                        <a:t>Y</a:t>
+                      </a:r>
+                      <a:endParaRPr lang="en-US" sz="1200" b="1" i="0" u="none" strike="noStrike" dirty="0">
+                        <a:solidFill>
+                          <a:srgbClr val="D1D5DB"/>
+                        </a:solidFill>
+                        <a:effectLst/>
+                        <a:latin typeface="나눔바른고딕" panose="020B0603020101020101" pitchFamily="50" charset="-127"/>
+                        <a:ea typeface="나눔바른고딕" panose="020B0603020101020101" pitchFamily="50" charset="-127"/>
+                      </a:endParaRPr>
+                    </a:p>
+                  </a:txBody>
+                  <a:tcPr marL="9525" marR="9525" marT="9525" marB="0" anchor="ctr">
+                    <a:solidFill>
+                      <a:schemeClr val="tx2">
+                        <a:lumMod val="20000"/>
+                        <a:lumOff val="80000"/>
+                      </a:schemeClr>
+                    </a:solidFill>
+                  </a:tcPr>
+                </a:tc>
+                <a:tc>
+                  <a:txBody>
+                    <a:bodyPr/>
+                    <a:lstStyle/>
+                    <a:p>
+                      <a:pPr algn="ctr" fontAlgn="ctr"/>
+                      <a:r>
+                        <a:rPr lang="en-US" altLang="ko-KR" sz="1200" b="0" i="0" u="none" strike="noStrike">
+                          <a:solidFill>
+                            <a:srgbClr val="000000"/>
+                          </a:solidFill>
+                          <a:effectLst/>
+                          <a:latin typeface="나눔바른고딕" panose="020B0603020101020101" pitchFamily="50" charset="-127"/>
+                          <a:ea typeface="나눔바른고딕" panose="020B0603020101020101" pitchFamily="50" charset="-127"/>
+                        </a:rPr>
+                        <a:t>9</a:t>
+                      </a:r>
+                    </a:p>
+                  </a:txBody>
+                  <a:tcPr marL="9525" marR="9525" marT="9525" marB="0" anchor="ctr"/>
+                </a:tc>
+                <a:tc>
+                  <a:txBody>
+                    <a:bodyPr/>
+                    <a:lstStyle/>
+                    <a:p>
+                      <a:pPr algn="ctr" fontAlgn="ctr"/>
+                      <a:r>
+                        <a:rPr lang="en-US" altLang="ko-KR" sz="1200" b="0" i="0" u="none" strike="noStrike">
+                          <a:solidFill>
+                            <a:srgbClr val="000000"/>
+                          </a:solidFill>
+                          <a:effectLst/>
+                          <a:latin typeface="나눔바른고딕" panose="020B0603020101020101" pitchFamily="50" charset="-127"/>
+                          <a:ea typeface="나눔바른고딕" panose="020B0603020101020101" pitchFamily="50" charset="-127"/>
+                        </a:rPr>
+                        <a:t>2</a:t>
+                      </a:r>
+                    </a:p>
+                  </a:txBody>
+                  <a:tcPr marL="9525" marR="9525" marT="9525" marB="0" anchor="ctr"/>
+                </a:tc>
+                <a:tc>
+                  <a:txBody>
+                    <a:bodyPr/>
+                    <a:lstStyle/>
+                    <a:p>
+                      <a:pPr algn="ctr" fontAlgn="ctr"/>
+                      <a:r>
+                        <a:rPr lang="en-US" altLang="ko-KR" sz="1200" b="0" i="0" u="none" strike="noStrike">
+                          <a:solidFill>
+                            <a:srgbClr val="000000"/>
+                          </a:solidFill>
+                          <a:effectLst/>
+                          <a:latin typeface="나눔바른고딕" panose="020B0603020101020101" pitchFamily="50" charset="-127"/>
+                          <a:ea typeface="나눔바른고딕" panose="020B0603020101020101" pitchFamily="50" charset="-127"/>
+                        </a:rPr>
+                        <a:t>6</a:t>
+                      </a:r>
+                    </a:p>
+                  </a:txBody>
+                  <a:tcPr marL="9525" marR="9525" marT="9525" marB="0" anchor="ctr"/>
+                </a:tc>
+                <a:tc>
+                  <a:txBody>
+                    <a:bodyPr/>
+                    <a:lstStyle/>
+                    <a:p>
+                      <a:pPr algn="ctr" fontAlgn="ctr"/>
+                      <a:r>
+                        <a:rPr lang="en-US" altLang="ko-KR" sz="1200" b="0" i="0" u="none" strike="noStrike">
+                          <a:solidFill>
+                            <a:srgbClr val="000000"/>
+                          </a:solidFill>
+                          <a:effectLst/>
+                          <a:latin typeface="나눔바른고딕" panose="020B0603020101020101" pitchFamily="50" charset="-127"/>
+                          <a:ea typeface="나눔바른고딕" panose="020B0603020101020101" pitchFamily="50" charset="-127"/>
+                        </a:rPr>
+                        <a:t>1</a:t>
+                      </a:r>
+                    </a:p>
+                  </a:txBody>
+                  <a:tcPr marL="9525" marR="9525" marT="9525" marB="0" anchor="ctr"/>
+                </a:tc>
+                <a:tc>
+                  <a:txBody>
+                    <a:bodyPr/>
+                    <a:lstStyle/>
+                    <a:p>
+                      <a:pPr algn="ctr" fontAlgn="ctr"/>
+                      <a:r>
+                        <a:rPr lang="en-US" altLang="ko-KR" sz="1200" b="0" i="0" u="none" strike="noStrike">
+                          <a:solidFill>
+                            <a:srgbClr val="000000"/>
+                          </a:solidFill>
+                          <a:effectLst/>
+                          <a:latin typeface="나눔바른고딕" panose="020B0603020101020101" pitchFamily="50" charset="-127"/>
+                          <a:ea typeface="나눔바른고딕" panose="020B0603020101020101" pitchFamily="50" charset="-127"/>
+                        </a:rPr>
+                        <a:t>8</a:t>
+                      </a:r>
+                    </a:p>
+                  </a:txBody>
+                  <a:tcPr marL="9525" marR="9525" marT="9525" marB="0" anchor="ctr"/>
+                </a:tc>
+                <a:tc>
+                  <a:txBody>
+                    <a:bodyPr/>
+                    <a:lstStyle/>
+                    <a:p>
+                      <a:pPr algn="ctr" fontAlgn="ctr"/>
+                      <a:r>
+                        <a:rPr lang="en-US" altLang="ko-KR" sz="1200" b="0" i="0" u="none" strike="noStrike">
+                          <a:solidFill>
+                            <a:srgbClr val="000000"/>
+                          </a:solidFill>
+                          <a:effectLst/>
+                          <a:latin typeface="나눔바른고딕" panose="020B0603020101020101" pitchFamily="50" charset="-127"/>
+                          <a:ea typeface="나눔바른고딕" panose="020B0603020101020101" pitchFamily="50" charset="-127"/>
+                        </a:rPr>
+                        <a:t>3</a:t>
+                      </a:r>
+                    </a:p>
+                  </a:txBody>
+                  <a:tcPr marL="9525" marR="9525" marT="9525" marB="0" anchor="ctr"/>
+                </a:tc>
+                <a:tc>
+                  <a:txBody>
+                    <a:bodyPr/>
+                    <a:lstStyle/>
+                    <a:p>
+                      <a:pPr algn="ctr" fontAlgn="ctr"/>
+                      <a:r>
+                        <a:rPr lang="en-US" altLang="ko-KR" sz="1200" b="0" i="0" u="none" strike="noStrike">
+                          <a:solidFill>
+                            <a:srgbClr val="000000"/>
+                          </a:solidFill>
+                          <a:effectLst/>
+                          <a:latin typeface="나눔바른고딕" panose="020B0603020101020101" pitchFamily="50" charset="-127"/>
+                          <a:ea typeface="나눔바른고딕" panose="020B0603020101020101" pitchFamily="50" charset="-127"/>
+                        </a:rPr>
+                        <a:t>10</a:t>
+                      </a:r>
+                    </a:p>
+                  </a:txBody>
+                  <a:tcPr marL="9525" marR="9525" marT="9525" marB="0" anchor="ctr"/>
+                </a:tc>
+                <a:tc>
+                  <a:txBody>
+                    <a:bodyPr/>
+                    <a:lstStyle/>
+                    <a:p>
+                      <a:pPr algn="ctr" fontAlgn="ctr"/>
+                      <a:r>
+                        <a:rPr lang="en-US" altLang="ko-KR" sz="1200" b="0" i="0" u="none" strike="noStrike">
+                          <a:solidFill>
+                            <a:srgbClr val="000000"/>
+                          </a:solidFill>
+                          <a:effectLst/>
+                          <a:latin typeface="나눔바른고딕" panose="020B0603020101020101" pitchFamily="50" charset="-127"/>
+                          <a:ea typeface="나눔바른고딕" panose="020B0603020101020101" pitchFamily="50" charset="-127"/>
+                        </a:rPr>
+                        <a:t>5</a:t>
+                      </a:r>
+                    </a:p>
+                  </a:txBody>
+                  <a:tcPr marL="9525" marR="9525" marT="9525" marB="0" anchor="ctr"/>
+                </a:tc>
+                <a:tc>
+                  <a:txBody>
+                    <a:bodyPr/>
+                    <a:lstStyle/>
+                    <a:p>
+                      <a:pPr algn="ctr" fontAlgn="ctr"/>
+                      <a:r>
+                        <a:rPr lang="en-US" altLang="ko-KR" sz="1200" b="0" i="0" u="none" strike="noStrike">
+                          <a:solidFill>
+                            <a:srgbClr val="000000"/>
+                          </a:solidFill>
+                          <a:effectLst/>
+                          <a:latin typeface="나눔바른고딕" panose="020B0603020101020101" pitchFamily="50" charset="-127"/>
+                          <a:ea typeface="나눔바른고딕" panose="020B0603020101020101" pitchFamily="50" charset="-127"/>
+                        </a:rPr>
+                        <a:t>4</a:t>
+                      </a:r>
+                    </a:p>
+                  </a:txBody>
+                  <a:tcPr marL="9525" marR="9525" marT="9525" marB="0" anchor="ctr"/>
+                </a:tc>
+                <a:tc>
+                  <a:txBody>
+                    <a:bodyPr/>
+                    <a:lstStyle/>
+                    <a:p>
+                      <a:pPr algn="ctr" fontAlgn="ctr"/>
+                      <a:r>
+                        <a:rPr lang="en-US" altLang="ko-KR" sz="1200" b="0" i="0" u="none" strike="noStrike" dirty="0">
+                          <a:solidFill>
+                            <a:srgbClr val="000000"/>
+                          </a:solidFill>
+                          <a:effectLst/>
+                          <a:latin typeface="나눔바른고딕" panose="020B0603020101020101" pitchFamily="50" charset="-127"/>
+                          <a:ea typeface="나눔바른고딕" panose="020B0603020101020101" pitchFamily="50" charset="-127"/>
+                        </a:rPr>
+                        <a:t>7</a:t>
+                      </a:r>
+                    </a:p>
+                  </a:txBody>
+                  <a:tcPr marL="9525" marR="9525" marT="9525" marB="0" anchor="ctr"/>
+                </a:tc>
+                <a:extLst>
+                  <a:ext uri="{0D108BD9-81ED-4DB2-BD59-A6C34878D82A}">
+                    <a16:rowId xmlns:a16="http://schemas.microsoft.com/office/drawing/2014/main" val="2224048512"/>
+                  </a:ext>
+                </a:extLst>
+              </a:tr>
+            </a:tbl>
+          </a:graphicData>
+        </a:graphic>
+      </p:graphicFrame>
+      <p:graphicFrame>
+        <p:nvGraphicFramePr>
+          <p:cNvPr id="19" name="차트 18">
+            <a:extLst>
+              <a:ext uri="{FF2B5EF4-FFF2-40B4-BE49-F238E27FC236}">
+                <a16:creationId xmlns:a16="http://schemas.microsoft.com/office/drawing/2014/main" id="{C2D6F3F3-A9CA-07DB-E79C-EE5A3677AB45}"/>
+              </a:ext>
+            </a:extLst>
+          </p:cNvPr>
+          <p:cNvGraphicFramePr/>
+          <p:nvPr>
+            <p:extLst>
+              <p:ext uri="{D42A27DB-BD31-4B8C-83A1-F6EECF244321}">
+                <p14:modId xmlns:p14="http://schemas.microsoft.com/office/powerpoint/2010/main" val="1406967139"/>
+              </p:ext>
+            </p:extLst>
+          </p:nvPr>
+        </p:nvGraphicFramePr>
+        <p:xfrm>
+          <a:off x="853989" y="2297712"/>
+          <a:ext cx="3824417" cy="2986472"/>
+        </p:xfrm>
+        <a:graphic>
+          <a:graphicData uri="http://schemas.openxmlformats.org/drawingml/2006/chart">
+            <c:chart xmlns:c="http://schemas.openxmlformats.org/drawingml/2006/chart" xmlns:r="http://schemas.openxmlformats.org/officeDocument/2006/relationships" r:id="rId2"/>
+          </a:graphicData>
+        </a:graphic>
+      </p:graphicFrame>
+      <p:graphicFrame>
+        <p:nvGraphicFramePr>
+          <p:cNvPr id="21" name="차트 20">
+            <a:extLst>
+              <a:ext uri="{FF2B5EF4-FFF2-40B4-BE49-F238E27FC236}">
+                <a16:creationId xmlns:a16="http://schemas.microsoft.com/office/drawing/2014/main" id="{7D8DB379-F9DC-F6DE-26CC-820A12C46CFD}"/>
+              </a:ext>
+            </a:extLst>
+          </p:cNvPr>
+          <p:cNvGraphicFramePr/>
+          <p:nvPr>
+            <p:extLst>
+              <p:ext uri="{D42A27DB-BD31-4B8C-83A1-F6EECF244321}">
+                <p14:modId xmlns:p14="http://schemas.microsoft.com/office/powerpoint/2010/main" val="4083902928"/>
+              </p:ext>
+            </p:extLst>
+          </p:nvPr>
+        </p:nvGraphicFramePr>
+        <p:xfrm>
+          <a:off x="8381482" y="2297712"/>
+          <a:ext cx="3824417" cy="2986472"/>
+        </p:xfrm>
+        <a:graphic>
+          <a:graphicData uri="http://schemas.openxmlformats.org/drawingml/2006/chart">
+            <c:chart xmlns:c="http://schemas.openxmlformats.org/drawingml/2006/chart" xmlns:r="http://schemas.openxmlformats.org/officeDocument/2006/relationships" r:id="rId3"/>
+          </a:graphicData>
+        </a:graphic>
+      </p:graphicFrame>
+    </p:spTree>
+    <p:extLst>
+      <p:ext uri="{BB962C8B-B14F-4D97-AF65-F5344CB8AC3E}">
+        <p14:creationId xmlns:p14="http://schemas.microsoft.com/office/powerpoint/2010/main" val="4066294182"/>
+      </p:ext>
+    </p:extLst>
+  </p:cSld>
+  <p:clrMapOvr>
+    <a:masterClrMapping/>
+  </p:clrMapOvr>
+</p:sld>
+</file>
+
+<file path=ppt/slides/slide4.xml><?xml version="1.0" encoding="utf-8"?>
+<p:sld xmlns:a="http://schemas.openxmlformats.org/drawingml/2006/main" xmlns:r="http://schemas.openxmlformats.org/officeDocument/2006/relationships" xmlns:p="http://schemas.openxmlformats.org/presentationml/2006/main">
+  <p:cSld>
+    <p:spTree>
+      <p:nvGrpSpPr>
+        <p:cNvPr id="1" name=""/>
+        <p:cNvGrpSpPr/>
+        <p:nvPr/>
+      </p:nvGrpSpPr>
+      <p:grpSpPr>
+        <a:xfrm>
+          <a:off x="0" y="0"/>
+          <a:ext cx="0" cy="0"/>
+          <a:chOff x="0" y="0"/>
+          <a:chExt cx="0" cy="0"/>
+        </a:xfrm>
+      </p:grpSpPr>
+      <p:graphicFrame>
+        <p:nvGraphicFramePr>
+          <p:cNvPr id="5" name="표 4">
+            <a:extLst>
+              <a:ext uri="{FF2B5EF4-FFF2-40B4-BE49-F238E27FC236}">
+                <a16:creationId xmlns:a16="http://schemas.microsoft.com/office/drawing/2014/main" id="{F95635C3-F5A1-61BE-7B06-F2389AE34306}"/>
+              </a:ext>
+            </a:extLst>
+          </p:cNvPr>
+          <p:cNvGraphicFramePr>
+            <a:graphicFrameLocks noGrp="1"/>
+          </p:cNvGraphicFramePr>
+          <p:nvPr>
+            <p:extLst>
+              <p:ext uri="{D42A27DB-BD31-4B8C-83A1-F6EECF244321}">
+                <p14:modId xmlns:p14="http://schemas.microsoft.com/office/powerpoint/2010/main" val="320427537"/>
+              </p:ext>
+            </p:extLst>
+          </p:nvPr>
+        </p:nvGraphicFramePr>
+        <p:xfrm>
+          <a:off x="-60754" y="1487318"/>
+          <a:ext cx="6149026" cy="586302"/>
+        </p:xfrm>
+        <a:graphic>
+          <a:graphicData uri="http://schemas.openxmlformats.org/drawingml/2006/table">
+            <a:tbl>
+              <a:tblPr>
+                <a:tableStyleId>{5940675A-B579-460E-94D1-54222C63F5DA}</a:tableStyleId>
+              </a:tblPr>
+              <a:tblGrid>
+                <a:gridCol w="552590">
+                  <a:extLst>
+                    <a:ext uri="{9D8B030D-6E8A-4147-A177-3AD203B41FA5}">
+                      <a16:colId xmlns:a16="http://schemas.microsoft.com/office/drawing/2014/main" val="1670213888"/>
+                    </a:ext>
+                  </a:extLst>
+                </a:gridCol>
+                <a:gridCol w="552590">
+                  <a:extLst>
+                    <a:ext uri="{9D8B030D-6E8A-4147-A177-3AD203B41FA5}">
+                      <a16:colId xmlns:a16="http://schemas.microsoft.com/office/drawing/2014/main" val="594650284"/>
+                    </a:ext>
+                  </a:extLst>
+                </a:gridCol>
+                <a:gridCol w="552590">
+                  <a:extLst>
+                    <a:ext uri="{9D8B030D-6E8A-4147-A177-3AD203B41FA5}">
+                      <a16:colId xmlns:a16="http://schemas.microsoft.com/office/drawing/2014/main" val="2450153696"/>
+                    </a:ext>
+                  </a:extLst>
+                </a:gridCol>
+                <a:gridCol w="552590">
+                  <a:extLst>
+                    <a:ext uri="{9D8B030D-6E8A-4147-A177-3AD203B41FA5}">
+                      <a16:colId xmlns:a16="http://schemas.microsoft.com/office/drawing/2014/main" val="262758943"/>
+                    </a:ext>
+                  </a:extLst>
+                </a:gridCol>
+                <a:gridCol w="552590">
+                  <a:extLst>
+                    <a:ext uri="{9D8B030D-6E8A-4147-A177-3AD203B41FA5}">
+                      <a16:colId xmlns:a16="http://schemas.microsoft.com/office/drawing/2014/main" val="1357272361"/>
+                    </a:ext>
+                  </a:extLst>
+                </a:gridCol>
+                <a:gridCol w="552590">
+                  <a:extLst>
+                    <a:ext uri="{9D8B030D-6E8A-4147-A177-3AD203B41FA5}">
+                      <a16:colId xmlns:a16="http://schemas.microsoft.com/office/drawing/2014/main" val="3447787392"/>
+                    </a:ext>
+                  </a:extLst>
+                </a:gridCol>
+                <a:gridCol w="552590">
+                  <a:extLst>
+                    <a:ext uri="{9D8B030D-6E8A-4147-A177-3AD203B41FA5}">
+                      <a16:colId xmlns:a16="http://schemas.microsoft.com/office/drawing/2014/main" val="3252089526"/>
+                    </a:ext>
+                  </a:extLst>
+                </a:gridCol>
+                <a:gridCol w="552590">
+                  <a:extLst>
+                    <a:ext uri="{9D8B030D-6E8A-4147-A177-3AD203B41FA5}">
+                      <a16:colId xmlns:a16="http://schemas.microsoft.com/office/drawing/2014/main" val="3466614845"/>
+                    </a:ext>
+                  </a:extLst>
+                </a:gridCol>
+                <a:gridCol w="552590">
+                  <a:extLst>
+                    <a:ext uri="{9D8B030D-6E8A-4147-A177-3AD203B41FA5}">
+                      <a16:colId xmlns:a16="http://schemas.microsoft.com/office/drawing/2014/main" val="1361496769"/>
+                    </a:ext>
+                  </a:extLst>
+                </a:gridCol>
+                <a:gridCol w="552590">
+                  <a:extLst>
+                    <a:ext uri="{9D8B030D-6E8A-4147-A177-3AD203B41FA5}">
+                      <a16:colId xmlns:a16="http://schemas.microsoft.com/office/drawing/2014/main" val="3320287512"/>
+                    </a:ext>
+                  </a:extLst>
+                </a:gridCol>
+                <a:gridCol w="623126">
+                  <a:extLst>
+                    <a:ext uri="{9D8B030D-6E8A-4147-A177-3AD203B41FA5}">
+                      <a16:colId xmlns:a16="http://schemas.microsoft.com/office/drawing/2014/main" val="3942839457"/>
+                    </a:ext>
+                  </a:extLst>
+                </a:gridCol>
+              </a:tblGrid>
+              <a:tr h="293151">
+                <a:tc>
+                  <a:txBody>
+                    <a:bodyPr/>
+                    <a:lstStyle/>
+                    <a:p>
+                      <a:pPr algn="ctr" fontAlgn="b"/>
+                      <a:r>
+                        <a:rPr lang="en-US" sz="1200" u="none" strike="noStrike" dirty="0">
+                          <a:effectLst/>
+                          <a:latin typeface="나눔바른고딕" panose="020B0603020101020101" pitchFamily="50" charset="-127"/>
+                          <a:ea typeface="나눔바른고딕" panose="020B0603020101020101" pitchFamily="50" charset="-127"/>
+                        </a:rPr>
+                        <a:t>X</a:t>
+                      </a:r>
+                      <a:endParaRPr lang="en-US" sz="1200" b="1" i="0" u="none" strike="noStrike" dirty="0">
+                        <a:solidFill>
+                          <a:srgbClr val="D1D5DB"/>
+                        </a:solidFill>
+                        <a:effectLst/>
+                        <a:latin typeface="나눔바른고딕" panose="020B0603020101020101" pitchFamily="50" charset="-127"/>
+                        <a:ea typeface="나눔바른고딕" panose="020B0603020101020101" pitchFamily="50" charset="-127"/>
+                      </a:endParaRPr>
+                    </a:p>
+                  </a:txBody>
+                  <a:tcPr marL="9525" marR="9525" marT="9525" marB="0" anchor="ctr">
+                    <a:solidFill>
+                      <a:schemeClr val="tx2">
+                        <a:lumMod val="20000"/>
+                        <a:lumOff val="80000"/>
+                      </a:schemeClr>
+                    </a:solidFill>
+                  </a:tcPr>
+                </a:tc>
+                <a:tc>
+                  <a:txBody>
+                    <a:bodyPr/>
+                    <a:lstStyle/>
+                    <a:p>
+                      <a:pPr algn="ctr" fontAlgn="ctr"/>
+                      <a:r>
+                        <a:rPr lang="en-US" altLang="ko-KR" sz="1200" b="0" i="0" u="none" strike="noStrike" dirty="0">
+                          <a:solidFill>
+                            <a:schemeClr val="tx1"/>
+                          </a:solidFill>
+                          <a:effectLst/>
+                          <a:latin typeface="나눔바른고딕" panose="020B0603020101020101" pitchFamily="50" charset="-127"/>
+                          <a:ea typeface="나눔바른고딕" panose="020B0603020101020101" pitchFamily="50" charset="-127"/>
+                        </a:rPr>
+                        <a:t>1</a:t>
+                      </a:r>
+                    </a:p>
+                  </a:txBody>
+                  <a:tcPr marL="9525" marR="9525" marT="9525" marB="0" anchor="ctr"/>
+                </a:tc>
+                <a:tc>
+                  <a:txBody>
+                    <a:bodyPr/>
+                    <a:lstStyle/>
+                    <a:p>
+                      <a:pPr algn="ctr" fontAlgn="ctr"/>
+                      <a:r>
+                        <a:rPr lang="en-US" altLang="ko-KR" sz="1200" b="0" i="0" u="none" strike="noStrike" dirty="0">
+                          <a:solidFill>
+                            <a:schemeClr val="tx1"/>
+                          </a:solidFill>
+                          <a:effectLst/>
+                          <a:latin typeface="나눔바른고딕" panose="020B0603020101020101" pitchFamily="50" charset="-127"/>
+                          <a:ea typeface="나눔바른고딕" panose="020B0603020101020101" pitchFamily="50" charset="-127"/>
+                        </a:rPr>
+                        <a:t>2</a:t>
+                      </a:r>
+                    </a:p>
+                  </a:txBody>
+                  <a:tcPr marL="9525" marR="9525" marT="9525" marB="0" anchor="ctr"/>
+                </a:tc>
+                <a:tc>
+                  <a:txBody>
+                    <a:bodyPr/>
+                    <a:lstStyle/>
+                    <a:p>
+                      <a:pPr algn="ctr" fontAlgn="ctr"/>
+                      <a:r>
+                        <a:rPr lang="en-US" altLang="ko-KR" sz="1200" b="0" i="0" u="none" strike="noStrike">
+                          <a:solidFill>
+                            <a:schemeClr val="tx1"/>
+                          </a:solidFill>
+                          <a:effectLst/>
+                          <a:latin typeface="나눔바른고딕" panose="020B0603020101020101" pitchFamily="50" charset="-127"/>
+                          <a:ea typeface="나눔바른고딕" panose="020B0603020101020101" pitchFamily="50" charset="-127"/>
+                        </a:rPr>
+                        <a:t>3</a:t>
+                      </a:r>
+                    </a:p>
+                  </a:txBody>
+                  <a:tcPr marL="9525" marR="9525" marT="9525" marB="0" anchor="ctr"/>
+                </a:tc>
+                <a:tc>
+                  <a:txBody>
+                    <a:bodyPr/>
+                    <a:lstStyle/>
+                    <a:p>
+                      <a:pPr algn="ctr" fontAlgn="ctr"/>
+                      <a:r>
+                        <a:rPr lang="en-US" altLang="ko-KR" sz="1200" b="0" i="0" u="none" strike="noStrike">
+                          <a:solidFill>
+                            <a:schemeClr val="tx1"/>
+                          </a:solidFill>
+                          <a:effectLst/>
+                          <a:latin typeface="나눔바른고딕" panose="020B0603020101020101" pitchFamily="50" charset="-127"/>
+                          <a:ea typeface="나눔바른고딕" panose="020B0603020101020101" pitchFamily="50" charset="-127"/>
+                        </a:rPr>
+                        <a:t>4</a:t>
+                      </a:r>
+                    </a:p>
+                  </a:txBody>
+                  <a:tcPr marL="9525" marR="9525" marT="9525" marB="0" anchor="ctr"/>
+                </a:tc>
+                <a:tc>
+                  <a:txBody>
+                    <a:bodyPr/>
+                    <a:lstStyle/>
+                    <a:p>
+                      <a:pPr algn="ctr" fontAlgn="ctr"/>
+                      <a:r>
+                        <a:rPr lang="en-US" altLang="ko-KR" sz="1200" b="0" i="0" u="none" strike="noStrike">
+                          <a:solidFill>
+                            <a:schemeClr val="tx1"/>
+                          </a:solidFill>
+                          <a:effectLst/>
+                          <a:latin typeface="나눔바른고딕" panose="020B0603020101020101" pitchFamily="50" charset="-127"/>
+                          <a:ea typeface="나눔바른고딕" panose="020B0603020101020101" pitchFamily="50" charset="-127"/>
+                        </a:rPr>
+                        <a:t>5</a:t>
+                      </a:r>
+                    </a:p>
+                  </a:txBody>
+                  <a:tcPr marL="9525" marR="9525" marT="9525" marB="0" anchor="ctr"/>
+                </a:tc>
+                <a:tc>
+                  <a:txBody>
+                    <a:bodyPr/>
+                    <a:lstStyle/>
+                    <a:p>
+                      <a:pPr algn="ctr" fontAlgn="ctr"/>
+                      <a:r>
+                        <a:rPr lang="en-US" altLang="ko-KR" sz="1200" b="0" i="0" u="none" strike="noStrike">
+                          <a:solidFill>
+                            <a:schemeClr val="tx1"/>
+                          </a:solidFill>
+                          <a:effectLst/>
+                          <a:latin typeface="나눔바른고딕" panose="020B0603020101020101" pitchFamily="50" charset="-127"/>
+                          <a:ea typeface="나눔바른고딕" panose="020B0603020101020101" pitchFamily="50" charset="-127"/>
+                        </a:rPr>
+                        <a:t>6</a:t>
+                      </a:r>
+                    </a:p>
+                  </a:txBody>
+                  <a:tcPr marL="9525" marR="9525" marT="9525" marB="0" anchor="ctr"/>
+                </a:tc>
+                <a:tc>
+                  <a:txBody>
+                    <a:bodyPr/>
+                    <a:lstStyle/>
+                    <a:p>
+                      <a:pPr algn="ctr" fontAlgn="ctr"/>
+                      <a:r>
+                        <a:rPr lang="en-US" altLang="ko-KR" sz="1200" b="0" i="0" u="none" strike="noStrike">
+                          <a:solidFill>
+                            <a:schemeClr val="tx1"/>
+                          </a:solidFill>
+                          <a:effectLst/>
+                          <a:latin typeface="나눔바른고딕" panose="020B0603020101020101" pitchFamily="50" charset="-127"/>
+                          <a:ea typeface="나눔바른고딕" panose="020B0603020101020101" pitchFamily="50" charset="-127"/>
+                        </a:rPr>
+                        <a:t>7</a:t>
+                      </a:r>
+                    </a:p>
+                  </a:txBody>
+                  <a:tcPr marL="9525" marR="9525" marT="9525" marB="0" anchor="ctr"/>
+                </a:tc>
+                <a:tc>
+                  <a:txBody>
+                    <a:bodyPr/>
+                    <a:lstStyle/>
+                    <a:p>
+                      <a:pPr algn="ctr" fontAlgn="ctr"/>
+                      <a:r>
+                        <a:rPr lang="en-US" altLang="ko-KR" sz="1200" b="0" i="0" u="none" strike="noStrike">
+                          <a:solidFill>
+                            <a:schemeClr val="tx1"/>
+                          </a:solidFill>
+                          <a:effectLst/>
+                          <a:latin typeface="나눔바른고딕" panose="020B0603020101020101" pitchFamily="50" charset="-127"/>
+                          <a:ea typeface="나눔바른고딕" panose="020B0603020101020101" pitchFamily="50" charset="-127"/>
+                        </a:rPr>
+                        <a:t>8</a:t>
+                      </a:r>
+                    </a:p>
+                  </a:txBody>
+                  <a:tcPr marL="9525" marR="9525" marT="9525" marB="0" anchor="ctr"/>
+                </a:tc>
+                <a:tc>
+                  <a:txBody>
+                    <a:bodyPr/>
+                    <a:lstStyle/>
+                    <a:p>
+                      <a:pPr algn="ctr" fontAlgn="ctr"/>
+                      <a:r>
+                        <a:rPr lang="en-US" altLang="ko-KR" sz="1200" b="0" i="0" u="none" strike="noStrike">
+                          <a:solidFill>
+                            <a:schemeClr val="tx1"/>
+                          </a:solidFill>
+                          <a:effectLst/>
+                          <a:latin typeface="나눔바른고딕" panose="020B0603020101020101" pitchFamily="50" charset="-127"/>
+                          <a:ea typeface="나눔바른고딕" panose="020B0603020101020101" pitchFamily="50" charset="-127"/>
+                        </a:rPr>
+                        <a:t>9</a:t>
+                      </a:r>
+                    </a:p>
+                  </a:txBody>
+                  <a:tcPr marL="9525" marR="9525" marT="9525" marB="0" anchor="ctr"/>
+                </a:tc>
+                <a:tc>
+                  <a:txBody>
+                    <a:bodyPr/>
+                    <a:lstStyle/>
+                    <a:p>
+                      <a:pPr algn="ctr" fontAlgn="ctr"/>
+                      <a:r>
+                        <a:rPr lang="en-US" altLang="ko-KR" sz="1200" b="0" i="0" u="none" strike="noStrike">
+                          <a:solidFill>
+                            <a:schemeClr val="tx1"/>
+                          </a:solidFill>
+                          <a:effectLst/>
+                          <a:latin typeface="나눔바른고딕" panose="020B0603020101020101" pitchFamily="50" charset="-127"/>
+                          <a:ea typeface="나눔바른고딕" panose="020B0603020101020101" pitchFamily="50" charset="-127"/>
+                        </a:rPr>
+                        <a:t>10</a:t>
+                      </a:r>
+                    </a:p>
+                  </a:txBody>
+                  <a:tcPr marL="9525" marR="9525" marT="9525" marB="0" anchor="ctr"/>
+                </a:tc>
+                <a:extLst>
+                  <a:ext uri="{0D108BD9-81ED-4DB2-BD59-A6C34878D82A}">
+                    <a16:rowId xmlns:a16="http://schemas.microsoft.com/office/drawing/2014/main" val="2629440827"/>
+                  </a:ext>
+                </a:extLst>
+              </a:tr>
+              <a:tr h="293151">
+                <a:tc>
+                  <a:txBody>
+                    <a:bodyPr/>
+                    <a:lstStyle/>
+                    <a:p>
+                      <a:pPr algn="ctr" fontAlgn="b"/>
+                      <a:r>
+                        <a:rPr lang="en-US" sz="1200" u="none" strike="noStrike" dirty="0">
+                          <a:effectLst/>
+                          <a:latin typeface="나눔바른고딕" panose="020B0603020101020101" pitchFamily="50" charset="-127"/>
+                          <a:ea typeface="나눔바른고딕" panose="020B0603020101020101" pitchFamily="50" charset="-127"/>
+                        </a:rPr>
+                        <a:t>Y</a:t>
+                      </a:r>
+                      <a:endParaRPr lang="en-US" sz="1200" b="1" i="0" u="none" strike="noStrike" dirty="0">
+                        <a:solidFill>
+                          <a:srgbClr val="D1D5DB"/>
+                        </a:solidFill>
+                        <a:effectLst/>
+                        <a:latin typeface="나눔바른고딕" panose="020B0603020101020101" pitchFamily="50" charset="-127"/>
+                        <a:ea typeface="나눔바른고딕" panose="020B0603020101020101" pitchFamily="50" charset="-127"/>
+                      </a:endParaRPr>
+                    </a:p>
+                  </a:txBody>
+                  <a:tcPr marL="9525" marR="9525" marT="9525" marB="0" anchor="ctr">
+                    <a:solidFill>
+                      <a:schemeClr val="tx2">
+                        <a:lumMod val="20000"/>
+                        <a:lumOff val="80000"/>
+                      </a:schemeClr>
+                    </a:solidFill>
+                  </a:tcPr>
+                </a:tc>
+                <a:tc>
+                  <a:txBody>
+                    <a:bodyPr/>
+                    <a:lstStyle/>
+                    <a:p>
+                      <a:pPr algn="ctr" fontAlgn="ctr"/>
+                      <a:r>
+                        <a:rPr lang="en-US" altLang="ko-KR" sz="1200" b="0" i="0" u="none" strike="noStrike" dirty="0">
+                          <a:solidFill>
+                            <a:schemeClr val="tx1"/>
+                          </a:solidFill>
+                          <a:effectLst/>
+                          <a:latin typeface="나눔바른고딕" panose="020B0603020101020101" pitchFamily="50" charset="-127"/>
+                          <a:ea typeface="나눔바른고딕" panose="020B0603020101020101" pitchFamily="50" charset="-127"/>
+                        </a:rPr>
+                        <a:t>exp(1)</a:t>
+                      </a:r>
+                    </a:p>
+                  </a:txBody>
+                  <a:tcPr marL="9525" marR="9525" marT="9525" marB="0" anchor="ctr"/>
+                </a:tc>
+                <a:tc>
+                  <a:txBody>
+                    <a:bodyPr/>
+                    <a:lstStyle/>
+                    <a:p>
+                      <a:pPr marL="0" marR="0" lvl="0" indent="0" algn="ctr" defTabSz="957838" rtl="0" eaLnBrk="1" fontAlgn="ctr" latinLnBrk="1" hangingPunct="1">
+                        <a:lnSpc>
+                          <a:spcPct val="100000"/>
+                        </a:lnSpc>
+                        <a:spcBef>
+                          <a:spcPts val="0"/>
+                        </a:spcBef>
+                        <a:spcAft>
+                          <a:spcPts val="0"/>
+                        </a:spcAft>
+                        <a:buClrTx/>
+                        <a:buSzTx/>
+                        <a:buFontTx/>
+                        <a:buNone/>
+                        <a:tabLst/>
+                        <a:defRPr/>
+                      </a:pPr>
+                      <a:r>
+                        <a:rPr lang="en-US" altLang="ko-KR" sz="1200" b="0" i="0" u="none" strike="noStrike" dirty="0">
+                          <a:solidFill>
+                            <a:schemeClr val="tx1"/>
+                          </a:solidFill>
+                          <a:effectLst/>
+                          <a:latin typeface="나눔바른고딕" panose="020B0603020101020101" pitchFamily="50" charset="-127"/>
+                          <a:ea typeface="나눔바른고딕" panose="020B0603020101020101" pitchFamily="50" charset="-127"/>
+                        </a:rPr>
+                        <a:t>exp(2)</a:t>
+                      </a:r>
+                    </a:p>
+                  </a:txBody>
+                  <a:tcPr marL="9525" marR="9525" marT="9525" marB="0" anchor="ctr"/>
+                </a:tc>
+                <a:tc>
+                  <a:txBody>
+                    <a:bodyPr/>
+                    <a:lstStyle/>
+                    <a:p>
+                      <a:pPr algn="ctr" fontAlgn="ctr"/>
+                      <a:r>
+                        <a:rPr lang="en-US" altLang="ko-KR" sz="1200" b="0" i="0" u="none" strike="noStrike" dirty="0">
+                          <a:solidFill>
+                            <a:schemeClr val="tx1"/>
+                          </a:solidFill>
+                          <a:effectLst/>
+                          <a:latin typeface="나눔바른고딕" panose="020B0603020101020101" pitchFamily="50" charset="-127"/>
+                          <a:ea typeface="나눔바른고딕" panose="020B0603020101020101" pitchFamily="50" charset="-127"/>
+                        </a:rPr>
+                        <a:t>exp(3)</a:t>
+                      </a:r>
+                    </a:p>
+                  </a:txBody>
+                  <a:tcPr marL="9525" marR="9525" marT="9525" marB="0" anchor="ctr"/>
+                </a:tc>
+                <a:tc>
+                  <a:txBody>
+                    <a:bodyPr/>
+                    <a:lstStyle/>
+                    <a:p>
+                      <a:pPr marL="0" marR="0" lvl="0" indent="0" algn="ctr" defTabSz="957838" rtl="0" eaLnBrk="1" fontAlgn="ctr" latinLnBrk="1" hangingPunct="1">
+                        <a:lnSpc>
+                          <a:spcPct val="100000"/>
+                        </a:lnSpc>
+                        <a:spcBef>
+                          <a:spcPts val="0"/>
+                        </a:spcBef>
+                        <a:spcAft>
+                          <a:spcPts val="0"/>
+                        </a:spcAft>
+                        <a:buClrTx/>
+                        <a:buSzTx/>
+                        <a:buFontTx/>
+                        <a:buNone/>
+                        <a:tabLst/>
+                        <a:defRPr/>
+                      </a:pPr>
+                      <a:r>
+                        <a:rPr lang="en-US" altLang="ko-KR" sz="1200" b="0" i="0" u="none" strike="noStrike" dirty="0">
+                          <a:solidFill>
+                            <a:schemeClr val="tx1"/>
+                          </a:solidFill>
+                          <a:effectLst/>
+                          <a:latin typeface="나눔바른고딕" panose="020B0603020101020101" pitchFamily="50" charset="-127"/>
+                          <a:ea typeface="나눔바른고딕" panose="020B0603020101020101" pitchFamily="50" charset="-127"/>
+                        </a:rPr>
+                        <a:t>exp(4)</a:t>
+                      </a:r>
+                    </a:p>
+                  </a:txBody>
+                  <a:tcPr marL="9525" marR="9525" marT="9525" marB="0" anchor="ctr"/>
+                </a:tc>
+                <a:tc>
+                  <a:txBody>
+                    <a:bodyPr/>
+                    <a:lstStyle/>
+                    <a:p>
+                      <a:pPr algn="ctr" fontAlgn="ctr"/>
+                      <a:r>
+                        <a:rPr lang="en-US" altLang="ko-KR" sz="1200" b="0" i="0" u="none" strike="noStrike" dirty="0">
+                          <a:solidFill>
+                            <a:schemeClr val="tx1"/>
+                          </a:solidFill>
+                          <a:effectLst/>
+                          <a:latin typeface="나눔바른고딕" panose="020B0603020101020101" pitchFamily="50" charset="-127"/>
+                          <a:ea typeface="나눔바른고딕" panose="020B0603020101020101" pitchFamily="50" charset="-127"/>
+                        </a:rPr>
+                        <a:t>exp(5)</a:t>
+                      </a:r>
+                    </a:p>
+                  </a:txBody>
+                  <a:tcPr marL="9525" marR="9525" marT="9525" marB="0" anchor="ctr"/>
+                </a:tc>
+                <a:tc>
+                  <a:txBody>
+                    <a:bodyPr/>
+                    <a:lstStyle/>
+                    <a:p>
+                      <a:pPr marL="0" marR="0" lvl="0" indent="0" algn="ctr" defTabSz="957838" rtl="0" eaLnBrk="1" fontAlgn="ctr" latinLnBrk="1" hangingPunct="1">
+                        <a:lnSpc>
+                          <a:spcPct val="100000"/>
+                        </a:lnSpc>
+                        <a:spcBef>
+                          <a:spcPts val="0"/>
+                        </a:spcBef>
+                        <a:spcAft>
+                          <a:spcPts val="0"/>
+                        </a:spcAft>
+                        <a:buClrTx/>
+                        <a:buSzTx/>
+                        <a:buFontTx/>
+                        <a:buNone/>
+                        <a:tabLst/>
+                        <a:defRPr/>
+                      </a:pPr>
+                      <a:r>
+                        <a:rPr lang="en-US" altLang="ko-KR" sz="1200" b="0" i="0" u="none" strike="noStrike" dirty="0">
+                          <a:solidFill>
+                            <a:schemeClr val="tx1"/>
+                          </a:solidFill>
+                          <a:effectLst/>
+                          <a:latin typeface="나눔바른고딕" panose="020B0603020101020101" pitchFamily="50" charset="-127"/>
+                          <a:ea typeface="나눔바른고딕" panose="020B0603020101020101" pitchFamily="50" charset="-127"/>
+                        </a:rPr>
+                        <a:t>exp(6)</a:t>
+                      </a:r>
+                    </a:p>
+                  </a:txBody>
+                  <a:tcPr marL="9525" marR="9525" marT="9525" marB="0" anchor="ctr"/>
+                </a:tc>
+                <a:tc>
+                  <a:txBody>
+                    <a:bodyPr/>
+                    <a:lstStyle/>
+                    <a:p>
+                      <a:pPr algn="ctr" fontAlgn="ctr"/>
+                      <a:r>
+                        <a:rPr lang="en-US" altLang="ko-KR" sz="1200" b="0" i="0" u="none" strike="noStrike" dirty="0">
+                          <a:solidFill>
+                            <a:schemeClr val="tx1"/>
+                          </a:solidFill>
+                          <a:effectLst/>
+                          <a:latin typeface="나눔바른고딕" panose="020B0603020101020101" pitchFamily="50" charset="-127"/>
+                          <a:ea typeface="나눔바른고딕" panose="020B0603020101020101" pitchFamily="50" charset="-127"/>
+                        </a:rPr>
+                        <a:t>exp(7)</a:t>
+                      </a:r>
+                    </a:p>
+                  </a:txBody>
+                  <a:tcPr marL="9525" marR="9525" marT="9525" marB="0" anchor="ctr"/>
+                </a:tc>
+                <a:tc>
+                  <a:txBody>
+                    <a:bodyPr/>
+                    <a:lstStyle/>
+                    <a:p>
+                      <a:pPr marL="0" marR="0" lvl="0" indent="0" algn="ctr" defTabSz="957838" rtl="0" eaLnBrk="1" fontAlgn="ctr" latinLnBrk="1" hangingPunct="1">
+                        <a:lnSpc>
+                          <a:spcPct val="100000"/>
+                        </a:lnSpc>
+                        <a:spcBef>
+                          <a:spcPts val="0"/>
+                        </a:spcBef>
+                        <a:spcAft>
+                          <a:spcPts val="0"/>
+                        </a:spcAft>
+                        <a:buClrTx/>
+                        <a:buSzTx/>
+                        <a:buFontTx/>
+                        <a:buNone/>
+                        <a:tabLst/>
+                        <a:defRPr/>
+                      </a:pPr>
+                      <a:r>
+                        <a:rPr lang="en-US" altLang="ko-KR" sz="1200" b="0" i="0" u="none" strike="noStrike" dirty="0">
+                          <a:solidFill>
+                            <a:schemeClr val="tx1"/>
+                          </a:solidFill>
+                          <a:effectLst/>
+                          <a:latin typeface="나눔바른고딕" panose="020B0603020101020101" pitchFamily="50" charset="-127"/>
+                          <a:ea typeface="나눔바른고딕" panose="020B0603020101020101" pitchFamily="50" charset="-127"/>
+                        </a:rPr>
+                        <a:t>exp(8)</a:t>
+                      </a:r>
+                    </a:p>
+                  </a:txBody>
+                  <a:tcPr marL="9525" marR="9525" marT="9525" marB="0" anchor="ctr"/>
+                </a:tc>
+                <a:tc>
+                  <a:txBody>
+                    <a:bodyPr/>
+                    <a:lstStyle/>
+                    <a:p>
+                      <a:pPr algn="ctr" fontAlgn="ctr"/>
+                      <a:r>
+                        <a:rPr lang="en-US" altLang="ko-KR" sz="1200" b="0" i="0" u="none" strike="noStrike" dirty="0">
+                          <a:solidFill>
+                            <a:schemeClr val="tx1"/>
+                          </a:solidFill>
+                          <a:effectLst/>
+                          <a:latin typeface="나눔바른고딕" panose="020B0603020101020101" pitchFamily="50" charset="-127"/>
+                          <a:ea typeface="나눔바른고딕" panose="020B0603020101020101" pitchFamily="50" charset="-127"/>
+                        </a:rPr>
+                        <a:t>exp(9)</a:t>
+                      </a:r>
+                    </a:p>
+                  </a:txBody>
+                  <a:tcPr marL="9525" marR="9525" marT="9525" marB="0" anchor="ctr"/>
+                </a:tc>
+                <a:tc>
+                  <a:txBody>
+                    <a:bodyPr/>
+                    <a:lstStyle/>
+                    <a:p>
+                      <a:pPr marL="0" marR="0" lvl="0" indent="0" algn="ctr" defTabSz="957838" rtl="0" eaLnBrk="1" fontAlgn="ctr" latinLnBrk="1" hangingPunct="1">
+                        <a:lnSpc>
+                          <a:spcPct val="100000"/>
+                        </a:lnSpc>
+                        <a:spcBef>
+                          <a:spcPts val="0"/>
+                        </a:spcBef>
+                        <a:spcAft>
+                          <a:spcPts val="0"/>
+                        </a:spcAft>
+                        <a:buClrTx/>
+                        <a:buSzTx/>
+                        <a:buFontTx/>
+                        <a:buNone/>
+                        <a:tabLst/>
+                        <a:defRPr/>
+                      </a:pPr>
+                      <a:r>
+                        <a:rPr lang="en-US" altLang="ko-KR" sz="1200" b="0" i="0" u="none" strike="noStrike" dirty="0">
+                          <a:solidFill>
+                            <a:schemeClr val="tx1"/>
+                          </a:solidFill>
+                          <a:effectLst/>
+                          <a:latin typeface="나눔바른고딕" panose="020B0603020101020101" pitchFamily="50" charset="-127"/>
+                          <a:ea typeface="나눔바른고딕" panose="020B0603020101020101" pitchFamily="50" charset="-127"/>
+                        </a:rPr>
+                        <a:t>exp(10)</a:t>
+                      </a:r>
+                    </a:p>
+                  </a:txBody>
+                  <a:tcPr marL="9525" marR="9525" marT="9525" marB="0" anchor="ctr"/>
+                </a:tc>
+                <a:extLst>
+                  <a:ext uri="{0D108BD9-81ED-4DB2-BD59-A6C34878D82A}">
+                    <a16:rowId xmlns:a16="http://schemas.microsoft.com/office/drawing/2014/main" val="2224048512"/>
+                  </a:ext>
+                </a:extLst>
+              </a:tr>
+            </a:tbl>
+          </a:graphicData>
+        </a:graphic>
+      </p:graphicFrame>
+      <p:graphicFrame>
+        <p:nvGraphicFramePr>
+          <p:cNvPr id="6" name="차트 5">
+            <a:extLst>
+              <a:ext uri="{FF2B5EF4-FFF2-40B4-BE49-F238E27FC236}">
+                <a16:creationId xmlns:a16="http://schemas.microsoft.com/office/drawing/2014/main" id="{FF686142-5617-8D2F-72DE-E962C910174C}"/>
+              </a:ext>
+            </a:extLst>
+          </p:cNvPr>
+          <p:cNvGraphicFramePr/>
+          <p:nvPr>
+            <p:extLst>
+              <p:ext uri="{D42A27DB-BD31-4B8C-83A1-F6EECF244321}">
+                <p14:modId xmlns:p14="http://schemas.microsoft.com/office/powerpoint/2010/main" val="1589350789"/>
+              </p:ext>
+            </p:extLst>
+          </p:nvPr>
+        </p:nvGraphicFramePr>
+        <p:xfrm>
+          <a:off x="860167" y="2384210"/>
+          <a:ext cx="3824417" cy="2986472"/>
+        </p:xfrm>
+        <a:graphic>
+          <a:graphicData uri="http://schemas.openxmlformats.org/drawingml/2006/chart">
+            <c:chart xmlns:c="http://schemas.openxmlformats.org/drawingml/2006/chart" xmlns:r="http://schemas.openxmlformats.org/officeDocument/2006/relationships" r:id="rId2"/>
+          </a:graphicData>
+        </a:graphic>
+      </p:graphicFrame>
+    </p:spTree>
+    <p:extLst>
+      <p:ext uri="{BB962C8B-B14F-4D97-AF65-F5344CB8AC3E}">
+        <p14:creationId xmlns:p14="http://schemas.microsoft.com/office/powerpoint/2010/main" val="4012321435"/>
+      </p:ext>
+    </p:extLst>
+  </p:cSld>
+  <p:clrMapOvr>
+    <a:masterClrMapping/>
+  </p:clrMapOvr>
+</p:sld>
+</file>
+
 <file path=ppt/theme/theme1.xml><?xml version="1.0" encoding="utf-8"?>
 <a:theme xmlns:a="http://schemas.openxmlformats.org/drawingml/2006/main" name="HMC">
   <a:themeElements>
